--- a/corpora_0824.pptx
+++ b/corpora_0824.pptx
@@ -353,7 +353,7 @@
           <a:p>
             <a:fld id="{9F1E0F38-215A-184B-9A66-026E7DBC7BFE}" type="datetimeFigureOut">
               <a:rPr lang="en-US" smtClean="0"/>
-              <a:t>8/28/18</a:t>
+              <a:t>9/3/2018</a:t>
             </a:fld>
             <a:endParaRPr lang="en-US"/>
           </a:p>
@@ -723,72 +723,80 @@
       </p:grpSpPr>
       <p:sp>
         <p:nvSpPr>
-          <p:cNvPr id="70658" name="Rectangle 7"/>
-          <p:cNvSpPr>
-            <a:spLocks noGrp="1" noChangeArrowheads="1"/>
-          </p:cNvSpPr>
-          <p:nvPr>
-            <p:ph type="sldNum" sz="quarter" idx="5"/>
-          </p:nvPr>
-        </p:nvSpPr>
-        <p:spPr>
-          <a:noFill/>
-        </p:spPr>
+          <p:cNvPr id="2" name="Slide Image Placeholder 1"/>
+          <p:cNvSpPr>
+            <a:spLocks noGrp="1" noRot="1" noChangeAspect="1"/>
+          </p:cNvSpPr>
+          <p:nvPr>
+            <p:ph type="sldImg"/>
+          </p:nvPr>
+        </p:nvSpPr>
+        <p:spPr/>
+      </p:sp>
+      <p:sp>
+        <p:nvSpPr>
+          <p:cNvPr id="3" name="Notes Placeholder 2"/>
+          <p:cNvSpPr>
+            <a:spLocks noGrp="1"/>
+          </p:cNvSpPr>
+          <p:nvPr>
+            <p:ph type="body" idx="1"/>
+          </p:nvPr>
+        </p:nvSpPr>
+        <p:spPr/>
         <p:txBody>
           <a:bodyPr/>
           <a:lstStyle/>
           <a:p>
-            <a:fld id="{2E64B176-3CE7-6A41-BE1E-57EEC52B0665}" type="slidenum">
-              <a:rPr lang="en-US"/>
-              <a:pPr/>
-              <a:t>45</a:t>
-            </a:fld>
-            <a:endParaRPr lang="en-US"/>
+            <a:endParaRPr lang="en-US" dirty="0"/>
+          </a:p>
+          <a:p>
+            <a:pPr marL="0" marR="0" lvl="0" indent="0" algn="l" defTabSz="914400" rtl="0" eaLnBrk="1" fontAlgn="auto" latinLnBrk="0" hangingPunct="1">
+              <a:lnSpc>
+                <a:spcPct val="100000"/>
+              </a:lnSpc>
+              <a:spcBef>
+                <a:spcPts val="0"/>
+              </a:spcBef>
+              <a:spcAft>
+                <a:spcPts val="0"/>
+              </a:spcAft>
+              <a:buClrTx/>
+              <a:buSzTx/>
+              <a:buFontTx/>
+              <a:buNone/>
+              <a:tabLst/>
+              <a:defRPr/>
+            </a:pPr>
+            <a:r>
+              <a:rPr lang="en-US" dirty="0"/>
+              <a:t>These are analogues to the commands run in class but different names of files were used</a:t>
+            </a:r>
+          </a:p>
+          <a:p>
+            <a:endParaRPr lang="en-US" dirty="0"/>
           </a:p>
         </p:txBody>
       </p:sp>
       <p:sp>
         <p:nvSpPr>
-          <p:cNvPr id="70659" name="Rectangle 2"/>
-          <p:cNvSpPr>
-            <a:spLocks noGrp="1" noRot="1" noChangeAspect="1" noChangeArrowheads="1"/>
-          </p:cNvSpPr>
-          <p:nvPr>
-            <p:ph type="sldImg"/>
-          </p:nvPr>
-        </p:nvSpPr>
-        <p:spPr>
-          <a:solidFill>
-            <a:srgbClr val="FFFFFF"/>
-          </a:solidFill>
-          <a:ln/>
-        </p:spPr>
-      </p:sp>
-      <p:sp>
-        <p:nvSpPr>
-          <p:cNvPr id="70660" name="Rectangle 3"/>
-          <p:cNvSpPr>
-            <a:spLocks noGrp="1" noChangeArrowheads="1"/>
-          </p:cNvSpPr>
-          <p:nvPr>
-            <p:ph type="body" idx="1"/>
-          </p:nvPr>
-        </p:nvSpPr>
-        <p:spPr>
-          <a:solidFill>
-            <a:srgbClr val="FFFFFF"/>
-          </a:solidFill>
-          <a:ln>
-            <a:solidFill>
-              <a:srgbClr val="000000"/>
-            </a:solidFill>
-          </a:ln>
-        </p:spPr>
+          <p:cNvPr id="4" name="Slide Number Placeholder 3"/>
+          <p:cNvSpPr>
+            <a:spLocks noGrp="1"/>
+          </p:cNvSpPr>
+          <p:nvPr>
+            <p:ph type="sldNum" sz="quarter" idx="10"/>
+          </p:nvPr>
+        </p:nvSpPr>
+        <p:spPr/>
         <p:txBody>
           <a:bodyPr/>
           <a:lstStyle/>
           <a:p>
-            <a:pPr eaLnBrk="1" hangingPunct="1"/>
+            <a:fld id="{8CE0FD87-9A44-5E45-8C0E-52F1E538B50D}" type="slidenum">
+              <a:rPr lang="en-US" smtClean="0"/>
+              <a:t>34</a:t>
+            </a:fld>
             <a:endParaRPr lang="en-US"/>
           </a:p>
         </p:txBody>
@@ -796,7 +804,7 @@
     </p:spTree>
     <p:extLst>
       <p:ext uri="{BB962C8B-B14F-4D97-AF65-F5344CB8AC3E}">
-        <p14:creationId xmlns:p14="http://schemas.microsoft.com/office/powerpoint/2010/main" val="1960119039"/>
+        <p14:creationId xmlns:p14="http://schemas.microsoft.com/office/powerpoint/2010/main" val="117025507"/>
       </p:ext>
     </p:extLst>
   </p:cSld>
@@ -825,84 +833,65 @@
       </p:grpSpPr>
       <p:sp>
         <p:nvSpPr>
-          <p:cNvPr id="72706" name="Rectangle 7"/>
-          <p:cNvSpPr>
-            <a:spLocks noGrp="1" noChangeArrowheads="1"/>
-          </p:cNvSpPr>
-          <p:nvPr>
-            <p:ph type="sldNum" sz="quarter" idx="5"/>
-          </p:nvPr>
-        </p:nvSpPr>
-        <p:spPr>
-          <a:noFill/>
-        </p:spPr>
+          <p:cNvPr id="2" name="Slide Image Placeholder 1"/>
+          <p:cNvSpPr>
+            <a:spLocks noGrp="1" noRot="1" noChangeAspect="1"/>
+          </p:cNvSpPr>
+          <p:nvPr>
+            <p:ph type="sldImg"/>
+          </p:nvPr>
+        </p:nvSpPr>
+        <p:spPr/>
+      </p:sp>
+      <p:sp>
+        <p:nvSpPr>
+          <p:cNvPr id="3" name="Notes Placeholder 2"/>
+          <p:cNvSpPr>
+            <a:spLocks noGrp="1"/>
+          </p:cNvSpPr>
+          <p:nvPr>
+            <p:ph type="body" idx="1"/>
+          </p:nvPr>
+        </p:nvSpPr>
+        <p:spPr/>
         <p:txBody>
           <a:bodyPr/>
           <a:lstStyle/>
           <a:p>
-            <a:fld id="{AD123507-3658-094F-A348-B086D6EDE221}" type="slidenum">
-              <a:rPr lang="en-US"/>
-              <a:pPr/>
-              <a:t>46</a:t>
+            <a:r>
+              <a:rPr lang="en-US" dirty="0"/>
+              <a:t>take top 10 from training, ask for shout</a:t>
+            </a:r>
+          </a:p>
+        </p:txBody>
+      </p:sp>
+      <p:sp>
+        <p:nvSpPr>
+          <p:cNvPr id="4" name="Slide Number Placeholder 3"/>
+          <p:cNvSpPr>
+            <a:spLocks noGrp="1"/>
+          </p:cNvSpPr>
+          <p:nvPr>
+            <p:ph type="sldNum" sz="quarter" idx="10"/>
+          </p:nvPr>
+        </p:nvSpPr>
+        <p:spPr/>
+        <p:txBody>
+          <a:bodyPr/>
+          <a:lstStyle/>
+          <a:p>
+            <a:fld id="{8CE0FD87-9A44-5E45-8C0E-52F1E538B50D}" type="slidenum">
+              <a:rPr lang="en-US" smtClean="0"/>
+              <a:t>37</a:t>
             </a:fld>
             <a:endParaRPr lang="en-US"/>
-          </a:p>
-        </p:txBody>
-      </p:sp>
-      <p:sp>
-        <p:nvSpPr>
-          <p:cNvPr id="72707" name="Rectangle 2"/>
-          <p:cNvSpPr>
-            <a:spLocks noGrp="1" noRot="1" noChangeAspect="1" noChangeArrowheads="1" noTextEdit="1"/>
-          </p:cNvSpPr>
-          <p:nvPr>
-            <p:ph type="sldImg"/>
-          </p:nvPr>
-        </p:nvSpPr>
-        <p:spPr>
-          <a:solidFill>
-            <a:srgbClr val="FFFFFF"/>
-          </a:solidFill>
-          <a:ln/>
-        </p:spPr>
-      </p:sp>
-      <p:sp>
-        <p:nvSpPr>
-          <p:cNvPr id="72708" name="Rectangle 3"/>
-          <p:cNvSpPr>
-            <a:spLocks noGrp="1" noChangeArrowheads="1"/>
-          </p:cNvSpPr>
-          <p:nvPr>
-            <p:ph type="body" idx="1"/>
-          </p:nvPr>
-        </p:nvSpPr>
-        <p:spPr>
-          <a:xfrm>
-            <a:off x="912707" y="4463296"/>
-            <a:ext cx="5019887" cy="4228386"/>
-          </a:xfrm>
-          <a:solidFill>
-            <a:srgbClr val="FFFFFF"/>
-          </a:solidFill>
-          <a:ln>
-            <a:solidFill>
-              <a:srgbClr val="000000"/>
-            </a:solidFill>
-          </a:ln>
-        </p:spPr>
-        <p:txBody>
-          <a:bodyPr lIns="91435" tIns="45718" rIns="91435" bIns="45718"/>
-          <a:lstStyle/>
-          <a:p>
-            <a:pPr eaLnBrk="1" hangingPunct="1"/>
-            <a:endParaRPr lang="en-US" b="1" dirty="0"/>
           </a:p>
         </p:txBody>
       </p:sp>
     </p:spTree>
     <p:extLst>
       <p:ext uri="{BB962C8B-B14F-4D97-AF65-F5344CB8AC3E}">
-        <p14:creationId xmlns:p14="http://schemas.microsoft.com/office/powerpoint/2010/main" val="1905609577"/>
+        <p14:creationId xmlns:p14="http://schemas.microsoft.com/office/powerpoint/2010/main" val="1589492952"/>
       </p:ext>
     </p:extLst>
   </p:cSld>
@@ -931,87 +920,62 @@
       </p:grpSpPr>
       <p:sp>
         <p:nvSpPr>
-          <p:cNvPr id="74754" name="Rectangle 7"/>
-          <p:cNvSpPr>
-            <a:spLocks noGrp="1" noChangeArrowheads="1"/>
-          </p:cNvSpPr>
-          <p:nvPr>
-            <p:ph type="sldNum" sz="quarter" idx="5"/>
-          </p:nvPr>
-        </p:nvSpPr>
-        <p:spPr>
-          <a:noFill/>
-        </p:spPr>
+          <p:cNvPr id="2" name="Slide Image Placeholder 1"/>
+          <p:cNvSpPr>
+            <a:spLocks noGrp="1" noRot="1" noChangeAspect="1"/>
+          </p:cNvSpPr>
+          <p:nvPr>
+            <p:ph type="sldImg"/>
+          </p:nvPr>
+        </p:nvSpPr>
+        <p:spPr/>
+      </p:sp>
+      <p:sp>
+        <p:nvSpPr>
+          <p:cNvPr id="3" name="Notes Placeholder 2"/>
+          <p:cNvSpPr>
+            <a:spLocks noGrp="1"/>
+          </p:cNvSpPr>
+          <p:nvPr>
+            <p:ph type="body" idx="1"/>
+          </p:nvPr>
+        </p:nvSpPr>
+        <p:spPr/>
         <p:txBody>
           <a:bodyPr/>
           <a:lstStyle/>
           <a:p>
-            <a:fld id="{71945E12-28F4-EC45-9FE6-6861EFD09E6C}" type="slidenum">
-              <a:rPr lang="en-US"/>
-              <a:pPr/>
-              <a:t>47</a:t>
+            <a:endParaRPr lang="en-US" dirty="0"/>
+          </a:p>
+        </p:txBody>
+      </p:sp>
+      <p:sp>
+        <p:nvSpPr>
+          <p:cNvPr id="4" name="Slide Number Placeholder 3"/>
+          <p:cNvSpPr>
+            <a:spLocks noGrp="1"/>
+          </p:cNvSpPr>
+          <p:nvPr>
+            <p:ph type="sldNum" sz="quarter" idx="10"/>
+          </p:nvPr>
+        </p:nvSpPr>
+        <p:spPr/>
+        <p:txBody>
+          <a:bodyPr/>
+          <a:lstStyle/>
+          <a:p>
+            <a:fld id="{8CE0FD87-9A44-5E45-8C0E-52F1E538B50D}" type="slidenum">
+              <a:rPr lang="en-US" smtClean="0"/>
+              <a:t>42</a:t>
             </a:fld>
             <a:endParaRPr lang="en-US"/>
-          </a:p>
-        </p:txBody>
-      </p:sp>
-      <p:sp>
-        <p:nvSpPr>
-          <p:cNvPr id="74755" name="Rectangle 2"/>
-          <p:cNvSpPr>
-            <a:spLocks noGrp="1" noRot="1" noChangeAspect="1" noChangeArrowheads="1" noTextEdit="1"/>
-          </p:cNvSpPr>
-          <p:nvPr>
-            <p:ph type="sldImg"/>
-          </p:nvPr>
-        </p:nvSpPr>
-        <p:spPr>
-          <a:solidFill>
-            <a:srgbClr val="FFFFFF"/>
-          </a:solidFill>
-          <a:ln/>
-        </p:spPr>
-      </p:sp>
-      <p:sp>
-        <p:nvSpPr>
-          <p:cNvPr id="74756" name="Rectangle 3"/>
-          <p:cNvSpPr>
-            <a:spLocks noGrp="1" noChangeArrowheads="1"/>
-          </p:cNvSpPr>
-          <p:nvPr>
-            <p:ph type="body" idx="1"/>
-          </p:nvPr>
-        </p:nvSpPr>
-        <p:spPr>
-          <a:xfrm>
-            <a:off x="912707" y="4463296"/>
-            <a:ext cx="5019887" cy="4228386"/>
-          </a:xfrm>
-          <a:solidFill>
-            <a:srgbClr val="FFFFFF"/>
-          </a:solidFill>
-          <a:ln>
-            <a:solidFill>
-              <a:srgbClr val="000000"/>
-            </a:solidFill>
-          </a:ln>
-        </p:spPr>
-        <p:txBody>
-          <a:bodyPr lIns="91435" tIns="45718" rIns="91435" bIns="45718"/>
-          <a:lstStyle/>
-          <a:p>
-            <a:pPr eaLnBrk="1" hangingPunct="1"/>
-            <a:r>
-              <a:rPr lang="en-US" b="1"/>
-              <a:t>^e^ BUG</a:t>
-            </a:r>
           </a:p>
         </p:txBody>
       </p:sp>
     </p:spTree>
     <p:extLst>
       <p:ext uri="{BB962C8B-B14F-4D97-AF65-F5344CB8AC3E}">
-        <p14:creationId xmlns:p14="http://schemas.microsoft.com/office/powerpoint/2010/main" val="1767410477"/>
+        <p14:creationId xmlns:p14="http://schemas.microsoft.com/office/powerpoint/2010/main" val="1884884858"/>
       </p:ext>
     </p:extLst>
   </p:cSld>
@@ -1022,786 +986,6 @@
 </file>
 
 <file path=ppt/notesSlides/notesSlide13.xml><?xml version="1.0" encoding="utf-8"?>
-<p:notes xmlns:a="http://schemas.openxmlformats.org/drawingml/2006/main" xmlns:r="http://schemas.openxmlformats.org/officeDocument/2006/relationships" xmlns:p="http://schemas.openxmlformats.org/presentationml/2006/main">
-  <p:cSld>
-    <p:spTree>
-      <p:nvGrpSpPr>
-        <p:cNvPr id="1" name=""/>
-        <p:cNvGrpSpPr/>
-        <p:nvPr/>
-      </p:nvGrpSpPr>
-      <p:grpSpPr>
-        <a:xfrm>
-          <a:off x="0" y="0"/>
-          <a:ext cx="0" cy="0"/>
-          <a:chOff x="0" y="0"/>
-          <a:chExt cx="0" cy="0"/>
-        </a:xfrm>
-      </p:grpSpPr>
-      <p:sp>
-        <p:nvSpPr>
-          <p:cNvPr id="74754" name="Rectangle 7"/>
-          <p:cNvSpPr>
-            <a:spLocks noGrp="1" noChangeArrowheads="1"/>
-          </p:cNvSpPr>
-          <p:nvPr>
-            <p:ph type="sldNum" sz="quarter" idx="5"/>
-          </p:nvPr>
-        </p:nvSpPr>
-        <p:spPr>
-          <a:noFill/>
-        </p:spPr>
-        <p:txBody>
-          <a:bodyPr/>
-          <a:lstStyle/>
-          <a:p>
-            <a:fld id="{71945E12-28F4-EC45-9FE6-6861EFD09E6C}" type="slidenum">
-              <a:rPr lang="en-US"/>
-              <a:pPr/>
-              <a:t>48</a:t>
-            </a:fld>
-            <a:endParaRPr lang="en-US"/>
-          </a:p>
-        </p:txBody>
-      </p:sp>
-      <p:sp>
-        <p:nvSpPr>
-          <p:cNvPr id="74755" name="Rectangle 2"/>
-          <p:cNvSpPr>
-            <a:spLocks noGrp="1" noRot="1" noChangeAspect="1" noChangeArrowheads="1" noTextEdit="1"/>
-          </p:cNvSpPr>
-          <p:nvPr>
-            <p:ph type="sldImg"/>
-          </p:nvPr>
-        </p:nvSpPr>
-        <p:spPr>
-          <a:solidFill>
-            <a:srgbClr val="FFFFFF"/>
-          </a:solidFill>
-          <a:ln/>
-        </p:spPr>
-      </p:sp>
-      <p:sp>
-        <p:nvSpPr>
-          <p:cNvPr id="74756" name="Rectangle 3"/>
-          <p:cNvSpPr>
-            <a:spLocks noGrp="1" noChangeArrowheads="1"/>
-          </p:cNvSpPr>
-          <p:nvPr>
-            <p:ph type="body" idx="1"/>
-          </p:nvPr>
-        </p:nvSpPr>
-        <p:spPr>
-          <a:xfrm>
-            <a:off x="912707" y="4463296"/>
-            <a:ext cx="5019887" cy="4228386"/>
-          </a:xfrm>
-          <a:solidFill>
-            <a:srgbClr val="FFFFFF"/>
-          </a:solidFill>
-          <a:ln>
-            <a:solidFill>
-              <a:srgbClr val="000000"/>
-            </a:solidFill>
-          </a:ln>
-        </p:spPr>
-        <p:txBody>
-          <a:bodyPr lIns="91435" tIns="45718" rIns="91435" bIns="45718"/>
-          <a:lstStyle/>
-          <a:p>
-            <a:pPr eaLnBrk="1" hangingPunct="1"/>
-            <a:endParaRPr lang="en-US" b="1"/>
-          </a:p>
-        </p:txBody>
-      </p:sp>
-    </p:spTree>
-    <p:extLst>
-      <p:ext uri="{BB962C8B-B14F-4D97-AF65-F5344CB8AC3E}">
-        <p14:creationId xmlns:p14="http://schemas.microsoft.com/office/powerpoint/2010/main" val="1901893965"/>
-      </p:ext>
-    </p:extLst>
-  </p:cSld>
-  <p:clrMapOvr>
-    <a:masterClrMapping/>
-  </p:clrMapOvr>
-</p:notes>
-</file>
-
-<file path=ppt/notesSlides/notesSlide14.xml><?xml version="1.0" encoding="utf-8"?>
-<p:notes xmlns:a="http://schemas.openxmlformats.org/drawingml/2006/main" xmlns:r="http://schemas.openxmlformats.org/officeDocument/2006/relationships" xmlns:p="http://schemas.openxmlformats.org/presentationml/2006/main">
-  <p:cSld>
-    <p:spTree>
-      <p:nvGrpSpPr>
-        <p:cNvPr id="1" name=""/>
-        <p:cNvGrpSpPr/>
-        <p:nvPr/>
-      </p:nvGrpSpPr>
-      <p:grpSpPr>
-        <a:xfrm>
-          <a:off x="0" y="0"/>
-          <a:ext cx="0" cy="0"/>
-          <a:chOff x="0" y="0"/>
-          <a:chExt cx="0" cy="0"/>
-        </a:xfrm>
-      </p:grpSpPr>
-      <p:sp>
-        <p:nvSpPr>
-          <p:cNvPr id="76802" name="Rectangle 7"/>
-          <p:cNvSpPr>
-            <a:spLocks noGrp="1" noChangeArrowheads="1"/>
-          </p:cNvSpPr>
-          <p:nvPr>
-            <p:ph type="sldNum" sz="quarter" idx="5"/>
-          </p:nvPr>
-        </p:nvSpPr>
-        <p:spPr>
-          <a:noFill/>
-        </p:spPr>
-        <p:txBody>
-          <a:bodyPr/>
-          <a:lstStyle/>
-          <a:p>
-            <a:fld id="{48DFDE8B-28E4-4047-85D4-57A6728EBAFF}" type="slidenum">
-              <a:rPr lang="en-US"/>
-              <a:pPr/>
-              <a:t>49</a:t>
-            </a:fld>
-            <a:endParaRPr lang="en-US"/>
-          </a:p>
-        </p:txBody>
-      </p:sp>
-      <p:sp>
-        <p:nvSpPr>
-          <p:cNvPr id="76803" name="Rectangle 2"/>
-          <p:cNvSpPr>
-            <a:spLocks noGrp="1" noRot="1" noChangeAspect="1" noChangeArrowheads="1" noTextEdit="1"/>
-          </p:cNvSpPr>
-          <p:nvPr>
-            <p:ph type="sldImg"/>
-          </p:nvPr>
-        </p:nvSpPr>
-        <p:spPr>
-          <a:solidFill>
-            <a:srgbClr val="FFFFFF"/>
-          </a:solidFill>
-          <a:ln/>
-        </p:spPr>
-      </p:sp>
-      <p:sp>
-        <p:nvSpPr>
-          <p:cNvPr id="76804" name="Rectangle 3"/>
-          <p:cNvSpPr>
-            <a:spLocks noGrp="1" noChangeArrowheads="1"/>
-          </p:cNvSpPr>
-          <p:nvPr>
-            <p:ph type="body" idx="1"/>
-          </p:nvPr>
-        </p:nvSpPr>
-        <p:spPr>
-          <a:xfrm>
-            <a:off x="912707" y="4463296"/>
-            <a:ext cx="5019887" cy="4228386"/>
-          </a:xfrm>
-          <a:solidFill>
-            <a:srgbClr val="FFFFFF"/>
-          </a:solidFill>
-          <a:ln>
-            <a:solidFill>
-              <a:srgbClr val="000000"/>
-            </a:solidFill>
-          </a:ln>
-        </p:spPr>
-        <p:txBody>
-          <a:bodyPr lIns="91435" tIns="45718" rIns="91435" bIns="45718"/>
-          <a:lstStyle/>
-          <a:p>
-            <a:pPr eaLnBrk="1" hangingPunct="1"/>
-            <a:endParaRPr lang="en-US" b="1"/>
-          </a:p>
-        </p:txBody>
-      </p:sp>
-    </p:spTree>
-    <p:extLst>
-      <p:ext uri="{BB962C8B-B14F-4D97-AF65-F5344CB8AC3E}">
-        <p14:creationId xmlns:p14="http://schemas.microsoft.com/office/powerpoint/2010/main" val="942608810"/>
-      </p:ext>
-    </p:extLst>
-  </p:cSld>
-  <p:clrMapOvr>
-    <a:masterClrMapping/>
-  </p:clrMapOvr>
-</p:notes>
-</file>
-
-<file path=ppt/notesSlides/notesSlide15.xml><?xml version="1.0" encoding="utf-8"?>
-<p:notes xmlns:a="http://schemas.openxmlformats.org/drawingml/2006/main" xmlns:r="http://schemas.openxmlformats.org/officeDocument/2006/relationships" xmlns:p="http://schemas.openxmlformats.org/presentationml/2006/main">
-  <p:cSld>
-    <p:spTree>
-      <p:nvGrpSpPr>
-        <p:cNvPr id="1" name=""/>
-        <p:cNvGrpSpPr/>
-        <p:nvPr/>
-      </p:nvGrpSpPr>
-      <p:grpSpPr>
-        <a:xfrm>
-          <a:off x="0" y="0"/>
-          <a:ext cx="0" cy="0"/>
-          <a:chOff x="0" y="0"/>
-          <a:chExt cx="0" cy="0"/>
-        </a:xfrm>
-      </p:grpSpPr>
-      <p:sp>
-        <p:nvSpPr>
-          <p:cNvPr id="78850" name="Rectangle 7"/>
-          <p:cNvSpPr>
-            <a:spLocks noGrp="1" noChangeArrowheads="1"/>
-          </p:cNvSpPr>
-          <p:nvPr>
-            <p:ph type="sldNum" sz="quarter" idx="5"/>
-          </p:nvPr>
-        </p:nvSpPr>
-        <p:spPr>
-          <a:noFill/>
-        </p:spPr>
-        <p:txBody>
-          <a:bodyPr/>
-          <a:lstStyle/>
-          <a:p>
-            <a:fld id="{1B422F39-6D47-7E4A-B2A9-7EB2D50CD805}" type="slidenum">
-              <a:rPr lang="en-US"/>
-              <a:pPr/>
-              <a:t>50</a:t>
-            </a:fld>
-            <a:endParaRPr lang="en-US"/>
-          </a:p>
-        </p:txBody>
-      </p:sp>
-      <p:sp>
-        <p:nvSpPr>
-          <p:cNvPr id="78851" name="Rectangle 2"/>
-          <p:cNvSpPr>
-            <a:spLocks noGrp="1" noRot="1" noChangeAspect="1" noChangeArrowheads="1" noTextEdit="1"/>
-          </p:cNvSpPr>
-          <p:nvPr>
-            <p:ph type="sldImg"/>
-          </p:nvPr>
-        </p:nvSpPr>
-        <p:spPr>
-          <a:solidFill>
-            <a:srgbClr val="FFFFFF"/>
-          </a:solidFill>
-          <a:ln/>
-        </p:spPr>
-      </p:sp>
-      <p:sp>
-        <p:nvSpPr>
-          <p:cNvPr id="78852" name="Rectangle 3"/>
-          <p:cNvSpPr>
-            <a:spLocks noGrp="1" noChangeArrowheads="1"/>
-          </p:cNvSpPr>
-          <p:nvPr>
-            <p:ph type="body" idx="1"/>
-          </p:nvPr>
-        </p:nvSpPr>
-        <p:spPr>
-          <a:xfrm>
-            <a:off x="912707" y="4463296"/>
-            <a:ext cx="5019887" cy="4228386"/>
-          </a:xfrm>
-          <a:solidFill>
-            <a:srgbClr val="FFFFFF"/>
-          </a:solidFill>
-          <a:ln>
-            <a:solidFill>
-              <a:srgbClr val="000000"/>
-            </a:solidFill>
-          </a:ln>
-        </p:spPr>
-        <p:txBody>
-          <a:bodyPr lIns="91435" tIns="45718" rIns="91435" bIns="45718"/>
-          <a:lstStyle/>
-          <a:p>
-            <a:pPr eaLnBrk="1" hangingPunct="1"/>
-            <a:endParaRPr lang="en-US" b="1"/>
-          </a:p>
-        </p:txBody>
-      </p:sp>
-    </p:spTree>
-    <p:extLst>
-      <p:ext uri="{BB962C8B-B14F-4D97-AF65-F5344CB8AC3E}">
-        <p14:creationId xmlns:p14="http://schemas.microsoft.com/office/powerpoint/2010/main" val="2043678671"/>
-      </p:ext>
-    </p:extLst>
-  </p:cSld>
-  <p:clrMapOvr>
-    <a:masterClrMapping/>
-  </p:clrMapOvr>
-</p:notes>
-</file>
-
-<file path=ppt/notesSlides/notesSlide16.xml><?xml version="1.0" encoding="utf-8"?>
-<p:notes xmlns:a="http://schemas.openxmlformats.org/drawingml/2006/main" xmlns:r="http://schemas.openxmlformats.org/officeDocument/2006/relationships" xmlns:p="http://schemas.openxmlformats.org/presentationml/2006/main">
-  <p:cSld>
-    <p:spTree>
-      <p:nvGrpSpPr>
-        <p:cNvPr id="1" name=""/>
-        <p:cNvGrpSpPr/>
-        <p:nvPr/>
-      </p:nvGrpSpPr>
-      <p:grpSpPr>
-        <a:xfrm>
-          <a:off x="0" y="0"/>
-          <a:ext cx="0" cy="0"/>
-          <a:chOff x="0" y="0"/>
-          <a:chExt cx="0" cy="0"/>
-        </a:xfrm>
-      </p:grpSpPr>
-      <p:sp>
-        <p:nvSpPr>
-          <p:cNvPr id="82946" name="Rectangle 7"/>
-          <p:cNvSpPr>
-            <a:spLocks noGrp="1" noChangeArrowheads="1"/>
-          </p:cNvSpPr>
-          <p:nvPr>
-            <p:ph type="sldNum" sz="quarter" idx="5"/>
-          </p:nvPr>
-        </p:nvSpPr>
-        <p:spPr>
-          <a:noFill/>
-        </p:spPr>
-        <p:txBody>
-          <a:bodyPr/>
-          <a:lstStyle/>
-          <a:p>
-            <a:fld id="{E0D70C18-464E-3545-9CA1-FC88A632BD18}" type="slidenum">
-              <a:rPr lang="en-US"/>
-              <a:pPr/>
-              <a:t>51</a:t>
-            </a:fld>
-            <a:endParaRPr lang="en-US"/>
-          </a:p>
-        </p:txBody>
-      </p:sp>
-      <p:sp>
-        <p:nvSpPr>
-          <p:cNvPr id="82947" name="Rectangle 2"/>
-          <p:cNvSpPr>
-            <a:spLocks noGrp="1" noRot="1" noChangeAspect="1" noChangeArrowheads="1"/>
-          </p:cNvSpPr>
-          <p:nvPr>
-            <p:ph type="sldImg"/>
-          </p:nvPr>
-        </p:nvSpPr>
-        <p:spPr>
-          <a:solidFill>
-            <a:srgbClr val="FFFFFF"/>
-          </a:solidFill>
-          <a:ln/>
-        </p:spPr>
-      </p:sp>
-      <p:sp>
-        <p:nvSpPr>
-          <p:cNvPr id="82948" name="Rectangle 3"/>
-          <p:cNvSpPr>
-            <a:spLocks noGrp="1" noChangeArrowheads="1"/>
-          </p:cNvSpPr>
-          <p:nvPr>
-            <p:ph type="body" idx="1"/>
-          </p:nvPr>
-        </p:nvSpPr>
-        <p:spPr>
-          <a:solidFill>
-            <a:srgbClr val="FFFFFF"/>
-          </a:solidFill>
-          <a:ln>
-            <a:solidFill>
-              <a:srgbClr val="000000"/>
-            </a:solidFill>
-          </a:ln>
-        </p:spPr>
-        <p:txBody>
-          <a:bodyPr/>
-          <a:lstStyle/>
-          <a:p>
-            <a:pPr eaLnBrk="1" hangingPunct="1"/>
-            <a:r>
-              <a:rPr lang="en-US" dirty="0"/>
-              <a:t>[</a:t>
-            </a:r>
-            <a:r>
-              <a:rPr lang="en-US" dirty="0" err="1"/>
-              <a:t>Ww</a:t>
-            </a:r>
-            <a:r>
-              <a:rPr lang="en-US" dirty="0"/>
-              <a:t>]</a:t>
-            </a:r>
-          </a:p>
-          <a:p>
-            <a:pPr eaLnBrk="1" hangingPunct="1"/>
-            <a:r>
-              <a:rPr lang="en-US" dirty="0"/>
-              <a:t>[</a:t>
-            </a:r>
-            <a:r>
-              <a:rPr lang="en-US" dirty="0" err="1"/>
-              <a:t>em</a:t>
-            </a:r>
-            <a:r>
-              <a:rPr lang="en-US" dirty="0"/>
-              <a:t>]</a:t>
-            </a:r>
-          </a:p>
-          <a:p>
-            <a:pPr eaLnBrk="1" hangingPunct="1"/>
-            <a:r>
-              <a:rPr lang="en-US" dirty="0"/>
-              <a:t>[A-Z]</a:t>
-            </a:r>
-          </a:p>
-          <a:p>
-            <a:pPr eaLnBrk="1" hangingPunct="1"/>
-            <a:r>
-              <a:rPr lang="en-US" dirty="0"/>
-              <a:t>[a-z]</a:t>
-            </a:r>
-          </a:p>
-          <a:p>
-            <a:pPr eaLnBrk="1" hangingPunct="1"/>
-            <a:r>
-              <a:rPr lang="en-US" dirty="0"/>
-              <a:t>[A-</a:t>
-            </a:r>
-            <a:r>
-              <a:rPr lang="en-US" dirty="0" err="1"/>
-              <a:t>Za</a:t>
-            </a:r>
-            <a:r>
-              <a:rPr lang="en-US" dirty="0"/>
-              <a:t>-z]</a:t>
-            </a:r>
-          </a:p>
-          <a:p>
-            <a:pPr eaLnBrk="1" hangingPunct="1"/>
-            <a:r>
-              <a:rPr lang="en-US" dirty="0"/>
-              <a:t>[ !]</a:t>
-            </a:r>
-          </a:p>
-          <a:p>
-            <a:pPr eaLnBrk="1" hangingPunct="1"/>
-            <a:r>
-              <a:rPr lang="en-US" dirty="0"/>
-              <a:t>(slide)</a:t>
-            </a:r>
-          </a:p>
-          <a:p>
-            <a:pPr eaLnBrk="1" hangingPunct="1"/>
-            <a:r>
-              <a:rPr lang="en-US" dirty="0"/>
-              <a:t>[^A-Z]</a:t>
-            </a:r>
-          </a:p>
-          <a:p>
-            <a:pPr eaLnBrk="1" hangingPunct="1"/>
-            <a:r>
-              <a:rPr lang="en-US" dirty="0"/>
-              <a:t>[^A-</a:t>
-            </a:r>
-            <a:r>
-              <a:rPr lang="en-US" dirty="0" err="1"/>
-              <a:t>Za</a:t>
-            </a:r>
-            <a:r>
-              <a:rPr lang="en-US" dirty="0"/>
-              <a:t>-z]</a:t>
-            </a:r>
-          </a:p>
-          <a:p>
-            <a:pPr eaLnBrk="1" hangingPunct="1"/>
-            <a:r>
-              <a:rPr lang="en-US" dirty="0"/>
-              <a:t>(slide)</a:t>
-            </a:r>
-          </a:p>
-          <a:p>
-            <a:pPr eaLnBrk="1" hangingPunct="1"/>
-            <a:r>
-              <a:rPr lang="en-US" dirty="0" err="1"/>
-              <a:t>looked|step</a:t>
-            </a:r>
-            <a:endParaRPr lang="en-US" dirty="0"/>
-          </a:p>
-          <a:p>
-            <a:pPr eaLnBrk="1" hangingPunct="1"/>
-            <a:r>
-              <a:rPr lang="en-US" dirty="0" err="1"/>
-              <a:t>at|ook</a:t>
-            </a:r>
-            <a:endParaRPr lang="en-US" dirty="0"/>
-          </a:p>
-          <a:p>
-            <a:pPr eaLnBrk="1" hangingPunct="1"/>
-            <a:r>
-              <a:rPr lang="en-US" dirty="0"/>
-              <a:t>(slide)</a:t>
-            </a:r>
-          </a:p>
-          <a:p>
-            <a:pPr eaLnBrk="1" hangingPunct="1"/>
-            <a:r>
-              <a:rPr lang="en-US" dirty="0"/>
-              <a:t>o</a:t>
-            </a:r>
-          </a:p>
-          <a:p>
-            <a:pPr eaLnBrk="1" hangingPunct="1"/>
-            <a:r>
-              <a:rPr lang="en-US" dirty="0"/>
-              <a:t>o+</a:t>
-            </a:r>
-          </a:p>
-          <a:p>
-            <a:pPr eaLnBrk="1" hangingPunct="1"/>
-            <a:r>
-              <a:rPr lang="en-US" dirty="0"/>
-              <a:t>^[A-Z]</a:t>
-            </a:r>
-          </a:p>
-          <a:p>
-            <a:pPr eaLnBrk="1" hangingPunct="1"/>
-            <a:r>
-              <a:rPr lang="en-US" dirty="0"/>
-              <a:t>[!.]$</a:t>
-            </a:r>
-          </a:p>
-          <a:p>
-            <a:pPr eaLnBrk="1" hangingPunct="1"/>
-            <a:r>
-              <a:rPr lang="en-US" dirty="0"/>
-              <a:t>\. vs .</a:t>
-            </a:r>
-          </a:p>
-        </p:txBody>
-      </p:sp>
-    </p:spTree>
-    <p:extLst>
-      <p:ext uri="{BB962C8B-B14F-4D97-AF65-F5344CB8AC3E}">
-        <p14:creationId xmlns:p14="http://schemas.microsoft.com/office/powerpoint/2010/main" val="126069195"/>
-      </p:ext>
-    </p:extLst>
-  </p:cSld>
-  <p:clrMapOvr>
-    <a:masterClrMapping/>
-  </p:clrMapOvr>
-</p:notes>
-</file>
-
-<file path=ppt/notesSlides/notesSlide17.xml><?xml version="1.0" encoding="utf-8"?>
-<p:notes xmlns:a="http://schemas.openxmlformats.org/drawingml/2006/main" xmlns:r="http://schemas.openxmlformats.org/officeDocument/2006/relationships" xmlns:p="http://schemas.openxmlformats.org/presentationml/2006/main">
-  <p:cSld>
-    <p:spTree>
-      <p:nvGrpSpPr>
-        <p:cNvPr id="1" name=""/>
-        <p:cNvGrpSpPr/>
-        <p:nvPr/>
-      </p:nvGrpSpPr>
-      <p:grpSpPr>
-        <a:xfrm>
-          <a:off x="0" y="0"/>
-          <a:ext cx="0" cy="0"/>
-          <a:chOff x="0" y="0"/>
-          <a:chExt cx="0" cy="0"/>
-        </a:xfrm>
-      </p:grpSpPr>
-      <p:sp>
-        <p:nvSpPr>
-          <p:cNvPr id="84994" name="Rectangle 7"/>
-          <p:cNvSpPr>
-            <a:spLocks noGrp="1" noChangeArrowheads="1"/>
-          </p:cNvSpPr>
-          <p:nvPr>
-            <p:ph type="sldNum" sz="quarter" idx="5"/>
-          </p:nvPr>
-        </p:nvSpPr>
-        <p:spPr>
-          <a:noFill/>
-        </p:spPr>
-        <p:txBody>
-          <a:bodyPr/>
-          <a:lstStyle/>
-          <a:p>
-            <a:fld id="{3F82BD90-5842-9D48-A685-621D2A4C3779}" type="slidenum">
-              <a:rPr lang="en-US"/>
-              <a:pPr/>
-              <a:t>52</a:t>
-            </a:fld>
-            <a:endParaRPr lang="en-US"/>
-          </a:p>
-        </p:txBody>
-      </p:sp>
-      <p:sp>
-        <p:nvSpPr>
-          <p:cNvPr id="84995" name="Rectangle 2"/>
-          <p:cNvSpPr>
-            <a:spLocks noGrp="1" noRot="1" noChangeAspect="1" noChangeArrowheads="1"/>
-          </p:cNvSpPr>
-          <p:nvPr>
-            <p:ph type="sldImg"/>
-          </p:nvPr>
-        </p:nvSpPr>
-        <p:spPr>
-          <a:solidFill>
-            <a:srgbClr val="FFFFFF"/>
-          </a:solidFill>
-          <a:ln/>
-        </p:spPr>
-      </p:sp>
-      <p:sp>
-        <p:nvSpPr>
-          <p:cNvPr id="84996" name="Rectangle 3"/>
-          <p:cNvSpPr>
-            <a:spLocks noGrp="1" noChangeArrowheads="1"/>
-          </p:cNvSpPr>
-          <p:nvPr>
-            <p:ph type="body" idx="1"/>
-          </p:nvPr>
-        </p:nvSpPr>
-        <p:spPr>
-          <a:solidFill>
-            <a:srgbClr val="FFFFFF"/>
-          </a:solidFill>
-          <a:ln>
-            <a:solidFill>
-              <a:srgbClr val="000000"/>
-            </a:solidFill>
-          </a:ln>
-        </p:spPr>
-        <p:txBody>
-          <a:bodyPr/>
-          <a:lstStyle/>
-          <a:p>
-            <a:pPr eaLnBrk="1" hangingPunct="1"/>
-            <a:endParaRPr lang="en-US"/>
-          </a:p>
-        </p:txBody>
-      </p:sp>
-    </p:spTree>
-    <p:extLst>
-      <p:ext uri="{BB962C8B-B14F-4D97-AF65-F5344CB8AC3E}">
-        <p14:creationId xmlns:p14="http://schemas.microsoft.com/office/powerpoint/2010/main" val="135913194"/>
-      </p:ext>
-    </p:extLst>
-  </p:cSld>
-  <p:clrMapOvr>
-    <a:masterClrMapping/>
-  </p:clrMapOvr>
-</p:notes>
-</file>
-
-<file path=ppt/notesSlides/notesSlide18.xml><?xml version="1.0" encoding="utf-8"?>
-<p:notes xmlns:a="http://schemas.openxmlformats.org/drawingml/2006/main" xmlns:r="http://schemas.openxmlformats.org/officeDocument/2006/relationships" xmlns:p="http://schemas.openxmlformats.org/presentationml/2006/main">
-  <p:cSld>
-    <p:spTree>
-      <p:nvGrpSpPr>
-        <p:cNvPr id="1" name=""/>
-        <p:cNvGrpSpPr/>
-        <p:nvPr/>
-      </p:nvGrpSpPr>
-      <p:grpSpPr>
-        <a:xfrm>
-          <a:off x="0" y="0"/>
-          <a:ext cx="0" cy="0"/>
-          <a:chOff x="0" y="0"/>
-          <a:chExt cx="0" cy="0"/>
-        </a:xfrm>
-      </p:grpSpPr>
-      <p:sp>
-        <p:nvSpPr>
-          <p:cNvPr id="87042" name="Rectangle 7"/>
-          <p:cNvSpPr>
-            <a:spLocks noGrp="1" noChangeArrowheads="1"/>
-          </p:cNvSpPr>
-          <p:nvPr>
-            <p:ph type="sldNum" sz="quarter" idx="5"/>
-          </p:nvPr>
-        </p:nvSpPr>
-        <p:spPr>
-          <a:noFill/>
-        </p:spPr>
-        <p:txBody>
-          <a:bodyPr/>
-          <a:lstStyle/>
-          <a:p>
-            <a:fld id="{A0149E1A-5C54-D64B-9E9D-5A113A6AF7E6}" type="slidenum">
-              <a:rPr lang="en-US"/>
-              <a:pPr/>
-              <a:t>53</a:t>
-            </a:fld>
-            <a:endParaRPr lang="en-US"/>
-          </a:p>
-        </p:txBody>
-      </p:sp>
-      <p:sp>
-        <p:nvSpPr>
-          <p:cNvPr id="87043" name="Rectangle 2"/>
-          <p:cNvSpPr>
-            <a:spLocks noGrp="1" noRot="1" noChangeAspect="1" noChangeArrowheads="1"/>
-          </p:cNvSpPr>
-          <p:nvPr>
-            <p:ph type="sldImg"/>
-          </p:nvPr>
-        </p:nvSpPr>
-        <p:spPr>
-          <a:solidFill>
-            <a:srgbClr val="FFFFFF"/>
-          </a:solidFill>
-          <a:ln/>
-        </p:spPr>
-      </p:sp>
-      <p:sp>
-        <p:nvSpPr>
-          <p:cNvPr id="87044" name="Rectangle 3"/>
-          <p:cNvSpPr>
-            <a:spLocks noGrp="1" noChangeArrowheads="1"/>
-          </p:cNvSpPr>
-          <p:nvPr>
-            <p:ph type="body" idx="1"/>
-          </p:nvPr>
-        </p:nvSpPr>
-        <p:spPr>
-          <a:solidFill>
-            <a:srgbClr val="FFFFFF"/>
-          </a:solidFill>
-          <a:ln>
-            <a:solidFill>
-              <a:srgbClr val="000000"/>
-            </a:solidFill>
-          </a:ln>
-        </p:spPr>
-        <p:txBody>
-          <a:bodyPr/>
-          <a:lstStyle/>
-          <a:p>
-            <a:pPr eaLnBrk="1" hangingPunct="1"/>
-            <a:endParaRPr lang="en-US" dirty="0"/>
-          </a:p>
-        </p:txBody>
-      </p:sp>
-    </p:spTree>
-    <p:extLst>
-      <p:ext uri="{BB962C8B-B14F-4D97-AF65-F5344CB8AC3E}">
-        <p14:creationId xmlns:p14="http://schemas.microsoft.com/office/powerpoint/2010/main" val="1971890466"/>
-      </p:ext>
-    </p:extLst>
-  </p:cSld>
-  <p:clrMapOvr>
-    <a:masterClrMapping/>
-  </p:clrMapOvr>
-</p:notes>
-</file>
-
-<file path=ppt/notesSlides/notesSlide19.xml><?xml version="1.0" encoding="utf-8"?>
 <p:notes xmlns:a="http://schemas.openxmlformats.org/drawingml/2006/main" xmlns:r="http://schemas.openxmlformats.org/officeDocument/2006/relationships" xmlns:p="http://schemas.openxmlformats.org/presentationml/2006/main">
   <p:cSld>
     <p:spTree>
@@ -1966,7 +1150,7 @@
             <a:fld id="{E69DF897-5E92-F241-9A21-E64EA536231D}" type="slidenum">
               <a:rPr lang="en-US" sz="1200"/>
               <a:pPr eaLnBrk="1" hangingPunct="1"/>
-              <a:t>55</a:t>
+              <a:t>44</a:t>
             </a:fld>
             <a:endParaRPr lang="en-US" sz="1200"/>
           </a:p>
@@ -2030,18 +1214,991 @@
           <a:bodyPr/>
           <a:lstStyle/>
           <a:p>
-            <a:endParaRPr lang="en-US">
+            <a:r>
+              <a:rPr lang="en-US" dirty="0">
+                <a:latin typeface="Arial" charset="0"/>
+                <a:ea typeface="ＭＳ Ｐゴシック" charset="0"/>
+                <a:cs typeface="ＭＳ Ｐゴシック" charset="0"/>
+              </a:rPr>
+              <a:t>http://regexpal.com.s3-website-us-east-1.amazonaws.com/?_</a:t>
+            </a:r>
+            <a:r>
+              <a:rPr lang="en-US" dirty="0" err="1">
+                <a:latin typeface="Arial" charset="0"/>
+                <a:ea typeface="ＭＳ Ｐゴシック" charset="0"/>
+                <a:cs typeface="ＭＳ Ｐゴシック" charset="0"/>
+              </a:rPr>
+              <a:t>ga</a:t>
+            </a:r>
+            <a:r>
+              <a:rPr lang="en-US" dirty="0">
+                <a:latin typeface="Arial" charset="0"/>
+                <a:ea typeface="ＭＳ Ｐゴシック" charset="0"/>
+                <a:cs typeface="ＭＳ Ｐゴシック" charset="0"/>
+              </a:rPr>
+              <a:t>=2.62220396.1344291647.1503425670-931939134.1503425670</a:t>
+            </a:r>
+          </a:p>
+          <a:p>
+            <a:r>
+              <a:rPr lang="en-US" dirty="0">
+                <a:latin typeface="Arial" charset="0"/>
+                <a:ea typeface="ＭＳ Ｐゴシック" charset="0"/>
+                <a:cs typeface="ＭＳ Ｐゴシック" charset="0"/>
+              </a:rPr>
+              <a:t>or</a:t>
+            </a:r>
+          </a:p>
+          <a:p>
+            <a:r>
+              <a:rPr lang="en-US" dirty="0" err="1">
+                <a:latin typeface="Arial" charset="0"/>
+                <a:ea typeface="ＭＳ Ｐゴシック" charset="0"/>
+                <a:cs typeface="ＭＳ Ｐゴシック" charset="0"/>
+              </a:rPr>
+              <a:t>regexpal.com</a:t>
+            </a:r>
+            <a:r>
+              <a:rPr lang="en-US" dirty="0">
+                <a:latin typeface="Arial" charset="0"/>
+                <a:ea typeface="ＭＳ Ｐゴシック" charset="0"/>
+                <a:cs typeface="ＭＳ Ｐゴシック" charset="0"/>
+              </a:rPr>
+              <a:t> and click</a:t>
+            </a:r>
+          </a:p>
+          <a:p>
+            <a:endParaRPr lang="en-US" dirty="0">
               <a:latin typeface="Arial" charset="0"/>
               <a:ea typeface="ＭＳ Ｐゴシック" charset="0"/>
               <a:cs typeface="ＭＳ Ｐゴシック" charset="0"/>
             </a:endParaRPr>
           </a:p>
+          <a:p>
+            <a:r>
+              <a:rPr lang="en-US" dirty="0">
+                <a:latin typeface="Arial" charset="0"/>
+                <a:ea typeface="ＭＳ Ｐゴシック" charset="0"/>
+                <a:cs typeface="ＭＳ Ｐゴシック" charset="0"/>
+              </a:rPr>
+              <a:t>We looked!</a:t>
+            </a:r>
+          </a:p>
+          <a:p>
+            <a:r>
+              <a:rPr lang="en-US" dirty="0">
+                <a:latin typeface="Arial" charset="0"/>
+                <a:ea typeface="ＭＳ Ｐゴシック" charset="0"/>
+                <a:cs typeface="ＭＳ Ｐゴシック" charset="0"/>
+              </a:rPr>
+              <a:t>Then we saw him step in on the mat.</a:t>
+            </a:r>
+          </a:p>
+          <a:p>
+            <a:r>
+              <a:rPr lang="en-US" dirty="0">
+                <a:latin typeface="Arial" charset="0"/>
+                <a:ea typeface="ＭＳ Ｐゴシック" charset="0"/>
+                <a:cs typeface="ＭＳ Ｐゴシック" charset="0"/>
+              </a:rPr>
+              <a:t>We looked!</a:t>
+            </a:r>
+          </a:p>
+          <a:p>
+            <a:r>
+              <a:rPr lang="en-US" dirty="0">
+                <a:latin typeface="Arial" charset="0"/>
+                <a:ea typeface="ＭＳ Ｐゴシック" charset="0"/>
+                <a:cs typeface="ＭＳ Ｐゴシック" charset="0"/>
+              </a:rPr>
+              <a:t>And we saw him!</a:t>
+            </a:r>
+          </a:p>
+          <a:p>
+            <a:r>
+              <a:rPr lang="en-US" dirty="0">
+                <a:latin typeface="Arial" charset="0"/>
+                <a:ea typeface="ＭＳ Ｐゴシック" charset="0"/>
+                <a:cs typeface="ＭＳ Ｐゴシック" charset="0"/>
+              </a:rPr>
+              <a:t>The Cat in the Hat!</a:t>
+            </a:r>
+          </a:p>
+          <a:p>
+            <a:endParaRPr lang="en-US" dirty="0">
+              <a:latin typeface="Arial" charset="0"/>
+              <a:ea typeface="ＭＳ Ｐゴシック" charset="0"/>
+              <a:cs typeface="ＭＳ Ｐゴシック" charset="0"/>
+            </a:endParaRPr>
+          </a:p>
+          <a:p>
+            <a:endParaRPr lang="en-US" dirty="0">
+              <a:latin typeface="Arial" charset="0"/>
+              <a:ea typeface="ＭＳ Ｐゴシック" charset="0"/>
+              <a:cs typeface="ＭＳ Ｐゴシック" charset="0"/>
+            </a:endParaRPr>
+          </a:p>
+          <a:p>
+            <a:endParaRPr lang="en-US" dirty="0">
+              <a:latin typeface="Arial" charset="0"/>
+              <a:ea typeface="ＭＳ Ｐゴシック" charset="0"/>
+              <a:cs typeface="ＭＳ Ｐゴシック" charset="0"/>
+            </a:endParaRPr>
+          </a:p>
+          <a:p>
+            <a:endParaRPr lang="en-US" dirty="0">
+              <a:latin typeface="Arial" charset="0"/>
+              <a:ea typeface="ＭＳ Ｐゴシック" charset="0"/>
+              <a:cs typeface="ＭＳ Ｐゴシック" charset="0"/>
+            </a:endParaRPr>
+          </a:p>
+          <a:p>
+            <a:endParaRPr lang="en-US" dirty="0">
+              <a:latin typeface="Arial" charset="0"/>
+              <a:ea typeface="ＭＳ Ｐゴシック" charset="0"/>
+              <a:cs typeface="ＭＳ Ｐゴシック" charset="0"/>
+            </a:endParaRPr>
+          </a:p>
+          <a:p>
+            <a:endParaRPr lang="en-US" dirty="0">
+              <a:latin typeface="Arial" charset="0"/>
+              <a:ea typeface="ＭＳ Ｐゴシック" charset="0"/>
+              <a:cs typeface="ＭＳ Ｐゴシック" charset="0"/>
+            </a:endParaRPr>
+          </a:p>
+          <a:p>
+            <a:r>
+              <a:rPr lang="en-US" dirty="0">
+                <a:latin typeface="Arial" charset="0"/>
+                <a:ea typeface="ＭＳ Ｐゴシック" charset="0"/>
+                <a:cs typeface="ＭＳ Ｐゴシック" charset="0"/>
+              </a:rPr>
+              <a:t>The</a:t>
+            </a:r>
+            <a:r>
+              <a:rPr lang="en-US" baseline="0" dirty="0">
+                <a:latin typeface="Arial" charset="0"/>
+                <a:ea typeface="ＭＳ Ｐゴシック" charset="0"/>
+                <a:cs typeface="ＭＳ Ｐゴシック" charset="0"/>
+              </a:rPr>
+              <a:t> other one there, the blithe one</a:t>
+            </a:r>
+          </a:p>
+          <a:p>
+            <a:endParaRPr lang="en-US" baseline="0" dirty="0">
+              <a:latin typeface="Arial" charset="0"/>
+              <a:ea typeface="ＭＳ Ｐゴシック" charset="0"/>
+              <a:cs typeface="ＭＳ Ｐゴシック" charset="0"/>
+            </a:endParaRPr>
+          </a:p>
+          <a:p>
+            <a:pPr eaLnBrk="1" hangingPunct="1"/>
+            <a:r>
+              <a:rPr lang="en-US" dirty="0"/>
+              <a:t>[</a:t>
+            </a:r>
+            <a:r>
+              <a:rPr lang="en-US" dirty="0" err="1"/>
+              <a:t>Ww</a:t>
+            </a:r>
+            <a:r>
+              <a:rPr lang="en-US" dirty="0"/>
+              <a:t>]</a:t>
+            </a:r>
+          </a:p>
+          <a:p>
+            <a:pPr eaLnBrk="1" hangingPunct="1"/>
+            <a:r>
+              <a:rPr lang="en-US" dirty="0"/>
+              <a:t>[</a:t>
+            </a:r>
+            <a:r>
+              <a:rPr lang="en-US" dirty="0" err="1"/>
+              <a:t>em</a:t>
+            </a:r>
+            <a:r>
+              <a:rPr lang="en-US" dirty="0"/>
+              <a:t>]</a:t>
+            </a:r>
+          </a:p>
+          <a:p>
+            <a:pPr eaLnBrk="1" hangingPunct="1"/>
+            <a:r>
+              <a:rPr lang="en-US" dirty="0"/>
+              <a:t>[A-Z]</a:t>
+            </a:r>
+          </a:p>
+          <a:p>
+            <a:pPr eaLnBrk="1" hangingPunct="1"/>
+            <a:r>
+              <a:rPr lang="en-US" dirty="0"/>
+              <a:t>[a-z]</a:t>
+            </a:r>
+          </a:p>
+          <a:p>
+            <a:pPr eaLnBrk="1" hangingPunct="1"/>
+            <a:r>
+              <a:rPr lang="en-US" dirty="0"/>
+              <a:t>[A-</a:t>
+            </a:r>
+            <a:r>
+              <a:rPr lang="en-US" dirty="0" err="1"/>
+              <a:t>Za</a:t>
+            </a:r>
+            <a:r>
+              <a:rPr lang="en-US" dirty="0"/>
+              <a:t>-z]</a:t>
+            </a:r>
+          </a:p>
+          <a:p>
+            <a:pPr eaLnBrk="1" hangingPunct="1"/>
+            <a:r>
+              <a:rPr lang="en-US" dirty="0"/>
+              <a:t>[ !]</a:t>
+            </a:r>
+          </a:p>
+          <a:p>
+            <a:pPr eaLnBrk="1" hangingPunct="1"/>
+            <a:r>
+              <a:rPr lang="en-US" dirty="0"/>
+              <a:t>(slide)</a:t>
+            </a:r>
+          </a:p>
+          <a:p>
+            <a:pPr eaLnBrk="1" hangingPunct="1"/>
+            <a:r>
+              <a:rPr lang="en-US" dirty="0"/>
+              <a:t>[^A-Z]</a:t>
+            </a:r>
+          </a:p>
+          <a:p>
+            <a:pPr eaLnBrk="1" hangingPunct="1"/>
+            <a:r>
+              <a:rPr lang="en-US" dirty="0"/>
+              <a:t>[^A-</a:t>
+            </a:r>
+            <a:r>
+              <a:rPr lang="en-US" dirty="0" err="1"/>
+              <a:t>Za</a:t>
+            </a:r>
+            <a:r>
+              <a:rPr lang="en-US" dirty="0"/>
+              <a:t>-z]</a:t>
+            </a:r>
+          </a:p>
+          <a:p>
+            <a:pPr eaLnBrk="1" hangingPunct="1"/>
+            <a:r>
+              <a:rPr lang="en-US" dirty="0"/>
+              <a:t>(slide)</a:t>
+            </a:r>
+          </a:p>
+          <a:p>
+            <a:pPr eaLnBrk="1" hangingPunct="1"/>
+            <a:r>
+              <a:rPr lang="en-US" dirty="0" err="1"/>
+              <a:t>looked|step</a:t>
+            </a:r>
+            <a:endParaRPr lang="en-US" dirty="0"/>
+          </a:p>
+          <a:p>
+            <a:pPr eaLnBrk="1" hangingPunct="1"/>
+            <a:r>
+              <a:rPr lang="en-US" dirty="0" err="1"/>
+              <a:t>at|ook</a:t>
+            </a:r>
+            <a:endParaRPr lang="en-US" dirty="0"/>
+          </a:p>
+          <a:p>
+            <a:pPr eaLnBrk="1" hangingPunct="1"/>
+            <a:r>
+              <a:rPr lang="en-US" dirty="0"/>
+              <a:t>(slide)</a:t>
+            </a:r>
+          </a:p>
+          <a:p>
+            <a:pPr eaLnBrk="1" hangingPunct="1"/>
+            <a:r>
+              <a:rPr lang="en-US" dirty="0"/>
+              <a:t>o</a:t>
+            </a:r>
+          </a:p>
+          <a:p>
+            <a:pPr eaLnBrk="1" hangingPunct="1"/>
+            <a:r>
+              <a:rPr lang="en-US" dirty="0"/>
+              <a:t>o+</a:t>
+            </a:r>
+          </a:p>
+          <a:p>
+            <a:pPr eaLnBrk="1" hangingPunct="1"/>
+            <a:r>
+              <a:rPr lang="en-US" dirty="0"/>
+              <a:t>^[A-Z]</a:t>
+            </a:r>
+          </a:p>
+          <a:p>
+            <a:pPr eaLnBrk="1" hangingPunct="1"/>
+            <a:r>
+              <a:rPr lang="en-US" dirty="0"/>
+              <a:t>[!.]$</a:t>
+            </a:r>
+          </a:p>
+          <a:p>
+            <a:pPr eaLnBrk="1" hangingPunct="1"/>
+            <a:r>
+              <a:rPr lang="en-US" dirty="0"/>
+              <a:t>\. vs .</a:t>
+            </a:r>
+          </a:p>
+          <a:p>
+            <a:endParaRPr lang="en-US" dirty="0">
+              <a:latin typeface="Arial" charset="0"/>
+              <a:ea typeface="ＭＳ Ｐゴシック" charset="0"/>
+              <a:cs typeface="ＭＳ Ｐゴシック" charset="0"/>
+            </a:endParaRPr>
+          </a:p>
         </p:txBody>
       </p:sp>
     </p:spTree>
     <p:extLst>
       <p:ext uri="{BB962C8B-B14F-4D97-AF65-F5344CB8AC3E}">
-        <p14:creationId xmlns:p14="http://schemas.microsoft.com/office/powerpoint/2010/main" val="107835888"/>
+        <p14:creationId xmlns:p14="http://schemas.microsoft.com/office/powerpoint/2010/main" val="625737646"/>
+      </p:ext>
+    </p:extLst>
+  </p:cSld>
+  <p:clrMapOvr>
+    <a:masterClrMapping/>
+  </p:clrMapOvr>
+</p:notes>
+</file>
+
+<file path=ppt/notesSlides/notesSlide14.xml><?xml version="1.0" encoding="utf-8"?>
+<p:notes xmlns:a="http://schemas.openxmlformats.org/drawingml/2006/main" xmlns:r="http://schemas.openxmlformats.org/officeDocument/2006/relationships" xmlns:p="http://schemas.openxmlformats.org/presentationml/2006/main">
+  <p:cSld>
+    <p:spTree>
+      <p:nvGrpSpPr>
+        <p:cNvPr id="1" name=""/>
+        <p:cNvGrpSpPr/>
+        <p:nvPr/>
+      </p:nvGrpSpPr>
+      <p:grpSpPr>
+        <a:xfrm>
+          <a:off x="0" y="0"/>
+          <a:ext cx="0" cy="0"/>
+          <a:chOff x="0" y="0"/>
+          <a:chExt cx="0" cy="0"/>
+        </a:xfrm>
+      </p:grpSpPr>
+      <p:sp>
+        <p:nvSpPr>
+          <p:cNvPr id="70658" name="Rectangle 7"/>
+          <p:cNvSpPr>
+            <a:spLocks noGrp="1" noChangeArrowheads="1"/>
+          </p:cNvSpPr>
+          <p:nvPr>
+            <p:ph type="sldNum" sz="quarter" idx="5"/>
+          </p:nvPr>
+        </p:nvSpPr>
+        <p:spPr>
+          <a:noFill/>
+        </p:spPr>
+        <p:txBody>
+          <a:bodyPr/>
+          <a:lstStyle/>
+          <a:p>
+            <a:fld id="{2E64B176-3CE7-6A41-BE1E-57EEC52B0665}" type="slidenum">
+              <a:rPr lang="en-US"/>
+              <a:pPr/>
+              <a:t>45</a:t>
+            </a:fld>
+            <a:endParaRPr lang="en-US"/>
+          </a:p>
+        </p:txBody>
+      </p:sp>
+      <p:sp>
+        <p:nvSpPr>
+          <p:cNvPr id="70659" name="Rectangle 2"/>
+          <p:cNvSpPr>
+            <a:spLocks noGrp="1" noRot="1" noChangeAspect="1" noChangeArrowheads="1"/>
+          </p:cNvSpPr>
+          <p:nvPr>
+            <p:ph type="sldImg"/>
+          </p:nvPr>
+        </p:nvSpPr>
+        <p:spPr>
+          <a:solidFill>
+            <a:srgbClr val="FFFFFF"/>
+          </a:solidFill>
+          <a:ln/>
+        </p:spPr>
+      </p:sp>
+      <p:sp>
+        <p:nvSpPr>
+          <p:cNvPr id="70660" name="Rectangle 3"/>
+          <p:cNvSpPr>
+            <a:spLocks noGrp="1" noChangeArrowheads="1"/>
+          </p:cNvSpPr>
+          <p:nvPr>
+            <p:ph type="body" idx="1"/>
+          </p:nvPr>
+        </p:nvSpPr>
+        <p:spPr>
+          <a:solidFill>
+            <a:srgbClr val="FFFFFF"/>
+          </a:solidFill>
+          <a:ln>
+            <a:solidFill>
+              <a:srgbClr val="000000"/>
+            </a:solidFill>
+          </a:ln>
+        </p:spPr>
+        <p:txBody>
+          <a:bodyPr/>
+          <a:lstStyle/>
+          <a:p>
+            <a:pPr eaLnBrk="1" hangingPunct="1"/>
+            <a:endParaRPr lang="en-US"/>
+          </a:p>
+        </p:txBody>
+      </p:sp>
+    </p:spTree>
+    <p:extLst>
+      <p:ext uri="{BB962C8B-B14F-4D97-AF65-F5344CB8AC3E}">
+        <p14:creationId xmlns:p14="http://schemas.microsoft.com/office/powerpoint/2010/main" val="1960119039"/>
+      </p:ext>
+    </p:extLst>
+  </p:cSld>
+  <p:clrMapOvr>
+    <a:masterClrMapping/>
+  </p:clrMapOvr>
+</p:notes>
+</file>
+
+<file path=ppt/notesSlides/notesSlide15.xml><?xml version="1.0" encoding="utf-8"?>
+<p:notes xmlns:a="http://schemas.openxmlformats.org/drawingml/2006/main" xmlns:r="http://schemas.openxmlformats.org/officeDocument/2006/relationships" xmlns:p="http://schemas.openxmlformats.org/presentationml/2006/main">
+  <p:cSld>
+    <p:spTree>
+      <p:nvGrpSpPr>
+        <p:cNvPr id="1" name=""/>
+        <p:cNvGrpSpPr/>
+        <p:nvPr/>
+      </p:nvGrpSpPr>
+      <p:grpSpPr>
+        <a:xfrm>
+          <a:off x="0" y="0"/>
+          <a:ext cx="0" cy="0"/>
+          <a:chOff x="0" y="0"/>
+          <a:chExt cx="0" cy="0"/>
+        </a:xfrm>
+      </p:grpSpPr>
+      <p:sp>
+        <p:nvSpPr>
+          <p:cNvPr id="72706" name="Rectangle 7"/>
+          <p:cNvSpPr>
+            <a:spLocks noGrp="1" noChangeArrowheads="1"/>
+          </p:cNvSpPr>
+          <p:nvPr>
+            <p:ph type="sldNum" sz="quarter" idx="5"/>
+          </p:nvPr>
+        </p:nvSpPr>
+        <p:spPr>
+          <a:noFill/>
+        </p:spPr>
+        <p:txBody>
+          <a:bodyPr/>
+          <a:lstStyle/>
+          <a:p>
+            <a:fld id="{AD123507-3658-094F-A348-B086D6EDE221}" type="slidenum">
+              <a:rPr lang="en-US"/>
+              <a:pPr/>
+              <a:t>46</a:t>
+            </a:fld>
+            <a:endParaRPr lang="en-US"/>
+          </a:p>
+        </p:txBody>
+      </p:sp>
+      <p:sp>
+        <p:nvSpPr>
+          <p:cNvPr id="72707" name="Rectangle 2"/>
+          <p:cNvSpPr>
+            <a:spLocks noGrp="1" noRot="1" noChangeAspect="1" noChangeArrowheads="1" noTextEdit="1"/>
+          </p:cNvSpPr>
+          <p:nvPr>
+            <p:ph type="sldImg"/>
+          </p:nvPr>
+        </p:nvSpPr>
+        <p:spPr>
+          <a:solidFill>
+            <a:srgbClr val="FFFFFF"/>
+          </a:solidFill>
+          <a:ln/>
+        </p:spPr>
+      </p:sp>
+      <p:sp>
+        <p:nvSpPr>
+          <p:cNvPr id="72708" name="Rectangle 3"/>
+          <p:cNvSpPr>
+            <a:spLocks noGrp="1" noChangeArrowheads="1"/>
+          </p:cNvSpPr>
+          <p:nvPr>
+            <p:ph type="body" idx="1"/>
+          </p:nvPr>
+        </p:nvSpPr>
+        <p:spPr>
+          <a:xfrm>
+            <a:off x="912707" y="4463296"/>
+            <a:ext cx="5019887" cy="4228386"/>
+          </a:xfrm>
+          <a:solidFill>
+            <a:srgbClr val="FFFFFF"/>
+          </a:solidFill>
+          <a:ln>
+            <a:solidFill>
+              <a:srgbClr val="000000"/>
+            </a:solidFill>
+          </a:ln>
+        </p:spPr>
+        <p:txBody>
+          <a:bodyPr lIns="91435" tIns="45718" rIns="91435" bIns="45718"/>
+          <a:lstStyle/>
+          <a:p>
+            <a:pPr eaLnBrk="1" hangingPunct="1"/>
+            <a:endParaRPr lang="en-US" b="1" dirty="0"/>
+          </a:p>
+        </p:txBody>
+      </p:sp>
+    </p:spTree>
+    <p:extLst>
+      <p:ext uri="{BB962C8B-B14F-4D97-AF65-F5344CB8AC3E}">
+        <p14:creationId xmlns:p14="http://schemas.microsoft.com/office/powerpoint/2010/main" val="1905609577"/>
+      </p:ext>
+    </p:extLst>
+  </p:cSld>
+  <p:clrMapOvr>
+    <a:masterClrMapping/>
+  </p:clrMapOvr>
+</p:notes>
+</file>
+
+<file path=ppt/notesSlides/notesSlide16.xml><?xml version="1.0" encoding="utf-8"?>
+<p:notes xmlns:a="http://schemas.openxmlformats.org/drawingml/2006/main" xmlns:r="http://schemas.openxmlformats.org/officeDocument/2006/relationships" xmlns:p="http://schemas.openxmlformats.org/presentationml/2006/main">
+  <p:cSld>
+    <p:spTree>
+      <p:nvGrpSpPr>
+        <p:cNvPr id="1" name=""/>
+        <p:cNvGrpSpPr/>
+        <p:nvPr/>
+      </p:nvGrpSpPr>
+      <p:grpSpPr>
+        <a:xfrm>
+          <a:off x="0" y="0"/>
+          <a:ext cx="0" cy="0"/>
+          <a:chOff x="0" y="0"/>
+          <a:chExt cx="0" cy="0"/>
+        </a:xfrm>
+      </p:grpSpPr>
+      <p:sp>
+        <p:nvSpPr>
+          <p:cNvPr id="74754" name="Rectangle 7"/>
+          <p:cNvSpPr>
+            <a:spLocks noGrp="1" noChangeArrowheads="1"/>
+          </p:cNvSpPr>
+          <p:nvPr>
+            <p:ph type="sldNum" sz="quarter" idx="5"/>
+          </p:nvPr>
+        </p:nvSpPr>
+        <p:spPr>
+          <a:noFill/>
+        </p:spPr>
+        <p:txBody>
+          <a:bodyPr/>
+          <a:lstStyle/>
+          <a:p>
+            <a:fld id="{71945E12-28F4-EC45-9FE6-6861EFD09E6C}" type="slidenum">
+              <a:rPr lang="en-US"/>
+              <a:pPr/>
+              <a:t>47</a:t>
+            </a:fld>
+            <a:endParaRPr lang="en-US"/>
+          </a:p>
+        </p:txBody>
+      </p:sp>
+      <p:sp>
+        <p:nvSpPr>
+          <p:cNvPr id="74755" name="Rectangle 2"/>
+          <p:cNvSpPr>
+            <a:spLocks noGrp="1" noRot="1" noChangeAspect="1" noChangeArrowheads="1" noTextEdit="1"/>
+          </p:cNvSpPr>
+          <p:nvPr>
+            <p:ph type="sldImg"/>
+          </p:nvPr>
+        </p:nvSpPr>
+        <p:spPr>
+          <a:solidFill>
+            <a:srgbClr val="FFFFFF"/>
+          </a:solidFill>
+          <a:ln/>
+        </p:spPr>
+      </p:sp>
+      <p:sp>
+        <p:nvSpPr>
+          <p:cNvPr id="74756" name="Rectangle 3"/>
+          <p:cNvSpPr>
+            <a:spLocks noGrp="1" noChangeArrowheads="1"/>
+          </p:cNvSpPr>
+          <p:nvPr>
+            <p:ph type="body" idx="1"/>
+          </p:nvPr>
+        </p:nvSpPr>
+        <p:spPr>
+          <a:xfrm>
+            <a:off x="912707" y="4463296"/>
+            <a:ext cx="5019887" cy="4228386"/>
+          </a:xfrm>
+          <a:solidFill>
+            <a:srgbClr val="FFFFFF"/>
+          </a:solidFill>
+          <a:ln>
+            <a:solidFill>
+              <a:srgbClr val="000000"/>
+            </a:solidFill>
+          </a:ln>
+        </p:spPr>
+        <p:txBody>
+          <a:bodyPr lIns="91435" tIns="45718" rIns="91435" bIns="45718"/>
+          <a:lstStyle/>
+          <a:p>
+            <a:pPr eaLnBrk="1" hangingPunct="1"/>
+            <a:r>
+              <a:rPr lang="en-US" b="1"/>
+              <a:t>^e^ BUG</a:t>
+            </a:r>
+          </a:p>
+        </p:txBody>
+      </p:sp>
+    </p:spTree>
+    <p:extLst>
+      <p:ext uri="{BB962C8B-B14F-4D97-AF65-F5344CB8AC3E}">
+        <p14:creationId xmlns:p14="http://schemas.microsoft.com/office/powerpoint/2010/main" val="1767410477"/>
+      </p:ext>
+    </p:extLst>
+  </p:cSld>
+  <p:clrMapOvr>
+    <a:masterClrMapping/>
+  </p:clrMapOvr>
+</p:notes>
+</file>
+
+<file path=ppt/notesSlides/notesSlide17.xml><?xml version="1.0" encoding="utf-8"?>
+<p:notes xmlns:a="http://schemas.openxmlformats.org/drawingml/2006/main" xmlns:r="http://schemas.openxmlformats.org/officeDocument/2006/relationships" xmlns:p="http://schemas.openxmlformats.org/presentationml/2006/main">
+  <p:cSld>
+    <p:spTree>
+      <p:nvGrpSpPr>
+        <p:cNvPr id="1" name=""/>
+        <p:cNvGrpSpPr/>
+        <p:nvPr/>
+      </p:nvGrpSpPr>
+      <p:grpSpPr>
+        <a:xfrm>
+          <a:off x="0" y="0"/>
+          <a:ext cx="0" cy="0"/>
+          <a:chOff x="0" y="0"/>
+          <a:chExt cx="0" cy="0"/>
+        </a:xfrm>
+      </p:grpSpPr>
+      <p:sp>
+        <p:nvSpPr>
+          <p:cNvPr id="74754" name="Rectangle 7"/>
+          <p:cNvSpPr>
+            <a:spLocks noGrp="1" noChangeArrowheads="1"/>
+          </p:cNvSpPr>
+          <p:nvPr>
+            <p:ph type="sldNum" sz="quarter" idx="5"/>
+          </p:nvPr>
+        </p:nvSpPr>
+        <p:spPr>
+          <a:noFill/>
+        </p:spPr>
+        <p:txBody>
+          <a:bodyPr/>
+          <a:lstStyle/>
+          <a:p>
+            <a:fld id="{71945E12-28F4-EC45-9FE6-6861EFD09E6C}" type="slidenum">
+              <a:rPr lang="en-US"/>
+              <a:pPr/>
+              <a:t>48</a:t>
+            </a:fld>
+            <a:endParaRPr lang="en-US"/>
+          </a:p>
+        </p:txBody>
+      </p:sp>
+      <p:sp>
+        <p:nvSpPr>
+          <p:cNvPr id="74755" name="Rectangle 2"/>
+          <p:cNvSpPr>
+            <a:spLocks noGrp="1" noRot="1" noChangeAspect="1" noChangeArrowheads="1" noTextEdit="1"/>
+          </p:cNvSpPr>
+          <p:nvPr>
+            <p:ph type="sldImg"/>
+          </p:nvPr>
+        </p:nvSpPr>
+        <p:spPr>
+          <a:solidFill>
+            <a:srgbClr val="FFFFFF"/>
+          </a:solidFill>
+          <a:ln/>
+        </p:spPr>
+      </p:sp>
+      <p:sp>
+        <p:nvSpPr>
+          <p:cNvPr id="74756" name="Rectangle 3"/>
+          <p:cNvSpPr>
+            <a:spLocks noGrp="1" noChangeArrowheads="1"/>
+          </p:cNvSpPr>
+          <p:nvPr>
+            <p:ph type="body" idx="1"/>
+          </p:nvPr>
+        </p:nvSpPr>
+        <p:spPr>
+          <a:xfrm>
+            <a:off x="912707" y="4463296"/>
+            <a:ext cx="5019887" cy="4228386"/>
+          </a:xfrm>
+          <a:solidFill>
+            <a:srgbClr val="FFFFFF"/>
+          </a:solidFill>
+          <a:ln>
+            <a:solidFill>
+              <a:srgbClr val="000000"/>
+            </a:solidFill>
+          </a:ln>
+        </p:spPr>
+        <p:txBody>
+          <a:bodyPr lIns="91435" tIns="45718" rIns="91435" bIns="45718"/>
+          <a:lstStyle/>
+          <a:p>
+            <a:pPr eaLnBrk="1" hangingPunct="1"/>
+            <a:endParaRPr lang="en-US" b="1"/>
+          </a:p>
+        </p:txBody>
+      </p:sp>
+    </p:spTree>
+    <p:extLst>
+      <p:ext uri="{BB962C8B-B14F-4D97-AF65-F5344CB8AC3E}">
+        <p14:creationId xmlns:p14="http://schemas.microsoft.com/office/powerpoint/2010/main" val="1901893965"/>
+      </p:ext>
+    </p:extLst>
+  </p:cSld>
+  <p:clrMapOvr>
+    <a:masterClrMapping/>
+  </p:clrMapOvr>
+</p:notes>
+</file>
+
+<file path=ppt/notesSlides/notesSlide18.xml><?xml version="1.0" encoding="utf-8"?>
+<p:notes xmlns:a="http://schemas.openxmlformats.org/drawingml/2006/main" xmlns:r="http://schemas.openxmlformats.org/officeDocument/2006/relationships" xmlns:p="http://schemas.openxmlformats.org/presentationml/2006/main">
+  <p:cSld>
+    <p:spTree>
+      <p:nvGrpSpPr>
+        <p:cNvPr id="1" name=""/>
+        <p:cNvGrpSpPr/>
+        <p:nvPr/>
+      </p:nvGrpSpPr>
+      <p:grpSpPr>
+        <a:xfrm>
+          <a:off x="0" y="0"/>
+          <a:ext cx="0" cy="0"/>
+          <a:chOff x="0" y="0"/>
+          <a:chExt cx="0" cy="0"/>
+        </a:xfrm>
+      </p:grpSpPr>
+      <p:sp>
+        <p:nvSpPr>
+          <p:cNvPr id="76802" name="Rectangle 7"/>
+          <p:cNvSpPr>
+            <a:spLocks noGrp="1" noChangeArrowheads="1"/>
+          </p:cNvSpPr>
+          <p:nvPr>
+            <p:ph type="sldNum" sz="quarter" idx="5"/>
+          </p:nvPr>
+        </p:nvSpPr>
+        <p:spPr>
+          <a:noFill/>
+        </p:spPr>
+        <p:txBody>
+          <a:bodyPr/>
+          <a:lstStyle/>
+          <a:p>
+            <a:fld id="{48DFDE8B-28E4-4047-85D4-57A6728EBAFF}" type="slidenum">
+              <a:rPr lang="en-US"/>
+              <a:pPr/>
+              <a:t>49</a:t>
+            </a:fld>
+            <a:endParaRPr lang="en-US"/>
+          </a:p>
+        </p:txBody>
+      </p:sp>
+      <p:sp>
+        <p:nvSpPr>
+          <p:cNvPr id="76803" name="Rectangle 2"/>
+          <p:cNvSpPr>
+            <a:spLocks noGrp="1" noRot="1" noChangeAspect="1" noChangeArrowheads="1" noTextEdit="1"/>
+          </p:cNvSpPr>
+          <p:nvPr>
+            <p:ph type="sldImg"/>
+          </p:nvPr>
+        </p:nvSpPr>
+        <p:spPr>
+          <a:solidFill>
+            <a:srgbClr val="FFFFFF"/>
+          </a:solidFill>
+          <a:ln/>
+        </p:spPr>
+      </p:sp>
+      <p:sp>
+        <p:nvSpPr>
+          <p:cNvPr id="76804" name="Rectangle 3"/>
+          <p:cNvSpPr>
+            <a:spLocks noGrp="1" noChangeArrowheads="1"/>
+          </p:cNvSpPr>
+          <p:nvPr>
+            <p:ph type="body" idx="1"/>
+          </p:nvPr>
+        </p:nvSpPr>
+        <p:spPr>
+          <a:xfrm>
+            <a:off x="912707" y="4463296"/>
+            <a:ext cx="5019887" cy="4228386"/>
+          </a:xfrm>
+          <a:solidFill>
+            <a:srgbClr val="FFFFFF"/>
+          </a:solidFill>
+          <a:ln>
+            <a:solidFill>
+              <a:srgbClr val="000000"/>
+            </a:solidFill>
+          </a:ln>
+        </p:spPr>
+        <p:txBody>
+          <a:bodyPr lIns="91435" tIns="45718" rIns="91435" bIns="45718"/>
+          <a:lstStyle/>
+          <a:p>
+            <a:pPr eaLnBrk="1" hangingPunct="1"/>
+            <a:endParaRPr lang="en-US" b="1"/>
+          </a:p>
+        </p:txBody>
+      </p:sp>
+    </p:spTree>
+    <p:extLst>
+      <p:ext uri="{BB962C8B-B14F-4D97-AF65-F5344CB8AC3E}">
+        <p14:creationId xmlns:p14="http://schemas.microsoft.com/office/powerpoint/2010/main" val="942608810"/>
+      </p:ext>
+    </p:extLst>
+  </p:cSld>
+  <p:clrMapOvr>
+    <a:masterClrMapping/>
+  </p:clrMapOvr>
+</p:notes>
+</file>
+
+<file path=ppt/notesSlides/notesSlide19.xml><?xml version="1.0" encoding="utf-8"?>
+<p:notes xmlns:a="http://schemas.openxmlformats.org/drawingml/2006/main" xmlns:r="http://schemas.openxmlformats.org/officeDocument/2006/relationships" xmlns:p="http://schemas.openxmlformats.org/presentationml/2006/main">
+  <p:cSld>
+    <p:spTree>
+      <p:nvGrpSpPr>
+        <p:cNvPr id="1" name=""/>
+        <p:cNvGrpSpPr/>
+        <p:nvPr/>
+      </p:nvGrpSpPr>
+      <p:grpSpPr>
+        <a:xfrm>
+          <a:off x="0" y="0"/>
+          <a:ext cx="0" cy="0"/>
+          <a:chOff x="0" y="0"/>
+          <a:chExt cx="0" cy="0"/>
+        </a:xfrm>
+      </p:grpSpPr>
+      <p:sp>
+        <p:nvSpPr>
+          <p:cNvPr id="78850" name="Rectangle 7"/>
+          <p:cNvSpPr>
+            <a:spLocks noGrp="1" noChangeArrowheads="1"/>
+          </p:cNvSpPr>
+          <p:nvPr>
+            <p:ph type="sldNum" sz="quarter" idx="5"/>
+          </p:nvPr>
+        </p:nvSpPr>
+        <p:spPr>
+          <a:noFill/>
+        </p:spPr>
+        <p:txBody>
+          <a:bodyPr/>
+          <a:lstStyle/>
+          <a:p>
+            <a:fld id="{1B422F39-6D47-7E4A-B2A9-7EB2D50CD805}" type="slidenum">
+              <a:rPr lang="en-US"/>
+              <a:pPr/>
+              <a:t>50</a:t>
+            </a:fld>
+            <a:endParaRPr lang="en-US"/>
+          </a:p>
+        </p:txBody>
+      </p:sp>
+      <p:sp>
+        <p:nvSpPr>
+          <p:cNvPr id="78851" name="Rectangle 2"/>
+          <p:cNvSpPr>
+            <a:spLocks noGrp="1" noRot="1" noChangeAspect="1" noChangeArrowheads="1" noTextEdit="1"/>
+          </p:cNvSpPr>
+          <p:nvPr>
+            <p:ph type="sldImg"/>
+          </p:nvPr>
+        </p:nvSpPr>
+        <p:spPr>
+          <a:solidFill>
+            <a:srgbClr val="FFFFFF"/>
+          </a:solidFill>
+          <a:ln/>
+        </p:spPr>
+      </p:sp>
+      <p:sp>
+        <p:nvSpPr>
+          <p:cNvPr id="78852" name="Rectangle 3"/>
+          <p:cNvSpPr>
+            <a:spLocks noGrp="1" noChangeArrowheads="1"/>
+          </p:cNvSpPr>
+          <p:nvPr>
+            <p:ph type="body" idx="1"/>
+          </p:nvPr>
+        </p:nvSpPr>
+        <p:spPr>
+          <a:xfrm>
+            <a:off x="912707" y="4463296"/>
+            <a:ext cx="5019887" cy="4228386"/>
+          </a:xfrm>
+          <a:solidFill>
+            <a:srgbClr val="FFFFFF"/>
+          </a:solidFill>
+          <a:ln>
+            <a:solidFill>
+              <a:srgbClr val="000000"/>
+            </a:solidFill>
+          </a:ln>
+        </p:spPr>
+        <p:txBody>
+          <a:bodyPr lIns="91435" tIns="45718" rIns="91435" bIns="45718"/>
+          <a:lstStyle/>
+          <a:p>
+            <a:pPr eaLnBrk="1" hangingPunct="1"/>
+            <a:endParaRPr lang="en-US" b="1"/>
+          </a:p>
+        </p:txBody>
+      </p:sp>
+    </p:spTree>
+    <p:extLst>
+      <p:ext uri="{BB962C8B-B14F-4D97-AF65-F5344CB8AC3E}">
+        <p14:creationId xmlns:p14="http://schemas.microsoft.com/office/powerpoint/2010/main" val="2043678671"/>
       </p:ext>
     </p:extLst>
   </p:cSld>
@@ -2095,46 +2252,7 @@
           <a:bodyPr/>
           <a:lstStyle/>
           <a:p>
-            <a:r>
-              <a:rPr lang="en-US" dirty="0"/>
-              <a:t>tell me the 10</a:t>
-            </a:r>
-            <a:r>
-              <a:rPr lang="en-US" baseline="0" dirty="0"/>
-              <a:t> most frequent words in tom sawyer and ho</a:t>
-            </a:r>
             <a:endParaRPr lang="en-US" dirty="0"/>
-          </a:p>
-          <a:p>
-            <a:endParaRPr lang="en-US" dirty="0"/>
-          </a:p>
-          <a:p>
-            <a:r>
-              <a:rPr lang="en-US" dirty="0"/>
-              <a:t>look at word counts (how many appear once vs</a:t>
-            </a:r>
-            <a:r>
-              <a:rPr lang="en-US" baseline="0" dirty="0"/>
-              <a:t> token count</a:t>
-            </a:r>
-            <a:r>
-              <a:rPr lang="en-US" dirty="0"/>
-              <a:t>)</a:t>
-            </a:r>
-          </a:p>
-          <a:p>
-            <a:r>
-              <a:rPr lang="en-US" dirty="0"/>
-              <a:t>look at </a:t>
-            </a:r>
-            <a:r>
-              <a:rPr lang="en-US" dirty="0" err="1"/>
-              <a:t>ngram</a:t>
-            </a:r>
-            <a:r>
-              <a:rPr lang="en-US" dirty="0"/>
-              <a:t> counts</a:t>
-            </a:r>
           </a:p>
         </p:txBody>
       </p:sp>
@@ -2155,7 +2273,7 @@
           <a:p>
             <a:fld id="{8CE0FD87-9A44-5E45-8C0E-52F1E538B50D}" type="slidenum">
               <a:rPr lang="en-US" smtClean="0"/>
-              <a:t>11</a:t>
+              <a:t>10</a:t>
             </a:fld>
             <a:endParaRPr lang="en-US"/>
           </a:p>
@@ -2164,7 +2282,7 @@
     </p:spTree>
     <p:extLst>
       <p:ext uri="{BB962C8B-B14F-4D97-AF65-F5344CB8AC3E}">
-        <p14:creationId xmlns:p14="http://schemas.microsoft.com/office/powerpoint/2010/main" val="149097710"/>
+        <p14:creationId xmlns:p14="http://schemas.microsoft.com/office/powerpoint/2010/main" val="4279556632"/>
       </p:ext>
     </p:extLst>
   </p:cSld>
@@ -2193,7 +2311,7 @@
       </p:grpSpPr>
       <p:sp>
         <p:nvSpPr>
-          <p:cNvPr id="21506" name="Rectangle 7"/>
+          <p:cNvPr id="82946" name="Rectangle 7"/>
           <p:cNvSpPr>
             <a:spLocks noGrp="1" noChangeArrowheads="1"/>
           </p:cNvSpPr>
@@ -2208,10 +2326,10 @@
           <a:bodyPr/>
           <a:lstStyle/>
           <a:p>
-            <a:fld id="{D4E9F685-F098-8E4C-B6D8-D94BDE4D6D6B}" type="slidenum">
+            <a:fld id="{E0D70C18-464E-3545-9CA1-FC88A632BD18}" type="slidenum">
               <a:rPr lang="en-US"/>
               <a:pPr/>
-              <a:t>56</a:t>
+              <a:t>51</a:t>
             </a:fld>
             <a:endParaRPr lang="en-US"/>
           </a:p>
@@ -2219,7 +2337,7 @@
       </p:sp>
       <p:sp>
         <p:nvSpPr>
-          <p:cNvPr id="21507" name="Rectangle 2"/>
+          <p:cNvPr id="82947" name="Rectangle 2"/>
           <p:cNvSpPr>
             <a:spLocks noGrp="1" noRot="1" noChangeAspect="1" noChangeArrowheads="1"/>
           </p:cNvSpPr>
@@ -2236,7 +2354,7 @@
       </p:sp>
       <p:sp>
         <p:nvSpPr>
-          <p:cNvPr id="21508" name="Rectangle 3"/>
+          <p:cNvPr id="82948" name="Rectangle 3"/>
           <p:cNvSpPr>
             <a:spLocks noGrp="1" noChangeArrowheads="1"/>
           </p:cNvSpPr>
@@ -2258,14 +2376,171 @@
           <a:bodyPr/>
           <a:lstStyle/>
           <a:p>
-            <a:endParaRPr lang="en-US"/>
+            <a:pPr eaLnBrk="1" hangingPunct="1"/>
+            <a:r>
+              <a:rPr lang="en-US" dirty="0"/>
+              <a:t>[</a:t>
+            </a:r>
+            <a:r>
+              <a:rPr lang="en-US" dirty="0" err="1"/>
+              <a:t>Ww</a:t>
+            </a:r>
+            <a:r>
+              <a:rPr lang="en-US" dirty="0"/>
+              <a:t>]</a:t>
+            </a:r>
+          </a:p>
+          <a:p>
+            <a:pPr eaLnBrk="1" hangingPunct="1"/>
+            <a:r>
+              <a:rPr lang="en-US" dirty="0"/>
+              <a:t>[</a:t>
+            </a:r>
+            <a:r>
+              <a:rPr lang="en-US" dirty="0" err="1"/>
+              <a:t>em</a:t>
+            </a:r>
+            <a:r>
+              <a:rPr lang="en-US" dirty="0"/>
+              <a:t>]</a:t>
+            </a:r>
+          </a:p>
+          <a:p>
+            <a:pPr eaLnBrk="1" hangingPunct="1"/>
+            <a:r>
+              <a:rPr lang="en-US" dirty="0"/>
+              <a:t>[A-Z]</a:t>
+            </a:r>
+          </a:p>
+          <a:p>
+            <a:pPr eaLnBrk="1" hangingPunct="1"/>
+            <a:r>
+              <a:rPr lang="en-US" dirty="0"/>
+              <a:t>[a-z]</a:t>
+            </a:r>
+          </a:p>
+          <a:p>
+            <a:pPr eaLnBrk="1" hangingPunct="1"/>
+            <a:r>
+              <a:rPr lang="en-US" dirty="0"/>
+              <a:t>[A-</a:t>
+            </a:r>
+            <a:r>
+              <a:rPr lang="en-US" dirty="0" err="1"/>
+              <a:t>Za</a:t>
+            </a:r>
+            <a:r>
+              <a:rPr lang="en-US" dirty="0"/>
+              <a:t>-z]</a:t>
+            </a:r>
+          </a:p>
+          <a:p>
+            <a:pPr eaLnBrk="1" hangingPunct="1"/>
+            <a:r>
+              <a:rPr lang="en-US" dirty="0"/>
+              <a:t>[ !]</a:t>
+            </a:r>
+          </a:p>
+          <a:p>
+            <a:pPr eaLnBrk="1" hangingPunct="1"/>
+            <a:r>
+              <a:rPr lang="en-US" dirty="0"/>
+              <a:t>(slide)</a:t>
+            </a:r>
+          </a:p>
+          <a:p>
+            <a:pPr eaLnBrk="1" hangingPunct="1"/>
+            <a:r>
+              <a:rPr lang="en-US" dirty="0"/>
+              <a:t>[^A-Z]</a:t>
+            </a:r>
+          </a:p>
+          <a:p>
+            <a:pPr eaLnBrk="1" hangingPunct="1"/>
+            <a:r>
+              <a:rPr lang="en-US" dirty="0"/>
+              <a:t>[^A-</a:t>
+            </a:r>
+            <a:r>
+              <a:rPr lang="en-US" dirty="0" err="1"/>
+              <a:t>Za</a:t>
+            </a:r>
+            <a:r>
+              <a:rPr lang="en-US" dirty="0"/>
+              <a:t>-z]</a:t>
+            </a:r>
+          </a:p>
+          <a:p>
+            <a:pPr eaLnBrk="1" hangingPunct="1"/>
+            <a:r>
+              <a:rPr lang="en-US" dirty="0"/>
+              <a:t>(slide)</a:t>
+            </a:r>
+          </a:p>
+          <a:p>
+            <a:pPr eaLnBrk="1" hangingPunct="1"/>
+            <a:r>
+              <a:rPr lang="en-US" dirty="0" err="1"/>
+              <a:t>looked|step</a:t>
+            </a:r>
+            <a:endParaRPr lang="en-US" dirty="0"/>
+          </a:p>
+          <a:p>
+            <a:pPr eaLnBrk="1" hangingPunct="1"/>
+            <a:r>
+              <a:rPr lang="en-US" dirty="0" err="1"/>
+              <a:t>at|ook</a:t>
+            </a:r>
+            <a:endParaRPr lang="en-US" dirty="0"/>
+          </a:p>
+          <a:p>
+            <a:pPr eaLnBrk="1" hangingPunct="1"/>
+            <a:r>
+              <a:rPr lang="en-US" dirty="0"/>
+              <a:t>(slide)</a:t>
+            </a:r>
+          </a:p>
+          <a:p>
+            <a:pPr eaLnBrk="1" hangingPunct="1"/>
+            <a:r>
+              <a:rPr lang="en-US" dirty="0"/>
+              <a:t>o</a:t>
+            </a:r>
+          </a:p>
+          <a:p>
+            <a:pPr eaLnBrk="1" hangingPunct="1"/>
+            <a:r>
+              <a:rPr lang="en-US" dirty="0"/>
+              <a:t>o+</a:t>
+            </a:r>
+          </a:p>
+          <a:p>
+            <a:pPr eaLnBrk="1" hangingPunct="1"/>
+            <a:r>
+              <a:rPr lang="en-US" dirty="0"/>
+              <a:t>^[A-Z]</a:t>
+            </a:r>
+          </a:p>
+          <a:p>
+            <a:pPr eaLnBrk="1" hangingPunct="1"/>
+            <a:r>
+              <a:rPr lang="en-US" dirty="0"/>
+              <a:t>[!.]$</a:t>
+            </a:r>
+          </a:p>
+          <a:p>
+            <a:pPr eaLnBrk="1" hangingPunct="1"/>
+            <a:r>
+              <a:rPr lang="en-US" dirty="0"/>
+              <a:t>\. vs .</a:t>
+            </a:r>
           </a:p>
         </p:txBody>
       </p:sp>
     </p:spTree>
     <p:extLst>
       <p:ext uri="{BB962C8B-B14F-4D97-AF65-F5344CB8AC3E}">
-        <p14:creationId xmlns:p14="http://schemas.microsoft.com/office/powerpoint/2010/main" val="407966494"/>
+        <p14:creationId xmlns:p14="http://schemas.microsoft.com/office/powerpoint/2010/main" val="126069195"/>
       </p:ext>
     </p:extLst>
   </p:cSld>
@@ -2294,7 +2569,7 @@
       </p:grpSpPr>
       <p:sp>
         <p:nvSpPr>
-          <p:cNvPr id="23554" name="Rectangle 7"/>
+          <p:cNvPr id="84994" name="Rectangle 7"/>
           <p:cNvSpPr>
             <a:spLocks noGrp="1" noChangeArrowheads="1"/>
           </p:cNvSpPr>
@@ -2309,10 +2584,10 @@
           <a:bodyPr/>
           <a:lstStyle/>
           <a:p>
-            <a:fld id="{AA652608-6990-6E43-AA5F-49A5045801F2}" type="slidenum">
+            <a:fld id="{3F82BD90-5842-9D48-A685-621D2A4C3779}" type="slidenum">
               <a:rPr lang="en-US"/>
               <a:pPr/>
-              <a:t>57</a:t>
+              <a:t>52</a:t>
             </a:fld>
             <a:endParaRPr lang="en-US"/>
           </a:p>
@@ -2320,21 +2595,24 @@
       </p:sp>
       <p:sp>
         <p:nvSpPr>
-          <p:cNvPr id="23555" name="Rectangle 2"/>
-          <p:cNvSpPr>
-            <a:spLocks noGrp="1" noRot="1" noChangeAspect="1" noChangeArrowheads="1" noTextEdit="1"/>
+          <p:cNvPr id="84995" name="Rectangle 2"/>
+          <p:cNvSpPr>
+            <a:spLocks noGrp="1" noRot="1" noChangeAspect="1" noChangeArrowheads="1"/>
           </p:cNvSpPr>
           <p:nvPr>
             <p:ph type="sldImg"/>
           </p:nvPr>
         </p:nvSpPr>
         <p:spPr>
+          <a:solidFill>
+            <a:srgbClr val="FFFFFF"/>
+          </a:solidFill>
           <a:ln/>
         </p:spPr>
       </p:sp>
       <p:sp>
         <p:nvSpPr>
-          <p:cNvPr id="23556" name="Rectangle 3"/>
+          <p:cNvPr id="84996" name="Rectangle 3"/>
           <p:cNvSpPr>
             <a:spLocks noGrp="1" noChangeArrowheads="1"/>
           </p:cNvSpPr>
@@ -2343,13 +2621,20 @@
           </p:nvPr>
         </p:nvSpPr>
         <p:spPr>
-          <a:noFill/>
-          <a:ln/>
+          <a:solidFill>
+            <a:srgbClr val="FFFFFF"/>
+          </a:solidFill>
+          <a:ln>
+            <a:solidFill>
+              <a:srgbClr val="000000"/>
+            </a:solidFill>
+          </a:ln>
         </p:spPr>
         <p:txBody>
           <a:bodyPr/>
           <a:lstStyle/>
           <a:p>
+            <a:pPr eaLnBrk="1" hangingPunct="1"/>
             <a:endParaRPr lang="en-US"/>
           </a:p>
         </p:txBody>
@@ -2357,7 +2642,7 @@
     </p:spTree>
     <p:extLst>
       <p:ext uri="{BB962C8B-B14F-4D97-AF65-F5344CB8AC3E}">
-        <p14:creationId xmlns:p14="http://schemas.microsoft.com/office/powerpoint/2010/main" val="552509536"/>
+        <p14:creationId xmlns:p14="http://schemas.microsoft.com/office/powerpoint/2010/main" val="135913194"/>
       </p:ext>
     </p:extLst>
   </p:cSld>
@@ -2386,7 +2671,7 @@
       </p:grpSpPr>
       <p:sp>
         <p:nvSpPr>
-          <p:cNvPr id="25602" name="Rectangle 7"/>
+          <p:cNvPr id="87042" name="Rectangle 7"/>
           <p:cNvSpPr>
             <a:spLocks noGrp="1" noChangeArrowheads="1"/>
           </p:cNvSpPr>
@@ -2401,10 +2686,10 @@
           <a:bodyPr/>
           <a:lstStyle/>
           <a:p>
-            <a:fld id="{ABE383AF-40C9-E847-ACCB-98F997084513}" type="slidenum">
+            <a:fld id="{A0149E1A-5C54-D64B-9E9D-5A113A6AF7E6}" type="slidenum">
               <a:rPr lang="en-US"/>
               <a:pPr/>
-              <a:t>58</a:t>
+              <a:t>53</a:t>
             </a:fld>
             <a:endParaRPr lang="en-US"/>
           </a:p>
@@ -2412,275 +2697,7 @@
       </p:sp>
       <p:sp>
         <p:nvSpPr>
-          <p:cNvPr id="25603" name="Rectangle 2"/>
-          <p:cNvSpPr>
-            <a:spLocks noGrp="1" noRot="1" noChangeAspect="1" noChangeArrowheads="1" noTextEdit="1"/>
-          </p:cNvSpPr>
-          <p:nvPr>
-            <p:ph type="sldImg"/>
-          </p:nvPr>
-        </p:nvSpPr>
-        <p:spPr>
-          <a:ln/>
-        </p:spPr>
-      </p:sp>
-      <p:sp>
-        <p:nvSpPr>
-          <p:cNvPr id="25604" name="Rectangle 3"/>
-          <p:cNvSpPr>
-            <a:spLocks noGrp="1" noChangeArrowheads="1"/>
-          </p:cNvSpPr>
-          <p:nvPr>
-            <p:ph type="body" idx="1"/>
-          </p:nvPr>
-        </p:nvSpPr>
-        <p:spPr>
-          <a:noFill/>
-          <a:ln/>
-        </p:spPr>
-        <p:txBody>
-          <a:bodyPr/>
-          <a:lstStyle/>
-          <a:p>
-            <a:endParaRPr lang="en-US"/>
-          </a:p>
-        </p:txBody>
-      </p:sp>
-    </p:spTree>
-    <p:extLst>
-      <p:ext uri="{BB962C8B-B14F-4D97-AF65-F5344CB8AC3E}">
-        <p14:creationId xmlns:p14="http://schemas.microsoft.com/office/powerpoint/2010/main" val="630172810"/>
-      </p:ext>
-    </p:extLst>
-  </p:cSld>
-  <p:clrMapOvr>
-    <a:masterClrMapping/>
-  </p:clrMapOvr>
-</p:notes>
-</file>
-
-<file path=ppt/notesSlides/notesSlide23.xml><?xml version="1.0" encoding="utf-8"?>
-<p:notes xmlns:a="http://schemas.openxmlformats.org/drawingml/2006/main" xmlns:r="http://schemas.openxmlformats.org/officeDocument/2006/relationships" xmlns:p="http://schemas.openxmlformats.org/presentationml/2006/main">
-  <p:cSld>
-    <p:spTree>
-      <p:nvGrpSpPr>
-        <p:cNvPr id="1" name=""/>
-        <p:cNvGrpSpPr/>
-        <p:nvPr/>
-      </p:nvGrpSpPr>
-      <p:grpSpPr>
-        <a:xfrm>
-          <a:off x="0" y="0"/>
-          <a:ext cx="0" cy="0"/>
-          <a:chOff x="0" y="0"/>
-          <a:chExt cx="0" cy="0"/>
-        </a:xfrm>
-      </p:grpSpPr>
-      <p:sp>
-        <p:nvSpPr>
-          <p:cNvPr id="25602" name="Rectangle 7"/>
-          <p:cNvSpPr>
-            <a:spLocks noGrp="1" noChangeArrowheads="1"/>
-          </p:cNvSpPr>
-          <p:nvPr>
-            <p:ph type="sldNum" sz="quarter" idx="5"/>
-          </p:nvPr>
-        </p:nvSpPr>
-        <p:spPr>
-          <a:noFill/>
-        </p:spPr>
-        <p:txBody>
-          <a:bodyPr/>
-          <a:lstStyle/>
-          <a:p>
-            <a:fld id="{ABE383AF-40C9-E847-ACCB-98F997084513}" type="slidenum">
-              <a:rPr lang="en-US"/>
-              <a:pPr/>
-              <a:t>59</a:t>
-            </a:fld>
-            <a:endParaRPr lang="en-US"/>
-          </a:p>
-        </p:txBody>
-      </p:sp>
-      <p:sp>
-        <p:nvSpPr>
-          <p:cNvPr id="25603" name="Rectangle 2"/>
-          <p:cNvSpPr>
-            <a:spLocks noGrp="1" noRot="1" noChangeAspect="1" noChangeArrowheads="1" noTextEdit="1"/>
-          </p:cNvSpPr>
-          <p:nvPr>
-            <p:ph type="sldImg"/>
-          </p:nvPr>
-        </p:nvSpPr>
-        <p:spPr>
-          <a:ln/>
-        </p:spPr>
-      </p:sp>
-      <p:sp>
-        <p:nvSpPr>
-          <p:cNvPr id="25604" name="Rectangle 3"/>
-          <p:cNvSpPr>
-            <a:spLocks noGrp="1" noChangeArrowheads="1"/>
-          </p:cNvSpPr>
-          <p:nvPr>
-            <p:ph type="body" idx="1"/>
-          </p:nvPr>
-        </p:nvSpPr>
-        <p:spPr>
-          <a:noFill/>
-          <a:ln/>
-        </p:spPr>
-        <p:txBody>
-          <a:bodyPr/>
-          <a:lstStyle/>
-          <a:p>
-            <a:endParaRPr lang="en-US"/>
-          </a:p>
-        </p:txBody>
-      </p:sp>
-    </p:spTree>
-    <p:extLst>
-      <p:ext uri="{BB962C8B-B14F-4D97-AF65-F5344CB8AC3E}">
-        <p14:creationId xmlns:p14="http://schemas.microsoft.com/office/powerpoint/2010/main" val="1235584251"/>
-      </p:ext>
-    </p:extLst>
-  </p:cSld>
-  <p:clrMapOvr>
-    <a:masterClrMapping/>
-  </p:clrMapOvr>
-</p:notes>
-</file>
-
-<file path=ppt/notesSlides/notesSlide24.xml><?xml version="1.0" encoding="utf-8"?>
-<p:notes xmlns:a="http://schemas.openxmlformats.org/drawingml/2006/main" xmlns:r="http://schemas.openxmlformats.org/officeDocument/2006/relationships" xmlns:p="http://schemas.openxmlformats.org/presentationml/2006/main">
-  <p:cSld>
-    <p:spTree>
-      <p:nvGrpSpPr>
-        <p:cNvPr id="1" name=""/>
-        <p:cNvGrpSpPr/>
-        <p:nvPr/>
-      </p:nvGrpSpPr>
-      <p:grpSpPr>
-        <a:xfrm>
-          <a:off x="0" y="0"/>
-          <a:ext cx="0" cy="0"/>
-          <a:chOff x="0" y="0"/>
-          <a:chExt cx="0" cy="0"/>
-        </a:xfrm>
-      </p:grpSpPr>
-      <p:sp>
-        <p:nvSpPr>
-          <p:cNvPr id="2" name="Slide Image Placeholder 1"/>
-          <p:cNvSpPr>
-            <a:spLocks noGrp="1" noRot="1" noChangeAspect="1"/>
-          </p:cNvSpPr>
-          <p:nvPr>
-            <p:ph type="sldImg"/>
-          </p:nvPr>
-        </p:nvSpPr>
-        <p:spPr/>
-      </p:sp>
-      <p:sp>
-        <p:nvSpPr>
-          <p:cNvPr id="3" name="Notes Placeholder 2"/>
-          <p:cNvSpPr>
-            <a:spLocks noGrp="1"/>
-          </p:cNvSpPr>
-          <p:nvPr>
-            <p:ph type="body" idx="1"/>
-          </p:nvPr>
-        </p:nvSpPr>
-        <p:spPr/>
-        <p:txBody>
-          <a:bodyPr/>
-          <a:lstStyle/>
-          <a:p>
-            <a:endParaRPr lang="en-US" dirty="0"/>
-          </a:p>
-        </p:txBody>
-      </p:sp>
-      <p:sp>
-        <p:nvSpPr>
-          <p:cNvPr id="4" name="Slide Number Placeholder 3"/>
-          <p:cNvSpPr>
-            <a:spLocks noGrp="1"/>
-          </p:cNvSpPr>
-          <p:nvPr>
-            <p:ph type="sldNum" sz="quarter" idx="10"/>
-          </p:nvPr>
-        </p:nvSpPr>
-        <p:spPr/>
-        <p:txBody>
-          <a:bodyPr/>
-          <a:lstStyle/>
-          <a:p>
-            <a:fld id="{8CE0FD87-9A44-5E45-8C0E-52F1E538B50D}" type="slidenum">
-              <a:rPr lang="en-US" smtClean="0"/>
-              <a:t>63</a:t>
-            </a:fld>
-            <a:endParaRPr lang="en-US"/>
-          </a:p>
-        </p:txBody>
-      </p:sp>
-    </p:spTree>
-    <p:extLst>
-      <p:ext uri="{BB962C8B-B14F-4D97-AF65-F5344CB8AC3E}">
-        <p14:creationId xmlns:p14="http://schemas.microsoft.com/office/powerpoint/2010/main" val="1255379810"/>
-      </p:ext>
-    </p:extLst>
-  </p:cSld>
-  <p:clrMapOvr>
-    <a:masterClrMapping/>
-  </p:clrMapOvr>
-</p:notes>
-</file>
-
-<file path=ppt/notesSlides/notesSlide25.xml><?xml version="1.0" encoding="utf-8"?>
-<p:notes xmlns:a="http://schemas.openxmlformats.org/drawingml/2006/main" xmlns:r="http://schemas.openxmlformats.org/officeDocument/2006/relationships" xmlns:p="http://schemas.openxmlformats.org/presentationml/2006/main">
-  <p:cSld>
-    <p:spTree>
-      <p:nvGrpSpPr>
-        <p:cNvPr id="1" name=""/>
-        <p:cNvGrpSpPr/>
-        <p:nvPr/>
-      </p:nvGrpSpPr>
-      <p:grpSpPr>
-        <a:xfrm>
-          <a:off x="0" y="0"/>
-          <a:ext cx="0" cy="0"/>
-          <a:chOff x="0" y="0"/>
-          <a:chExt cx="0" cy="0"/>
-        </a:xfrm>
-      </p:grpSpPr>
-      <p:sp>
-        <p:nvSpPr>
-          <p:cNvPr id="30722" name="Rectangle 7"/>
-          <p:cNvSpPr>
-            <a:spLocks noGrp="1" noChangeArrowheads="1"/>
-          </p:cNvSpPr>
-          <p:nvPr>
-            <p:ph type="sldNum" sz="quarter" idx="5"/>
-          </p:nvPr>
-        </p:nvSpPr>
-        <p:spPr>
-          <a:noFill/>
-        </p:spPr>
-        <p:txBody>
-          <a:bodyPr/>
-          <a:lstStyle/>
-          <a:p>
-            <a:fld id="{C1186323-23FC-C745-A59E-E7A0F69F23C3}" type="slidenum">
-              <a:rPr lang="en-US"/>
-              <a:pPr/>
-              <a:t>64</a:t>
-            </a:fld>
-            <a:endParaRPr lang="en-US"/>
-          </a:p>
-        </p:txBody>
-      </p:sp>
-      <p:sp>
-        <p:nvSpPr>
-          <p:cNvPr id="30723" name="Rectangle 2"/>
+          <p:cNvPr id="87043" name="Rectangle 2"/>
           <p:cNvSpPr>
             <a:spLocks noGrp="1" noRot="1" noChangeAspect="1" noChangeArrowheads="1"/>
           </p:cNvSpPr>
@@ -2697,7 +2714,7 @@
       </p:sp>
       <p:sp>
         <p:nvSpPr>
-          <p:cNvPr id="30724" name="Rectangle 3"/>
+          <p:cNvPr id="87044" name="Rectangle 3"/>
           <p:cNvSpPr>
             <a:spLocks noGrp="1" noChangeArrowheads="1"/>
           </p:cNvSpPr>
@@ -2719,14 +2736,15 @@
           <a:bodyPr/>
           <a:lstStyle/>
           <a:p>
-            <a:endParaRPr lang="en-US"/>
+            <a:pPr eaLnBrk="1" hangingPunct="1"/>
+            <a:endParaRPr lang="en-US" dirty="0"/>
           </a:p>
         </p:txBody>
       </p:sp>
     </p:spTree>
     <p:extLst>
       <p:ext uri="{BB962C8B-B14F-4D97-AF65-F5344CB8AC3E}">
-        <p14:creationId xmlns:p14="http://schemas.microsoft.com/office/powerpoint/2010/main" val="1745093493"/>
+        <p14:creationId xmlns:p14="http://schemas.microsoft.com/office/powerpoint/2010/main" val="1971890466"/>
       </p:ext>
     </p:extLst>
   </p:cSld>
@@ -2736,941 +2754,7 @@
 </p:notes>
 </file>
 
-<file path=ppt/notesSlides/notesSlide26.xml><?xml version="1.0" encoding="utf-8"?>
-<p:notes xmlns:a="http://schemas.openxmlformats.org/drawingml/2006/main" xmlns:r="http://schemas.openxmlformats.org/officeDocument/2006/relationships" xmlns:p="http://schemas.openxmlformats.org/presentationml/2006/main">
-  <p:cSld>
-    <p:spTree>
-      <p:nvGrpSpPr>
-        <p:cNvPr id="1" name=""/>
-        <p:cNvGrpSpPr/>
-        <p:nvPr/>
-      </p:nvGrpSpPr>
-      <p:grpSpPr>
-        <a:xfrm>
-          <a:off x="0" y="0"/>
-          <a:ext cx="0" cy="0"/>
-          <a:chOff x="0" y="0"/>
-          <a:chExt cx="0" cy="0"/>
-        </a:xfrm>
-      </p:grpSpPr>
-      <p:sp>
-        <p:nvSpPr>
-          <p:cNvPr id="32770" name="Rectangle 7"/>
-          <p:cNvSpPr>
-            <a:spLocks noGrp="1" noChangeArrowheads="1"/>
-          </p:cNvSpPr>
-          <p:nvPr>
-            <p:ph type="sldNum" sz="quarter" idx="5"/>
-          </p:nvPr>
-        </p:nvSpPr>
-        <p:spPr>
-          <a:noFill/>
-        </p:spPr>
-        <p:txBody>
-          <a:bodyPr/>
-          <a:lstStyle/>
-          <a:p>
-            <a:fld id="{0C9BB694-CB85-1C42-BB21-6EC89F24E5E0}" type="slidenum">
-              <a:rPr lang="en-US"/>
-              <a:pPr/>
-              <a:t>65</a:t>
-            </a:fld>
-            <a:endParaRPr lang="en-US"/>
-          </a:p>
-        </p:txBody>
-      </p:sp>
-      <p:sp>
-        <p:nvSpPr>
-          <p:cNvPr id="32771" name="Rectangle 2"/>
-          <p:cNvSpPr>
-            <a:spLocks noGrp="1" noRot="1" noChangeAspect="1" noChangeArrowheads="1"/>
-          </p:cNvSpPr>
-          <p:nvPr>
-            <p:ph type="sldImg"/>
-          </p:nvPr>
-        </p:nvSpPr>
-        <p:spPr>
-          <a:solidFill>
-            <a:srgbClr val="FFFFFF"/>
-          </a:solidFill>
-          <a:ln/>
-        </p:spPr>
-      </p:sp>
-      <p:sp>
-        <p:nvSpPr>
-          <p:cNvPr id="32772" name="Rectangle 3"/>
-          <p:cNvSpPr>
-            <a:spLocks noGrp="1" noChangeArrowheads="1"/>
-          </p:cNvSpPr>
-          <p:nvPr>
-            <p:ph type="body" idx="1"/>
-          </p:nvPr>
-        </p:nvSpPr>
-        <p:spPr>
-          <a:solidFill>
-            <a:srgbClr val="FFFFFF"/>
-          </a:solidFill>
-          <a:ln>
-            <a:solidFill>
-              <a:srgbClr val="000000"/>
-            </a:solidFill>
-          </a:ln>
-        </p:spPr>
-        <p:txBody>
-          <a:bodyPr/>
-          <a:lstStyle/>
-          <a:p>
-            <a:endParaRPr lang="en-US"/>
-          </a:p>
-        </p:txBody>
-      </p:sp>
-    </p:spTree>
-    <p:extLst>
-      <p:ext uri="{BB962C8B-B14F-4D97-AF65-F5344CB8AC3E}">
-        <p14:creationId xmlns:p14="http://schemas.microsoft.com/office/powerpoint/2010/main" val="369908271"/>
-      </p:ext>
-    </p:extLst>
-  </p:cSld>
-  <p:clrMapOvr>
-    <a:masterClrMapping/>
-  </p:clrMapOvr>
-</p:notes>
-</file>
-
-<file path=ppt/notesSlides/notesSlide27.xml><?xml version="1.0" encoding="utf-8"?>
-<p:notes xmlns:a="http://schemas.openxmlformats.org/drawingml/2006/main" xmlns:r="http://schemas.openxmlformats.org/officeDocument/2006/relationships" xmlns:p="http://schemas.openxmlformats.org/presentationml/2006/main">
-  <p:cSld>
-    <p:spTree>
-      <p:nvGrpSpPr>
-        <p:cNvPr id="1" name=""/>
-        <p:cNvGrpSpPr/>
-        <p:nvPr/>
-      </p:nvGrpSpPr>
-      <p:grpSpPr>
-        <a:xfrm>
-          <a:off x="0" y="0"/>
-          <a:ext cx="0" cy="0"/>
-          <a:chOff x="0" y="0"/>
-          <a:chExt cx="0" cy="0"/>
-        </a:xfrm>
-      </p:grpSpPr>
-      <p:sp>
-        <p:nvSpPr>
-          <p:cNvPr id="34818" name="Rectangle 7"/>
-          <p:cNvSpPr>
-            <a:spLocks noGrp="1" noChangeArrowheads="1"/>
-          </p:cNvSpPr>
-          <p:nvPr>
-            <p:ph type="sldNum" sz="quarter" idx="5"/>
-          </p:nvPr>
-        </p:nvSpPr>
-        <p:spPr>
-          <a:noFill/>
-        </p:spPr>
-        <p:txBody>
-          <a:bodyPr/>
-          <a:lstStyle/>
-          <a:p>
-            <a:fld id="{CA24F83C-53AC-F24F-80E2-C55109AFC467}" type="slidenum">
-              <a:rPr lang="en-US"/>
-              <a:pPr/>
-              <a:t>66</a:t>
-            </a:fld>
-            <a:endParaRPr lang="en-US"/>
-          </a:p>
-        </p:txBody>
-      </p:sp>
-      <p:sp>
-        <p:nvSpPr>
-          <p:cNvPr id="34819" name="Rectangle 2"/>
-          <p:cNvSpPr>
-            <a:spLocks noGrp="1" noRot="1" noChangeAspect="1" noChangeArrowheads="1"/>
-          </p:cNvSpPr>
-          <p:nvPr>
-            <p:ph type="sldImg"/>
-          </p:nvPr>
-        </p:nvSpPr>
-        <p:spPr>
-          <a:solidFill>
-            <a:srgbClr val="FFFFFF"/>
-          </a:solidFill>
-          <a:ln/>
-        </p:spPr>
-      </p:sp>
-      <p:sp>
-        <p:nvSpPr>
-          <p:cNvPr id="34820" name="Rectangle 3"/>
-          <p:cNvSpPr>
-            <a:spLocks noGrp="1" noChangeArrowheads="1"/>
-          </p:cNvSpPr>
-          <p:nvPr>
-            <p:ph type="body" idx="1"/>
-          </p:nvPr>
-        </p:nvSpPr>
-        <p:spPr>
-          <a:solidFill>
-            <a:srgbClr val="FFFFFF"/>
-          </a:solidFill>
-          <a:ln>
-            <a:solidFill>
-              <a:srgbClr val="000000"/>
-            </a:solidFill>
-          </a:ln>
-        </p:spPr>
-        <p:txBody>
-          <a:bodyPr/>
-          <a:lstStyle/>
-          <a:p>
-            <a:endParaRPr lang="en-US"/>
-          </a:p>
-        </p:txBody>
-      </p:sp>
-    </p:spTree>
-    <p:extLst>
-      <p:ext uri="{BB962C8B-B14F-4D97-AF65-F5344CB8AC3E}">
-        <p14:creationId xmlns:p14="http://schemas.microsoft.com/office/powerpoint/2010/main" val="1681915474"/>
-      </p:ext>
-    </p:extLst>
-  </p:cSld>
-  <p:clrMapOvr>
-    <a:masterClrMapping/>
-  </p:clrMapOvr>
-</p:notes>
-</file>
-
-<file path=ppt/notesSlides/notesSlide28.xml><?xml version="1.0" encoding="utf-8"?>
-<p:notes xmlns:a="http://schemas.openxmlformats.org/drawingml/2006/main" xmlns:r="http://schemas.openxmlformats.org/officeDocument/2006/relationships" xmlns:p="http://schemas.openxmlformats.org/presentationml/2006/main">
-  <p:cSld>
-    <p:spTree>
-      <p:nvGrpSpPr>
-        <p:cNvPr id="1" name=""/>
-        <p:cNvGrpSpPr/>
-        <p:nvPr/>
-      </p:nvGrpSpPr>
-      <p:grpSpPr>
-        <a:xfrm>
-          <a:off x="0" y="0"/>
-          <a:ext cx="0" cy="0"/>
-          <a:chOff x="0" y="0"/>
-          <a:chExt cx="0" cy="0"/>
-        </a:xfrm>
-      </p:grpSpPr>
-      <p:sp>
-        <p:nvSpPr>
-          <p:cNvPr id="2" name="Slide Image Placeholder 1"/>
-          <p:cNvSpPr>
-            <a:spLocks noGrp="1" noRot="1" noChangeAspect="1"/>
-          </p:cNvSpPr>
-          <p:nvPr>
-            <p:ph type="sldImg"/>
-          </p:nvPr>
-        </p:nvSpPr>
-        <p:spPr/>
-      </p:sp>
-      <p:sp>
-        <p:nvSpPr>
-          <p:cNvPr id="3" name="Notes Placeholder 2"/>
-          <p:cNvSpPr>
-            <a:spLocks noGrp="1"/>
-          </p:cNvSpPr>
-          <p:nvPr>
-            <p:ph type="body" idx="1"/>
-          </p:nvPr>
-        </p:nvSpPr>
-        <p:spPr/>
-        <p:txBody>
-          <a:bodyPr/>
-          <a:lstStyle/>
-          <a:p>
-            <a:r>
-              <a:rPr lang="en-US" sz="1200" b="0" i="0" kern="1200" dirty="0">
-                <a:solidFill>
-                  <a:schemeClr val="tx1"/>
-                </a:solidFill>
-                <a:effectLst/>
-                <a:latin typeface="+mn-lt"/>
-                <a:ea typeface="+mn-ea"/>
-                <a:cs typeface="+mn-cs"/>
-              </a:rPr>
-              <a:t>a="\"This isn't the first sentence that I wrote (that one was at 8:30), but it's the best, right?!\""</a:t>
-            </a:r>
-          </a:p>
-          <a:p>
-            <a:r>
-              <a:rPr lang="en-US" sz="1200" b="0" i="0" kern="1200" dirty="0" err="1">
-                <a:solidFill>
-                  <a:schemeClr val="tx1"/>
-                </a:solidFill>
-                <a:effectLst/>
-                <a:latin typeface="+mn-lt"/>
-                <a:ea typeface="+mn-ea"/>
-                <a:cs typeface="+mn-cs"/>
-              </a:rPr>
-              <a:t>nltk.word_tokenize</a:t>
-            </a:r>
-            <a:endParaRPr lang="en-US" sz="1200" b="0" i="0" kern="1200" dirty="0">
-              <a:solidFill>
-                <a:schemeClr val="tx1"/>
-              </a:solidFill>
-              <a:effectLst/>
-              <a:latin typeface="+mn-lt"/>
-              <a:ea typeface="+mn-ea"/>
-              <a:cs typeface="+mn-cs"/>
-            </a:endParaRPr>
-          </a:p>
-          <a:p>
-            <a:endParaRPr lang="en-US" dirty="0"/>
-          </a:p>
-          <a:p>
-            <a:r>
-              <a:rPr lang="en-US" dirty="0"/>
-              <a:t>write quick tokenizer</a:t>
-            </a:r>
-          </a:p>
-          <a:p>
-            <a:r>
-              <a:rPr lang="en-US" dirty="0" err="1"/>
-              <a:t>outfile.write</a:t>
-            </a:r>
-            <a:r>
-              <a:rPr lang="en-US" dirty="0"/>
-              <a:t>(' '.join(</a:t>
-            </a:r>
-            <a:r>
-              <a:rPr lang="en-US" dirty="0" err="1"/>
-              <a:t>nltk.word_tokenize</a:t>
-            </a:r>
-            <a:r>
-              <a:rPr lang="en-US" dirty="0"/>
-              <a:t>(</a:t>
-            </a:r>
-            <a:r>
-              <a:rPr lang="en-US" dirty="0" err="1"/>
-              <a:t>line.strip</a:t>
-            </a:r>
-            <a:r>
-              <a:rPr lang="en-US" dirty="0"/>
-              <a:t>()))+"\n")</a:t>
-            </a:r>
-          </a:p>
-        </p:txBody>
-      </p:sp>
-      <p:sp>
-        <p:nvSpPr>
-          <p:cNvPr id="4" name="Slide Number Placeholder 3"/>
-          <p:cNvSpPr>
-            <a:spLocks noGrp="1"/>
-          </p:cNvSpPr>
-          <p:nvPr>
-            <p:ph type="sldNum" sz="quarter" idx="10"/>
-          </p:nvPr>
-        </p:nvSpPr>
-        <p:spPr/>
-        <p:txBody>
-          <a:bodyPr/>
-          <a:lstStyle/>
-          <a:p>
-            <a:fld id="{8CE0FD87-9A44-5E45-8C0E-52F1E538B50D}" type="slidenum">
-              <a:rPr lang="en-US" smtClean="0"/>
-              <a:t>67</a:t>
-            </a:fld>
-            <a:endParaRPr lang="en-US"/>
-          </a:p>
-        </p:txBody>
-      </p:sp>
-    </p:spTree>
-    <p:extLst>
-      <p:ext uri="{BB962C8B-B14F-4D97-AF65-F5344CB8AC3E}">
-        <p14:creationId xmlns:p14="http://schemas.microsoft.com/office/powerpoint/2010/main" val="84903314"/>
-      </p:ext>
-    </p:extLst>
-  </p:cSld>
-  <p:clrMapOvr>
-    <a:masterClrMapping/>
-  </p:clrMapOvr>
-</p:notes>
-</file>
-
-<file path=ppt/notesSlides/notesSlide3.xml><?xml version="1.0" encoding="utf-8"?>
-<p:notes xmlns:a="http://schemas.openxmlformats.org/drawingml/2006/main" xmlns:r="http://schemas.openxmlformats.org/officeDocument/2006/relationships" xmlns:p="http://schemas.openxmlformats.org/presentationml/2006/main">
-  <p:cSld>
-    <p:spTree>
-      <p:nvGrpSpPr>
-        <p:cNvPr id="1" name=""/>
-        <p:cNvGrpSpPr/>
-        <p:nvPr/>
-      </p:nvGrpSpPr>
-      <p:grpSpPr>
-        <a:xfrm>
-          <a:off x="0" y="0"/>
-          <a:ext cx="0" cy="0"/>
-          <a:chOff x="0" y="0"/>
-          <a:chExt cx="0" cy="0"/>
-        </a:xfrm>
-      </p:grpSpPr>
-      <p:sp>
-        <p:nvSpPr>
-          <p:cNvPr id="2" name="Slide Image Placeholder 1"/>
-          <p:cNvSpPr>
-            <a:spLocks noGrp="1" noRot="1" noChangeAspect="1"/>
-          </p:cNvSpPr>
-          <p:nvPr>
-            <p:ph type="sldImg"/>
-          </p:nvPr>
-        </p:nvSpPr>
-        <p:spPr/>
-      </p:sp>
-      <p:sp>
-        <p:nvSpPr>
-          <p:cNvPr id="3" name="Notes Placeholder 2"/>
-          <p:cNvSpPr>
-            <a:spLocks noGrp="1"/>
-          </p:cNvSpPr>
-          <p:nvPr>
-            <p:ph type="body" idx="1"/>
-          </p:nvPr>
-        </p:nvSpPr>
-        <p:spPr/>
-        <p:txBody>
-          <a:bodyPr/>
-          <a:lstStyle/>
-          <a:p>
-            <a:endParaRPr lang="en-US" dirty="0"/>
-          </a:p>
-        </p:txBody>
-      </p:sp>
-      <p:sp>
-        <p:nvSpPr>
-          <p:cNvPr id="4" name="Slide Number Placeholder 3"/>
-          <p:cNvSpPr>
-            <a:spLocks noGrp="1"/>
-          </p:cNvSpPr>
-          <p:nvPr>
-            <p:ph type="sldNum" sz="quarter" idx="10"/>
-          </p:nvPr>
-        </p:nvSpPr>
-        <p:spPr/>
-        <p:txBody>
-          <a:bodyPr/>
-          <a:lstStyle/>
-          <a:p>
-            <a:fld id="{8CE0FD87-9A44-5E45-8C0E-52F1E538B50D}" type="slidenum">
-              <a:rPr lang="en-US" smtClean="0"/>
-              <a:t>24</a:t>
-            </a:fld>
-            <a:endParaRPr lang="en-US"/>
-          </a:p>
-        </p:txBody>
-      </p:sp>
-    </p:spTree>
-    <p:extLst>
-      <p:ext uri="{BB962C8B-B14F-4D97-AF65-F5344CB8AC3E}">
-        <p14:creationId xmlns:p14="http://schemas.microsoft.com/office/powerpoint/2010/main" val="99596975"/>
-      </p:ext>
-    </p:extLst>
-  </p:cSld>
-  <p:clrMapOvr>
-    <a:masterClrMapping/>
-  </p:clrMapOvr>
-</p:notes>
-</file>
-
-<file path=ppt/notesSlides/notesSlide4.xml><?xml version="1.0" encoding="utf-8"?>
-<p:notes xmlns:a="http://schemas.openxmlformats.org/drawingml/2006/main" xmlns:r="http://schemas.openxmlformats.org/officeDocument/2006/relationships" xmlns:p="http://schemas.openxmlformats.org/presentationml/2006/main">
-  <p:cSld>
-    <p:spTree>
-      <p:nvGrpSpPr>
-        <p:cNvPr id="1" name=""/>
-        <p:cNvGrpSpPr/>
-        <p:nvPr/>
-      </p:nvGrpSpPr>
-      <p:grpSpPr>
-        <a:xfrm>
-          <a:off x="0" y="0"/>
-          <a:ext cx="0" cy="0"/>
-          <a:chOff x="0" y="0"/>
-          <a:chExt cx="0" cy="0"/>
-        </a:xfrm>
-      </p:grpSpPr>
-      <p:sp>
-        <p:nvSpPr>
-          <p:cNvPr id="2" name="Slide Image Placeholder 1"/>
-          <p:cNvSpPr>
-            <a:spLocks noGrp="1" noRot="1" noChangeAspect="1"/>
-          </p:cNvSpPr>
-          <p:nvPr>
-            <p:ph type="sldImg"/>
-          </p:nvPr>
-        </p:nvSpPr>
-        <p:spPr/>
-      </p:sp>
-      <p:sp>
-        <p:nvSpPr>
-          <p:cNvPr id="3" name="Notes Placeholder 2"/>
-          <p:cNvSpPr>
-            <a:spLocks noGrp="1"/>
-          </p:cNvSpPr>
-          <p:nvPr>
-            <p:ph type="body" idx="1"/>
-          </p:nvPr>
-        </p:nvSpPr>
-        <p:spPr/>
-        <p:txBody>
-          <a:bodyPr/>
-          <a:lstStyle/>
-          <a:p>
-            <a:r>
-              <a:rPr lang="en-US" dirty="0"/>
-              <a:t>clean</a:t>
-            </a:r>
-            <a:r>
-              <a:rPr lang="en-US" baseline="0" dirty="0"/>
-              <a:t> up some data with </a:t>
-            </a:r>
-            <a:r>
-              <a:rPr lang="en-US" baseline="0" dirty="0" err="1"/>
-              <a:t>beautifulsoup</a:t>
-            </a:r>
-            <a:endParaRPr lang="en-US" baseline="0" dirty="0"/>
-          </a:p>
-          <a:p>
-            <a:r>
-              <a:rPr lang="en-US" baseline="0" dirty="0"/>
-              <a:t>make train/dev/test sets with </a:t>
-            </a:r>
-            <a:r>
-              <a:rPr lang="en-US" baseline="0" dirty="0" err="1"/>
-              <a:t>shuf</a:t>
-            </a:r>
-            <a:r>
-              <a:rPr lang="en-US" baseline="0" dirty="0"/>
-              <a:t>, labeling (use yes!)</a:t>
-            </a:r>
-          </a:p>
-          <a:p>
-            <a:r>
-              <a:rPr lang="en-US" baseline="0" dirty="0"/>
-              <a:t>process substitution (not on </a:t>
-            </a:r>
-            <a:r>
-              <a:rPr lang="en-US" baseline="0" dirty="0" err="1"/>
-              <a:t>vocareum</a:t>
-            </a:r>
-            <a:r>
-              <a:rPr lang="en-US" baseline="0" dirty="0"/>
-              <a:t>)</a:t>
-            </a:r>
-          </a:p>
-          <a:p>
-            <a:r>
-              <a:rPr lang="en-US" baseline="0" dirty="0"/>
-              <a:t>make a scoring script</a:t>
-            </a:r>
-          </a:p>
-          <a:p>
-            <a:r>
-              <a:rPr lang="en-US" baseline="0" dirty="0"/>
-              <a:t>find frequent </a:t>
-            </a:r>
-            <a:r>
-              <a:rPr lang="en-US" baseline="0" dirty="0" err="1"/>
-              <a:t>ngrams</a:t>
-            </a:r>
-            <a:r>
-              <a:rPr lang="en-US" baseline="0" dirty="0"/>
-              <a:t> for positive and negative</a:t>
-            </a:r>
-          </a:p>
-          <a:p>
-            <a:endParaRPr lang="en-US" dirty="0"/>
-          </a:p>
-          <a:p>
-            <a:endParaRPr lang="en-US" dirty="0"/>
-          </a:p>
-        </p:txBody>
-      </p:sp>
-      <p:sp>
-        <p:nvSpPr>
-          <p:cNvPr id="4" name="Slide Number Placeholder 3"/>
-          <p:cNvSpPr>
-            <a:spLocks noGrp="1"/>
-          </p:cNvSpPr>
-          <p:nvPr>
-            <p:ph type="sldNum" sz="quarter" idx="10"/>
-          </p:nvPr>
-        </p:nvSpPr>
-        <p:spPr/>
-        <p:txBody>
-          <a:bodyPr/>
-          <a:lstStyle/>
-          <a:p>
-            <a:fld id="{8CE0FD87-9A44-5E45-8C0E-52F1E538B50D}" type="slidenum">
-              <a:rPr lang="en-US" smtClean="0"/>
-              <a:t>32</a:t>
-            </a:fld>
-            <a:endParaRPr lang="en-US"/>
-          </a:p>
-        </p:txBody>
-      </p:sp>
-    </p:spTree>
-    <p:extLst>
-      <p:ext uri="{BB962C8B-B14F-4D97-AF65-F5344CB8AC3E}">
-        <p14:creationId xmlns:p14="http://schemas.microsoft.com/office/powerpoint/2010/main" val="1001694688"/>
-      </p:ext>
-    </p:extLst>
-  </p:cSld>
-  <p:clrMapOvr>
-    <a:masterClrMapping/>
-  </p:clrMapOvr>
-</p:notes>
-</file>
-
-<file path=ppt/notesSlides/notesSlide5.xml><?xml version="1.0" encoding="utf-8"?>
-<p:notes xmlns:a="http://schemas.openxmlformats.org/drawingml/2006/main" xmlns:r="http://schemas.openxmlformats.org/officeDocument/2006/relationships" xmlns:p="http://schemas.openxmlformats.org/presentationml/2006/main">
-  <p:cSld>
-    <p:spTree>
-      <p:nvGrpSpPr>
-        <p:cNvPr id="1" name=""/>
-        <p:cNvGrpSpPr/>
-        <p:nvPr/>
-      </p:nvGrpSpPr>
-      <p:grpSpPr>
-        <a:xfrm>
-          <a:off x="0" y="0"/>
-          <a:ext cx="0" cy="0"/>
-          <a:chOff x="0" y="0"/>
-          <a:chExt cx="0" cy="0"/>
-        </a:xfrm>
-      </p:grpSpPr>
-      <p:sp>
-        <p:nvSpPr>
-          <p:cNvPr id="2" name="Slide Image Placeholder 1"/>
-          <p:cNvSpPr>
-            <a:spLocks noGrp="1" noRot="1" noChangeAspect="1"/>
-          </p:cNvSpPr>
-          <p:nvPr>
-            <p:ph type="sldImg"/>
-          </p:nvPr>
-        </p:nvSpPr>
-        <p:spPr/>
-      </p:sp>
-      <p:sp>
-        <p:nvSpPr>
-          <p:cNvPr id="3" name="Notes Placeholder 2"/>
-          <p:cNvSpPr>
-            <a:spLocks noGrp="1"/>
-          </p:cNvSpPr>
-          <p:nvPr>
-            <p:ph type="body" idx="1"/>
-          </p:nvPr>
-        </p:nvSpPr>
-        <p:spPr/>
-        <p:txBody>
-          <a:bodyPr/>
-          <a:lstStyle/>
-          <a:p>
-            <a:endParaRPr lang="en-US" dirty="0"/>
-          </a:p>
-          <a:p>
-            <a:endParaRPr lang="en-US" dirty="0"/>
-          </a:p>
-        </p:txBody>
-      </p:sp>
-      <p:sp>
-        <p:nvSpPr>
-          <p:cNvPr id="4" name="Slide Number Placeholder 3"/>
-          <p:cNvSpPr>
-            <a:spLocks noGrp="1"/>
-          </p:cNvSpPr>
-          <p:nvPr>
-            <p:ph type="sldNum" sz="quarter" idx="10"/>
-          </p:nvPr>
-        </p:nvSpPr>
-        <p:spPr/>
-        <p:txBody>
-          <a:bodyPr/>
-          <a:lstStyle/>
-          <a:p>
-            <a:fld id="{8CE0FD87-9A44-5E45-8C0E-52F1E538B50D}" type="slidenum">
-              <a:rPr lang="en-US" smtClean="0"/>
-              <a:t>33</a:t>
-            </a:fld>
-            <a:endParaRPr lang="en-US"/>
-          </a:p>
-        </p:txBody>
-      </p:sp>
-    </p:spTree>
-    <p:extLst>
-      <p:ext uri="{BB962C8B-B14F-4D97-AF65-F5344CB8AC3E}">
-        <p14:creationId xmlns:p14="http://schemas.microsoft.com/office/powerpoint/2010/main" val="867959341"/>
-      </p:ext>
-    </p:extLst>
-  </p:cSld>
-  <p:clrMapOvr>
-    <a:masterClrMapping/>
-  </p:clrMapOvr>
-</p:notes>
-</file>
-
-<file path=ppt/notesSlides/notesSlide6.xml><?xml version="1.0" encoding="utf-8"?>
-<p:notes xmlns:a="http://schemas.openxmlformats.org/drawingml/2006/main" xmlns:r="http://schemas.openxmlformats.org/officeDocument/2006/relationships" xmlns:p="http://schemas.openxmlformats.org/presentationml/2006/main">
-  <p:cSld>
-    <p:spTree>
-      <p:nvGrpSpPr>
-        <p:cNvPr id="1" name=""/>
-        <p:cNvGrpSpPr/>
-        <p:nvPr/>
-      </p:nvGrpSpPr>
-      <p:grpSpPr>
-        <a:xfrm>
-          <a:off x="0" y="0"/>
-          <a:ext cx="0" cy="0"/>
-          <a:chOff x="0" y="0"/>
-          <a:chExt cx="0" cy="0"/>
-        </a:xfrm>
-      </p:grpSpPr>
-      <p:sp>
-        <p:nvSpPr>
-          <p:cNvPr id="2" name="Slide Image Placeholder 1"/>
-          <p:cNvSpPr>
-            <a:spLocks noGrp="1" noRot="1" noChangeAspect="1"/>
-          </p:cNvSpPr>
-          <p:nvPr>
-            <p:ph type="sldImg"/>
-          </p:nvPr>
-        </p:nvSpPr>
-        <p:spPr/>
-      </p:sp>
-      <p:sp>
-        <p:nvSpPr>
-          <p:cNvPr id="3" name="Notes Placeholder 2"/>
-          <p:cNvSpPr>
-            <a:spLocks noGrp="1"/>
-          </p:cNvSpPr>
-          <p:nvPr>
-            <p:ph type="body" idx="1"/>
-          </p:nvPr>
-        </p:nvSpPr>
-        <p:spPr/>
-        <p:txBody>
-          <a:bodyPr/>
-          <a:lstStyle/>
-          <a:p>
-            <a:endParaRPr lang="en-US" dirty="0"/>
-          </a:p>
-          <a:p>
-            <a:endParaRPr lang="en-US" dirty="0"/>
-          </a:p>
-        </p:txBody>
-      </p:sp>
-      <p:sp>
-        <p:nvSpPr>
-          <p:cNvPr id="4" name="Slide Number Placeholder 3"/>
-          <p:cNvSpPr>
-            <a:spLocks noGrp="1"/>
-          </p:cNvSpPr>
-          <p:nvPr>
-            <p:ph type="sldNum" sz="quarter" idx="10"/>
-          </p:nvPr>
-        </p:nvSpPr>
-        <p:spPr/>
-        <p:txBody>
-          <a:bodyPr/>
-          <a:lstStyle/>
-          <a:p>
-            <a:fld id="{8CE0FD87-9A44-5E45-8C0E-52F1E538B50D}" type="slidenum">
-              <a:rPr lang="en-US" smtClean="0"/>
-              <a:t>34</a:t>
-            </a:fld>
-            <a:endParaRPr lang="en-US"/>
-          </a:p>
-        </p:txBody>
-      </p:sp>
-    </p:spTree>
-    <p:extLst>
-      <p:ext uri="{BB962C8B-B14F-4D97-AF65-F5344CB8AC3E}">
-        <p14:creationId xmlns:p14="http://schemas.microsoft.com/office/powerpoint/2010/main" val="117025507"/>
-      </p:ext>
-    </p:extLst>
-  </p:cSld>
-  <p:clrMapOvr>
-    <a:masterClrMapping/>
-  </p:clrMapOvr>
-</p:notes>
-</file>
-
-<file path=ppt/notesSlides/notesSlide7.xml><?xml version="1.0" encoding="utf-8"?>
-<p:notes xmlns:a="http://schemas.openxmlformats.org/drawingml/2006/main" xmlns:r="http://schemas.openxmlformats.org/officeDocument/2006/relationships" xmlns:p="http://schemas.openxmlformats.org/presentationml/2006/main">
-  <p:cSld>
-    <p:spTree>
-      <p:nvGrpSpPr>
-        <p:cNvPr id="1" name=""/>
-        <p:cNvGrpSpPr/>
-        <p:nvPr/>
-      </p:nvGrpSpPr>
-      <p:grpSpPr>
-        <a:xfrm>
-          <a:off x="0" y="0"/>
-          <a:ext cx="0" cy="0"/>
-          <a:chOff x="0" y="0"/>
-          <a:chExt cx="0" cy="0"/>
-        </a:xfrm>
-      </p:grpSpPr>
-      <p:sp>
-        <p:nvSpPr>
-          <p:cNvPr id="2" name="Slide Image Placeholder 1"/>
-          <p:cNvSpPr>
-            <a:spLocks noGrp="1" noRot="1" noChangeAspect="1"/>
-          </p:cNvSpPr>
-          <p:nvPr>
-            <p:ph type="sldImg"/>
-          </p:nvPr>
-        </p:nvSpPr>
-        <p:spPr/>
-      </p:sp>
-      <p:sp>
-        <p:nvSpPr>
-          <p:cNvPr id="3" name="Notes Placeholder 2"/>
-          <p:cNvSpPr>
-            <a:spLocks noGrp="1"/>
-          </p:cNvSpPr>
-          <p:nvPr>
-            <p:ph type="body" idx="1"/>
-          </p:nvPr>
-        </p:nvSpPr>
-        <p:spPr/>
-        <p:txBody>
-          <a:bodyPr/>
-          <a:lstStyle/>
-          <a:p>
-            <a:r>
-              <a:rPr lang="en-US" dirty="0"/>
-              <a:t>take top 10 from training, ask for shout</a:t>
-            </a:r>
-          </a:p>
-        </p:txBody>
-      </p:sp>
-      <p:sp>
-        <p:nvSpPr>
-          <p:cNvPr id="4" name="Slide Number Placeholder 3"/>
-          <p:cNvSpPr>
-            <a:spLocks noGrp="1"/>
-          </p:cNvSpPr>
-          <p:nvPr>
-            <p:ph type="sldNum" sz="quarter" idx="10"/>
-          </p:nvPr>
-        </p:nvSpPr>
-        <p:spPr/>
-        <p:txBody>
-          <a:bodyPr/>
-          <a:lstStyle/>
-          <a:p>
-            <a:fld id="{8CE0FD87-9A44-5E45-8C0E-52F1E538B50D}" type="slidenum">
-              <a:rPr lang="en-US" smtClean="0"/>
-              <a:t>37</a:t>
-            </a:fld>
-            <a:endParaRPr lang="en-US"/>
-          </a:p>
-        </p:txBody>
-      </p:sp>
-    </p:spTree>
-    <p:extLst>
-      <p:ext uri="{BB962C8B-B14F-4D97-AF65-F5344CB8AC3E}">
-        <p14:creationId xmlns:p14="http://schemas.microsoft.com/office/powerpoint/2010/main" val="1589492952"/>
-      </p:ext>
-    </p:extLst>
-  </p:cSld>
-  <p:clrMapOvr>
-    <a:masterClrMapping/>
-  </p:clrMapOvr>
-</p:notes>
-</file>
-
-<file path=ppt/notesSlides/notesSlide8.xml><?xml version="1.0" encoding="utf-8"?>
-<p:notes xmlns:a="http://schemas.openxmlformats.org/drawingml/2006/main" xmlns:r="http://schemas.openxmlformats.org/officeDocument/2006/relationships" xmlns:p="http://schemas.openxmlformats.org/presentationml/2006/main">
-  <p:cSld>
-    <p:spTree>
-      <p:nvGrpSpPr>
-        <p:cNvPr id="1" name=""/>
-        <p:cNvGrpSpPr/>
-        <p:nvPr/>
-      </p:nvGrpSpPr>
-      <p:grpSpPr>
-        <a:xfrm>
-          <a:off x="0" y="0"/>
-          <a:ext cx="0" cy="0"/>
-          <a:chOff x="0" y="0"/>
-          <a:chExt cx="0" cy="0"/>
-        </a:xfrm>
-      </p:grpSpPr>
-      <p:sp>
-        <p:nvSpPr>
-          <p:cNvPr id="2" name="Slide Image Placeholder 1"/>
-          <p:cNvSpPr>
-            <a:spLocks noGrp="1" noRot="1" noChangeAspect="1"/>
-          </p:cNvSpPr>
-          <p:nvPr>
-            <p:ph type="sldImg"/>
-          </p:nvPr>
-        </p:nvSpPr>
-        <p:spPr/>
-      </p:sp>
-      <p:sp>
-        <p:nvSpPr>
-          <p:cNvPr id="3" name="Notes Placeholder 2"/>
-          <p:cNvSpPr>
-            <a:spLocks noGrp="1"/>
-          </p:cNvSpPr>
-          <p:nvPr>
-            <p:ph type="body" idx="1"/>
-          </p:nvPr>
-        </p:nvSpPr>
-        <p:spPr/>
-        <p:txBody>
-          <a:bodyPr/>
-          <a:lstStyle/>
-          <a:p>
-            <a:endParaRPr lang="en-US" dirty="0"/>
-          </a:p>
-        </p:txBody>
-      </p:sp>
-      <p:sp>
-        <p:nvSpPr>
-          <p:cNvPr id="4" name="Slide Number Placeholder 3"/>
-          <p:cNvSpPr>
-            <a:spLocks noGrp="1"/>
-          </p:cNvSpPr>
-          <p:nvPr>
-            <p:ph type="sldNum" sz="quarter" idx="10"/>
-          </p:nvPr>
-        </p:nvSpPr>
-        <p:spPr/>
-        <p:txBody>
-          <a:bodyPr/>
-          <a:lstStyle/>
-          <a:p>
-            <a:fld id="{8CE0FD87-9A44-5E45-8C0E-52F1E538B50D}" type="slidenum">
-              <a:rPr lang="en-US" smtClean="0"/>
-              <a:t>42</a:t>
-            </a:fld>
-            <a:endParaRPr lang="en-US"/>
-          </a:p>
-        </p:txBody>
-      </p:sp>
-    </p:spTree>
-    <p:extLst>
-      <p:ext uri="{BB962C8B-B14F-4D97-AF65-F5344CB8AC3E}">
-        <p14:creationId xmlns:p14="http://schemas.microsoft.com/office/powerpoint/2010/main" val="1884884858"/>
-      </p:ext>
-    </p:extLst>
-  </p:cSld>
-  <p:clrMapOvr>
-    <a:masterClrMapping/>
-  </p:clrMapOvr>
-</p:notes>
-</file>
-
-<file path=ppt/notesSlides/notesSlide9.xml><?xml version="1.0" encoding="utf-8"?>
+<file path=ppt/notesSlides/notesSlide23.xml><?xml version="1.0" encoding="utf-8"?>
 <p:notes xmlns:a="http://schemas.openxmlformats.org/drawingml/2006/main" xmlns:r="http://schemas.openxmlformats.org/officeDocument/2006/relationships" xmlns:p="http://schemas.openxmlformats.org/presentationml/2006/main">
   <p:cSld>
     <p:spTree>
@@ -3835,7 +2919,7 @@
             <a:fld id="{E69DF897-5E92-F241-9A21-E64EA536231D}" type="slidenum">
               <a:rPr lang="en-US" sz="1200"/>
               <a:pPr eaLnBrk="1" hangingPunct="1"/>
-              <a:t>44</a:t>
+              <a:t>55</a:t>
             </a:fld>
             <a:endParaRPr lang="en-US" sz="1200"/>
           </a:p>
@@ -3899,356 +2983,1689 @@
           <a:bodyPr/>
           <a:lstStyle/>
           <a:p>
-            <a:r>
-              <a:rPr lang="en-US" dirty="0">
-                <a:latin typeface="Arial" charset="0"/>
-                <a:ea typeface="ＭＳ Ｐゴシック" charset="0"/>
-                <a:cs typeface="ＭＳ Ｐゴシック" charset="0"/>
-              </a:rPr>
-              <a:t>http://regexpal.com.s3-website-us-east-1.amazonaws.com/?_</a:t>
-            </a:r>
-            <a:r>
-              <a:rPr lang="en-US" dirty="0" err="1">
-                <a:latin typeface="Arial" charset="0"/>
-                <a:ea typeface="ＭＳ Ｐゴシック" charset="0"/>
-                <a:cs typeface="ＭＳ Ｐゴシック" charset="0"/>
-              </a:rPr>
-              <a:t>ga</a:t>
-            </a:r>
-            <a:r>
-              <a:rPr lang="en-US" dirty="0">
-                <a:latin typeface="Arial" charset="0"/>
-                <a:ea typeface="ＭＳ Ｐゴシック" charset="0"/>
-                <a:cs typeface="ＭＳ Ｐゴシック" charset="0"/>
-              </a:rPr>
-              <a:t>=2.62220396.1344291647.1503425670-931939134.1503425670</a:t>
-            </a:r>
-          </a:p>
-          <a:p>
-            <a:r>
-              <a:rPr lang="en-US" dirty="0">
-                <a:latin typeface="Arial" charset="0"/>
-                <a:ea typeface="ＭＳ Ｐゴシック" charset="0"/>
-                <a:cs typeface="ＭＳ Ｐゴシック" charset="0"/>
-              </a:rPr>
-              <a:t>or</a:t>
-            </a:r>
-          </a:p>
-          <a:p>
-            <a:r>
-              <a:rPr lang="en-US" dirty="0" err="1">
-                <a:latin typeface="Arial" charset="0"/>
-                <a:ea typeface="ＭＳ Ｐゴシック" charset="0"/>
-                <a:cs typeface="ＭＳ Ｐゴシック" charset="0"/>
-              </a:rPr>
-              <a:t>regexpal.com</a:t>
-            </a:r>
-            <a:r>
-              <a:rPr lang="en-US" dirty="0">
-                <a:latin typeface="Arial" charset="0"/>
-                <a:ea typeface="ＭＳ Ｐゴシック" charset="0"/>
-                <a:cs typeface="ＭＳ Ｐゴシック" charset="0"/>
-              </a:rPr>
-              <a:t> and click</a:t>
-            </a:r>
-          </a:p>
-          <a:p>
-            <a:endParaRPr lang="en-US" dirty="0">
+            <a:endParaRPr lang="en-US">
               <a:latin typeface="Arial" charset="0"/>
               <a:ea typeface="ＭＳ Ｐゴシック" charset="0"/>
               <a:cs typeface="ＭＳ Ｐゴシック" charset="0"/>
             </a:endParaRPr>
           </a:p>
-          <a:p>
-            <a:r>
-              <a:rPr lang="en-US" dirty="0">
-                <a:latin typeface="Arial" charset="0"/>
-                <a:ea typeface="ＭＳ Ｐゴシック" charset="0"/>
-                <a:cs typeface="ＭＳ Ｐゴシック" charset="0"/>
-              </a:rPr>
-              <a:t>We looked!</a:t>
-            </a:r>
-          </a:p>
-          <a:p>
-            <a:r>
-              <a:rPr lang="en-US" dirty="0">
-                <a:latin typeface="Arial" charset="0"/>
-                <a:ea typeface="ＭＳ Ｐゴシック" charset="0"/>
-                <a:cs typeface="ＭＳ Ｐゴシック" charset="0"/>
-              </a:rPr>
-              <a:t>Then we saw him step in on the mat.</a:t>
-            </a:r>
-          </a:p>
-          <a:p>
-            <a:r>
-              <a:rPr lang="en-US" dirty="0">
-                <a:latin typeface="Arial" charset="0"/>
-                <a:ea typeface="ＭＳ Ｐゴシック" charset="0"/>
-                <a:cs typeface="ＭＳ Ｐゴシック" charset="0"/>
-              </a:rPr>
-              <a:t>We looked!</a:t>
-            </a:r>
-          </a:p>
-          <a:p>
-            <a:r>
-              <a:rPr lang="en-US" dirty="0">
-                <a:latin typeface="Arial" charset="0"/>
-                <a:ea typeface="ＭＳ Ｐゴシック" charset="0"/>
-                <a:cs typeface="ＭＳ Ｐゴシック" charset="0"/>
-              </a:rPr>
-              <a:t>And we saw him!</a:t>
-            </a:r>
-          </a:p>
-          <a:p>
-            <a:r>
-              <a:rPr lang="en-US" dirty="0">
-                <a:latin typeface="Arial" charset="0"/>
-                <a:ea typeface="ＭＳ Ｐゴシック" charset="0"/>
-                <a:cs typeface="ＭＳ Ｐゴシック" charset="0"/>
-              </a:rPr>
-              <a:t>The Cat in the Hat!</a:t>
-            </a:r>
-          </a:p>
-          <a:p>
-            <a:endParaRPr lang="en-US" dirty="0">
-              <a:latin typeface="Arial" charset="0"/>
-              <a:ea typeface="ＭＳ Ｐゴシック" charset="0"/>
-              <a:cs typeface="ＭＳ Ｐゴシック" charset="0"/>
-            </a:endParaRPr>
-          </a:p>
-          <a:p>
-            <a:endParaRPr lang="en-US" dirty="0">
-              <a:latin typeface="Arial" charset="0"/>
-              <a:ea typeface="ＭＳ Ｐゴシック" charset="0"/>
-              <a:cs typeface="ＭＳ Ｐゴシック" charset="0"/>
-            </a:endParaRPr>
-          </a:p>
-          <a:p>
-            <a:endParaRPr lang="en-US" dirty="0">
-              <a:latin typeface="Arial" charset="0"/>
-              <a:ea typeface="ＭＳ Ｐゴシック" charset="0"/>
-              <a:cs typeface="ＭＳ Ｐゴシック" charset="0"/>
-            </a:endParaRPr>
-          </a:p>
-          <a:p>
-            <a:endParaRPr lang="en-US" dirty="0">
-              <a:latin typeface="Arial" charset="0"/>
-              <a:ea typeface="ＭＳ Ｐゴシック" charset="0"/>
-              <a:cs typeface="ＭＳ Ｐゴシック" charset="0"/>
-            </a:endParaRPr>
-          </a:p>
-          <a:p>
-            <a:endParaRPr lang="en-US" dirty="0">
-              <a:latin typeface="Arial" charset="0"/>
-              <a:ea typeface="ＭＳ Ｐゴシック" charset="0"/>
-              <a:cs typeface="ＭＳ Ｐゴシック" charset="0"/>
-            </a:endParaRPr>
-          </a:p>
-          <a:p>
-            <a:endParaRPr lang="en-US" dirty="0">
-              <a:latin typeface="Arial" charset="0"/>
-              <a:ea typeface="ＭＳ Ｐゴシック" charset="0"/>
-              <a:cs typeface="ＭＳ Ｐゴシック" charset="0"/>
-            </a:endParaRPr>
-          </a:p>
-          <a:p>
-            <a:r>
-              <a:rPr lang="en-US" dirty="0">
-                <a:latin typeface="Arial" charset="0"/>
-                <a:ea typeface="ＭＳ Ｐゴシック" charset="0"/>
-                <a:cs typeface="ＭＳ Ｐゴシック" charset="0"/>
-              </a:rPr>
-              <a:t>The</a:t>
-            </a:r>
-            <a:r>
-              <a:rPr lang="en-US" baseline="0" dirty="0">
-                <a:latin typeface="Arial" charset="0"/>
-                <a:ea typeface="ＭＳ Ｐゴシック" charset="0"/>
-                <a:cs typeface="ＭＳ Ｐゴシック" charset="0"/>
-              </a:rPr>
-              <a:t> other one there, the blithe one</a:t>
-            </a:r>
-          </a:p>
-          <a:p>
-            <a:endParaRPr lang="en-US" baseline="0" dirty="0">
-              <a:latin typeface="Arial" charset="0"/>
-              <a:ea typeface="ＭＳ Ｐゴシック" charset="0"/>
-              <a:cs typeface="ＭＳ Ｐゴシック" charset="0"/>
-            </a:endParaRPr>
-          </a:p>
-          <a:p>
-            <a:pPr eaLnBrk="1" hangingPunct="1"/>
-            <a:r>
-              <a:rPr lang="en-US" dirty="0"/>
-              <a:t>[</a:t>
-            </a:r>
-            <a:r>
-              <a:rPr lang="en-US" dirty="0" err="1"/>
-              <a:t>Ww</a:t>
-            </a:r>
-            <a:r>
-              <a:rPr lang="en-US" dirty="0"/>
-              <a:t>]</a:t>
-            </a:r>
-          </a:p>
-          <a:p>
-            <a:pPr eaLnBrk="1" hangingPunct="1"/>
-            <a:r>
-              <a:rPr lang="en-US" dirty="0"/>
-              <a:t>[</a:t>
-            </a:r>
-            <a:r>
-              <a:rPr lang="en-US" dirty="0" err="1"/>
-              <a:t>em</a:t>
-            </a:r>
-            <a:r>
-              <a:rPr lang="en-US" dirty="0"/>
-              <a:t>]</a:t>
-            </a:r>
-          </a:p>
-          <a:p>
-            <a:pPr eaLnBrk="1" hangingPunct="1"/>
-            <a:r>
-              <a:rPr lang="en-US" dirty="0"/>
-              <a:t>[A-Z]</a:t>
-            </a:r>
-          </a:p>
-          <a:p>
-            <a:pPr eaLnBrk="1" hangingPunct="1"/>
-            <a:r>
-              <a:rPr lang="en-US" dirty="0"/>
-              <a:t>[a-z]</a:t>
-            </a:r>
-          </a:p>
-          <a:p>
-            <a:pPr eaLnBrk="1" hangingPunct="1"/>
-            <a:r>
-              <a:rPr lang="en-US" dirty="0"/>
-              <a:t>[A-</a:t>
-            </a:r>
-            <a:r>
-              <a:rPr lang="en-US" dirty="0" err="1"/>
-              <a:t>Za</a:t>
-            </a:r>
-            <a:r>
-              <a:rPr lang="en-US" dirty="0"/>
-              <a:t>-z]</a:t>
-            </a:r>
-          </a:p>
-          <a:p>
-            <a:pPr eaLnBrk="1" hangingPunct="1"/>
-            <a:r>
-              <a:rPr lang="en-US" dirty="0"/>
-              <a:t>[ !]</a:t>
-            </a:r>
-          </a:p>
-          <a:p>
-            <a:pPr eaLnBrk="1" hangingPunct="1"/>
-            <a:r>
-              <a:rPr lang="en-US" dirty="0"/>
-              <a:t>(slide)</a:t>
-            </a:r>
-          </a:p>
-          <a:p>
-            <a:pPr eaLnBrk="1" hangingPunct="1"/>
-            <a:r>
-              <a:rPr lang="en-US" dirty="0"/>
-              <a:t>[^A-Z]</a:t>
-            </a:r>
-          </a:p>
-          <a:p>
-            <a:pPr eaLnBrk="1" hangingPunct="1"/>
-            <a:r>
-              <a:rPr lang="en-US" dirty="0"/>
-              <a:t>[^A-</a:t>
-            </a:r>
-            <a:r>
-              <a:rPr lang="en-US" dirty="0" err="1"/>
-              <a:t>Za</a:t>
-            </a:r>
-            <a:r>
-              <a:rPr lang="en-US" dirty="0"/>
-              <a:t>-z]</a:t>
-            </a:r>
-          </a:p>
-          <a:p>
-            <a:pPr eaLnBrk="1" hangingPunct="1"/>
-            <a:r>
-              <a:rPr lang="en-US" dirty="0"/>
-              <a:t>(slide)</a:t>
-            </a:r>
-          </a:p>
-          <a:p>
-            <a:pPr eaLnBrk="1" hangingPunct="1"/>
-            <a:r>
-              <a:rPr lang="en-US" dirty="0" err="1"/>
-              <a:t>looked|step</a:t>
-            </a:r>
-            <a:endParaRPr lang="en-US" dirty="0"/>
-          </a:p>
-          <a:p>
-            <a:pPr eaLnBrk="1" hangingPunct="1"/>
-            <a:r>
-              <a:rPr lang="en-US" dirty="0" err="1"/>
-              <a:t>at|ook</a:t>
-            </a:r>
-            <a:endParaRPr lang="en-US" dirty="0"/>
-          </a:p>
-          <a:p>
-            <a:pPr eaLnBrk="1" hangingPunct="1"/>
-            <a:r>
-              <a:rPr lang="en-US" dirty="0"/>
-              <a:t>(slide)</a:t>
-            </a:r>
-          </a:p>
-          <a:p>
-            <a:pPr eaLnBrk="1" hangingPunct="1"/>
-            <a:r>
-              <a:rPr lang="en-US" dirty="0"/>
-              <a:t>o</a:t>
-            </a:r>
-          </a:p>
-          <a:p>
-            <a:pPr eaLnBrk="1" hangingPunct="1"/>
-            <a:r>
-              <a:rPr lang="en-US" dirty="0"/>
-              <a:t>o+</a:t>
-            </a:r>
-          </a:p>
-          <a:p>
-            <a:pPr eaLnBrk="1" hangingPunct="1"/>
-            <a:r>
-              <a:rPr lang="en-US" dirty="0"/>
-              <a:t>^[A-Z]</a:t>
-            </a:r>
-          </a:p>
-          <a:p>
-            <a:pPr eaLnBrk="1" hangingPunct="1"/>
-            <a:r>
-              <a:rPr lang="en-US" dirty="0"/>
-              <a:t>[!.]$</a:t>
-            </a:r>
-          </a:p>
-          <a:p>
-            <a:pPr eaLnBrk="1" hangingPunct="1"/>
-            <a:r>
-              <a:rPr lang="en-US" dirty="0"/>
-              <a:t>\. vs .</a:t>
-            </a:r>
-          </a:p>
-          <a:p>
-            <a:endParaRPr lang="en-US" dirty="0">
-              <a:latin typeface="Arial" charset="0"/>
-              <a:ea typeface="ＭＳ Ｐゴシック" charset="0"/>
-              <a:cs typeface="ＭＳ Ｐゴシック" charset="0"/>
-            </a:endParaRPr>
-          </a:p>
         </p:txBody>
       </p:sp>
     </p:spTree>
     <p:extLst>
       <p:ext uri="{BB962C8B-B14F-4D97-AF65-F5344CB8AC3E}">
-        <p14:creationId xmlns:p14="http://schemas.microsoft.com/office/powerpoint/2010/main" val="625737646"/>
+        <p14:creationId xmlns:p14="http://schemas.microsoft.com/office/powerpoint/2010/main" val="107835888"/>
+      </p:ext>
+    </p:extLst>
+  </p:cSld>
+  <p:clrMapOvr>
+    <a:masterClrMapping/>
+  </p:clrMapOvr>
+</p:notes>
+</file>
+
+<file path=ppt/notesSlides/notesSlide24.xml><?xml version="1.0" encoding="utf-8"?>
+<p:notes xmlns:a="http://schemas.openxmlformats.org/drawingml/2006/main" xmlns:r="http://schemas.openxmlformats.org/officeDocument/2006/relationships" xmlns:p="http://schemas.openxmlformats.org/presentationml/2006/main">
+  <p:cSld>
+    <p:spTree>
+      <p:nvGrpSpPr>
+        <p:cNvPr id="1" name=""/>
+        <p:cNvGrpSpPr/>
+        <p:nvPr/>
+      </p:nvGrpSpPr>
+      <p:grpSpPr>
+        <a:xfrm>
+          <a:off x="0" y="0"/>
+          <a:ext cx="0" cy="0"/>
+          <a:chOff x="0" y="0"/>
+          <a:chExt cx="0" cy="0"/>
+        </a:xfrm>
+      </p:grpSpPr>
+      <p:sp>
+        <p:nvSpPr>
+          <p:cNvPr id="21506" name="Rectangle 7"/>
+          <p:cNvSpPr>
+            <a:spLocks noGrp="1" noChangeArrowheads="1"/>
+          </p:cNvSpPr>
+          <p:nvPr>
+            <p:ph type="sldNum" sz="quarter" idx="5"/>
+          </p:nvPr>
+        </p:nvSpPr>
+        <p:spPr>
+          <a:noFill/>
+        </p:spPr>
+        <p:txBody>
+          <a:bodyPr/>
+          <a:lstStyle/>
+          <a:p>
+            <a:fld id="{D4E9F685-F098-8E4C-B6D8-D94BDE4D6D6B}" type="slidenum">
+              <a:rPr lang="en-US"/>
+              <a:pPr/>
+              <a:t>56</a:t>
+            </a:fld>
+            <a:endParaRPr lang="en-US"/>
+          </a:p>
+        </p:txBody>
+      </p:sp>
+      <p:sp>
+        <p:nvSpPr>
+          <p:cNvPr id="21507" name="Rectangle 2"/>
+          <p:cNvSpPr>
+            <a:spLocks noGrp="1" noRot="1" noChangeAspect="1" noChangeArrowheads="1"/>
+          </p:cNvSpPr>
+          <p:nvPr>
+            <p:ph type="sldImg"/>
+          </p:nvPr>
+        </p:nvSpPr>
+        <p:spPr>
+          <a:solidFill>
+            <a:srgbClr val="FFFFFF"/>
+          </a:solidFill>
+          <a:ln/>
+        </p:spPr>
+      </p:sp>
+      <p:sp>
+        <p:nvSpPr>
+          <p:cNvPr id="21508" name="Rectangle 3"/>
+          <p:cNvSpPr>
+            <a:spLocks noGrp="1" noChangeArrowheads="1"/>
+          </p:cNvSpPr>
+          <p:nvPr>
+            <p:ph type="body" idx="1"/>
+          </p:nvPr>
+        </p:nvSpPr>
+        <p:spPr>
+          <a:solidFill>
+            <a:srgbClr val="FFFFFF"/>
+          </a:solidFill>
+          <a:ln>
+            <a:solidFill>
+              <a:srgbClr val="000000"/>
+            </a:solidFill>
+          </a:ln>
+        </p:spPr>
+        <p:txBody>
+          <a:bodyPr/>
+          <a:lstStyle/>
+          <a:p>
+            <a:endParaRPr lang="en-US"/>
+          </a:p>
+        </p:txBody>
+      </p:sp>
+    </p:spTree>
+    <p:extLst>
+      <p:ext uri="{BB962C8B-B14F-4D97-AF65-F5344CB8AC3E}">
+        <p14:creationId xmlns:p14="http://schemas.microsoft.com/office/powerpoint/2010/main" val="407966494"/>
+      </p:ext>
+    </p:extLst>
+  </p:cSld>
+  <p:clrMapOvr>
+    <a:masterClrMapping/>
+  </p:clrMapOvr>
+</p:notes>
+</file>
+
+<file path=ppt/notesSlides/notesSlide25.xml><?xml version="1.0" encoding="utf-8"?>
+<p:notes xmlns:a="http://schemas.openxmlformats.org/drawingml/2006/main" xmlns:r="http://schemas.openxmlformats.org/officeDocument/2006/relationships" xmlns:p="http://schemas.openxmlformats.org/presentationml/2006/main">
+  <p:cSld>
+    <p:spTree>
+      <p:nvGrpSpPr>
+        <p:cNvPr id="1" name=""/>
+        <p:cNvGrpSpPr/>
+        <p:nvPr/>
+      </p:nvGrpSpPr>
+      <p:grpSpPr>
+        <a:xfrm>
+          <a:off x="0" y="0"/>
+          <a:ext cx="0" cy="0"/>
+          <a:chOff x="0" y="0"/>
+          <a:chExt cx="0" cy="0"/>
+        </a:xfrm>
+      </p:grpSpPr>
+      <p:sp>
+        <p:nvSpPr>
+          <p:cNvPr id="23554" name="Rectangle 7"/>
+          <p:cNvSpPr>
+            <a:spLocks noGrp="1" noChangeArrowheads="1"/>
+          </p:cNvSpPr>
+          <p:nvPr>
+            <p:ph type="sldNum" sz="quarter" idx="5"/>
+          </p:nvPr>
+        </p:nvSpPr>
+        <p:spPr>
+          <a:noFill/>
+        </p:spPr>
+        <p:txBody>
+          <a:bodyPr/>
+          <a:lstStyle/>
+          <a:p>
+            <a:fld id="{AA652608-6990-6E43-AA5F-49A5045801F2}" type="slidenum">
+              <a:rPr lang="en-US"/>
+              <a:pPr/>
+              <a:t>57</a:t>
+            </a:fld>
+            <a:endParaRPr lang="en-US"/>
+          </a:p>
+        </p:txBody>
+      </p:sp>
+      <p:sp>
+        <p:nvSpPr>
+          <p:cNvPr id="23555" name="Rectangle 2"/>
+          <p:cNvSpPr>
+            <a:spLocks noGrp="1" noRot="1" noChangeAspect="1" noChangeArrowheads="1" noTextEdit="1"/>
+          </p:cNvSpPr>
+          <p:nvPr>
+            <p:ph type="sldImg"/>
+          </p:nvPr>
+        </p:nvSpPr>
+        <p:spPr>
+          <a:ln/>
+        </p:spPr>
+      </p:sp>
+      <p:sp>
+        <p:nvSpPr>
+          <p:cNvPr id="23556" name="Rectangle 3"/>
+          <p:cNvSpPr>
+            <a:spLocks noGrp="1" noChangeArrowheads="1"/>
+          </p:cNvSpPr>
+          <p:nvPr>
+            <p:ph type="body" idx="1"/>
+          </p:nvPr>
+        </p:nvSpPr>
+        <p:spPr>
+          <a:noFill/>
+          <a:ln/>
+        </p:spPr>
+        <p:txBody>
+          <a:bodyPr/>
+          <a:lstStyle/>
+          <a:p>
+            <a:endParaRPr lang="en-US"/>
+          </a:p>
+        </p:txBody>
+      </p:sp>
+    </p:spTree>
+    <p:extLst>
+      <p:ext uri="{BB962C8B-B14F-4D97-AF65-F5344CB8AC3E}">
+        <p14:creationId xmlns:p14="http://schemas.microsoft.com/office/powerpoint/2010/main" val="552509536"/>
+      </p:ext>
+    </p:extLst>
+  </p:cSld>
+  <p:clrMapOvr>
+    <a:masterClrMapping/>
+  </p:clrMapOvr>
+</p:notes>
+</file>
+
+<file path=ppt/notesSlides/notesSlide26.xml><?xml version="1.0" encoding="utf-8"?>
+<p:notes xmlns:a="http://schemas.openxmlformats.org/drawingml/2006/main" xmlns:r="http://schemas.openxmlformats.org/officeDocument/2006/relationships" xmlns:p="http://schemas.openxmlformats.org/presentationml/2006/main">
+  <p:cSld>
+    <p:spTree>
+      <p:nvGrpSpPr>
+        <p:cNvPr id="1" name=""/>
+        <p:cNvGrpSpPr/>
+        <p:nvPr/>
+      </p:nvGrpSpPr>
+      <p:grpSpPr>
+        <a:xfrm>
+          <a:off x="0" y="0"/>
+          <a:ext cx="0" cy="0"/>
+          <a:chOff x="0" y="0"/>
+          <a:chExt cx="0" cy="0"/>
+        </a:xfrm>
+      </p:grpSpPr>
+      <p:sp>
+        <p:nvSpPr>
+          <p:cNvPr id="25602" name="Rectangle 7"/>
+          <p:cNvSpPr>
+            <a:spLocks noGrp="1" noChangeArrowheads="1"/>
+          </p:cNvSpPr>
+          <p:nvPr>
+            <p:ph type="sldNum" sz="quarter" idx="5"/>
+          </p:nvPr>
+        </p:nvSpPr>
+        <p:spPr>
+          <a:noFill/>
+        </p:spPr>
+        <p:txBody>
+          <a:bodyPr/>
+          <a:lstStyle/>
+          <a:p>
+            <a:fld id="{ABE383AF-40C9-E847-ACCB-98F997084513}" type="slidenum">
+              <a:rPr lang="en-US"/>
+              <a:pPr/>
+              <a:t>58</a:t>
+            </a:fld>
+            <a:endParaRPr lang="en-US"/>
+          </a:p>
+        </p:txBody>
+      </p:sp>
+      <p:sp>
+        <p:nvSpPr>
+          <p:cNvPr id="25603" name="Rectangle 2"/>
+          <p:cNvSpPr>
+            <a:spLocks noGrp="1" noRot="1" noChangeAspect="1" noChangeArrowheads="1" noTextEdit="1"/>
+          </p:cNvSpPr>
+          <p:nvPr>
+            <p:ph type="sldImg"/>
+          </p:nvPr>
+        </p:nvSpPr>
+        <p:spPr>
+          <a:ln/>
+        </p:spPr>
+      </p:sp>
+      <p:sp>
+        <p:nvSpPr>
+          <p:cNvPr id="25604" name="Rectangle 3"/>
+          <p:cNvSpPr>
+            <a:spLocks noGrp="1" noChangeArrowheads="1"/>
+          </p:cNvSpPr>
+          <p:nvPr>
+            <p:ph type="body" idx="1"/>
+          </p:nvPr>
+        </p:nvSpPr>
+        <p:spPr>
+          <a:noFill/>
+          <a:ln/>
+        </p:spPr>
+        <p:txBody>
+          <a:bodyPr/>
+          <a:lstStyle/>
+          <a:p>
+            <a:endParaRPr lang="en-US"/>
+          </a:p>
+        </p:txBody>
+      </p:sp>
+    </p:spTree>
+    <p:extLst>
+      <p:ext uri="{BB962C8B-B14F-4D97-AF65-F5344CB8AC3E}">
+        <p14:creationId xmlns:p14="http://schemas.microsoft.com/office/powerpoint/2010/main" val="630172810"/>
+      </p:ext>
+    </p:extLst>
+  </p:cSld>
+  <p:clrMapOvr>
+    <a:masterClrMapping/>
+  </p:clrMapOvr>
+</p:notes>
+</file>
+
+<file path=ppt/notesSlides/notesSlide27.xml><?xml version="1.0" encoding="utf-8"?>
+<p:notes xmlns:a="http://schemas.openxmlformats.org/drawingml/2006/main" xmlns:r="http://schemas.openxmlformats.org/officeDocument/2006/relationships" xmlns:p="http://schemas.openxmlformats.org/presentationml/2006/main">
+  <p:cSld>
+    <p:spTree>
+      <p:nvGrpSpPr>
+        <p:cNvPr id="1" name=""/>
+        <p:cNvGrpSpPr/>
+        <p:nvPr/>
+      </p:nvGrpSpPr>
+      <p:grpSpPr>
+        <a:xfrm>
+          <a:off x="0" y="0"/>
+          <a:ext cx="0" cy="0"/>
+          <a:chOff x="0" y="0"/>
+          <a:chExt cx="0" cy="0"/>
+        </a:xfrm>
+      </p:grpSpPr>
+      <p:sp>
+        <p:nvSpPr>
+          <p:cNvPr id="25602" name="Rectangle 7"/>
+          <p:cNvSpPr>
+            <a:spLocks noGrp="1" noChangeArrowheads="1"/>
+          </p:cNvSpPr>
+          <p:nvPr>
+            <p:ph type="sldNum" sz="quarter" idx="5"/>
+          </p:nvPr>
+        </p:nvSpPr>
+        <p:spPr>
+          <a:noFill/>
+        </p:spPr>
+        <p:txBody>
+          <a:bodyPr/>
+          <a:lstStyle/>
+          <a:p>
+            <a:fld id="{ABE383AF-40C9-E847-ACCB-98F997084513}" type="slidenum">
+              <a:rPr lang="en-US"/>
+              <a:pPr/>
+              <a:t>59</a:t>
+            </a:fld>
+            <a:endParaRPr lang="en-US"/>
+          </a:p>
+        </p:txBody>
+      </p:sp>
+      <p:sp>
+        <p:nvSpPr>
+          <p:cNvPr id="25603" name="Rectangle 2"/>
+          <p:cNvSpPr>
+            <a:spLocks noGrp="1" noRot="1" noChangeAspect="1" noChangeArrowheads="1" noTextEdit="1"/>
+          </p:cNvSpPr>
+          <p:nvPr>
+            <p:ph type="sldImg"/>
+          </p:nvPr>
+        </p:nvSpPr>
+        <p:spPr>
+          <a:ln/>
+        </p:spPr>
+      </p:sp>
+      <p:sp>
+        <p:nvSpPr>
+          <p:cNvPr id="25604" name="Rectangle 3"/>
+          <p:cNvSpPr>
+            <a:spLocks noGrp="1" noChangeArrowheads="1"/>
+          </p:cNvSpPr>
+          <p:nvPr>
+            <p:ph type="body" idx="1"/>
+          </p:nvPr>
+        </p:nvSpPr>
+        <p:spPr>
+          <a:noFill/>
+          <a:ln/>
+        </p:spPr>
+        <p:txBody>
+          <a:bodyPr/>
+          <a:lstStyle/>
+          <a:p>
+            <a:endParaRPr lang="en-US"/>
+          </a:p>
+        </p:txBody>
+      </p:sp>
+    </p:spTree>
+    <p:extLst>
+      <p:ext uri="{BB962C8B-B14F-4D97-AF65-F5344CB8AC3E}">
+        <p14:creationId xmlns:p14="http://schemas.microsoft.com/office/powerpoint/2010/main" val="1235584251"/>
+      </p:ext>
+    </p:extLst>
+  </p:cSld>
+  <p:clrMapOvr>
+    <a:masterClrMapping/>
+  </p:clrMapOvr>
+</p:notes>
+</file>
+
+<file path=ppt/notesSlides/notesSlide28.xml><?xml version="1.0" encoding="utf-8"?>
+<p:notes xmlns:a="http://schemas.openxmlformats.org/drawingml/2006/main" xmlns:r="http://schemas.openxmlformats.org/officeDocument/2006/relationships" xmlns:p="http://schemas.openxmlformats.org/presentationml/2006/main">
+  <p:cSld>
+    <p:spTree>
+      <p:nvGrpSpPr>
+        <p:cNvPr id="1" name=""/>
+        <p:cNvGrpSpPr/>
+        <p:nvPr/>
+      </p:nvGrpSpPr>
+      <p:grpSpPr>
+        <a:xfrm>
+          <a:off x="0" y="0"/>
+          <a:ext cx="0" cy="0"/>
+          <a:chOff x="0" y="0"/>
+          <a:chExt cx="0" cy="0"/>
+        </a:xfrm>
+      </p:grpSpPr>
+      <p:sp>
+        <p:nvSpPr>
+          <p:cNvPr id="2" name="Slide Image Placeholder 1"/>
+          <p:cNvSpPr>
+            <a:spLocks noGrp="1" noRot="1" noChangeAspect="1"/>
+          </p:cNvSpPr>
+          <p:nvPr>
+            <p:ph type="sldImg"/>
+          </p:nvPr>
+        </p:nvSpPr>
+        <p:spPr/>
+      </p:sp>
+      <p:sp>
+        <p:nvSpPr>
+          <p:cNvPr id="3" name="Notes Placeholder 2"/>
+          <p:cNvSpPr>
+            <a:spLocks noGrp="1"/>
+          </p:cNvSpPr>
+          <p:nvPr>
+            <p:ph type="body" idx="1"/>
+          </p:nvPr>
+        </p:nvSpPr>
+        <p:spPr/>
+        <p:txBody>
+          <a:bodyPr/>
+          <a:lstStyle/>
+          <a:p>
+            <a:endParaRPr lang="en-US" dirty="0"/>
+          </a:p>
+        </p:txBody>
+      </p:sp>
+      <p:sp>
+        <p:nvSpPr>
+          <p:cNvPr id="4" name="Slide Number Placeholder 3"/>
+          <p:cNvSpPr>
+            <a:spLocks noGrp="1"/>
+          </p:cNvSpPr>
+          <p:nvPr>
+            <p:ph type="sldNum" sz="quarter" idx="10"/>
+          </p:nvPr>
+        </p:nvSpPr>
+        <p:spPr/>
+        <p:txBody>
+          <a:bodyPr/>
+          <a:lstStyle/>
+          <a:p>
+            <a:fld id="{8CE0FD87-9A44-5E45-8C0E-52F1E538B50D}" type="slidenum">
+              <a:rPr lang="en-US" smtClean="0"/>
+              <a:t>63</a:t>
+            </a:fld>
+            <a:endParaRPr lang="en-US"/>
+          </a:p>
+        </p:txBody>
+      </p:sp>
+    </p:spTree>
+    <p:extLst>
+      <p:ext uri="{BB962C8B-B14F-4D97-AF65-F5344CB8AC3E}">
+        <p14:creationId xmlns:p14="http://schemas.microsoft.com/office/powerpoint/2010/main" val="1255379810"/>
+      </p:ext>
+    </p:extLst>
+  </p:cSld>
+  <p:clrMapOvr>
+    <a:masterClrMapping/>
+  </p:clrMapOvr>
+</p:notes>
+</file>
+
+<file path=ppt/notesSlides/notesSlide29.xml><?xml version="1.0" encoding="utf-8"?>
+<p:notes xmlns:a="http://schemas.openxmlformats.org/drawingml/2006/main" xmlns:r="http://schemas.openxmlformats.org/officeDocument/2006/relationships" xmlns:p="http://schemas.openxmlformats.org/presentationml/2006/main">
+  <p:cSld>
+    <p:spTree>
+      <p:nvGrpSpPr>
+        <p:cNvPr id="1" name=""/>
+        <p:cNvGrpSpPr/>
+        <p:nvPr/>
+      </p:nvGrpSpPr>
+      <p:grpSpPr>
+        <a:xfrm>
+          <a:off x="0" y="0"/>
+          <a:ext cx="0" cy="0"/>
+          <a:chOff x="0" y="0"/>
+          <a:chExt cx="0" cy="0"/>
+        </a:xfrm>
+      </p:grpSpPr>
+      <p:sp>
+        <p:nvSpPr>
+          <p:cNvPr id="30722" name="Rectangle 7"/>
+          <p:cNvSpPr>
+            <a:spLocks noGrp="1" noChangeArrowheads="1"/>
+          </p:cNvSpPr>
+          <p:nvPr>
+            <p:ph type="sldNum" sz="quarter" idx="5"/>
+          </p:nvPr>
+        </p:nvSpPr>
+        <p:spPr>
+          <a:noFill/>
+        </p:spPr>
+        <p:txBody>
+          <a:bodyPr/>
+          <a:lstStyle/>
+          <a:p>
+            <a:fld id="{C1186323-23FC-C745-A59E-E7A0F69F23C3}" type="slidenum">
+              <a:rPr lang="en-US"/>
+              <a:pPr/>
+              <a:t>64</a:t>
+            </a:fld>
+            <a:endParaRPr lang="en-US"/>
+          </a:p>
+        </p:txBody>
+      </p:sp>
+      <p:sp>
+        <p:nvSpPr>
+          <p:cNvPr id="30723" name="Rectangle 2"/>
+          <p:cNvSpPr>
+            <a:spLocks noGrp="1" noRot="1" noChangeAspect="1" noChangeArrowheads="1"/>
+          </p:cNvSpPr>
+          <p:nvPr>
+            <p:ph type="sldImg"/>
+          </p:nvPr>
+        </p:nvSpPr>
+        <p:spPr>
+          <a:solidFill>
+            <a:srgbClr val="FFFFFF"/>
+          </a:solidFill>
+          <a:ln/>
+        </p:spPr>
+      </p:sp>
+      <p:sp>
+        <p:nvSpPr>
+          <p:cNvPr id="30724" name="Rectangle 3"/>
+          <p:cNvSpPr>
+            <a:spLocks noGrp="1" noChangeArrowheads="1"/>
+          </p:cNvSpPr>
+          <p:nvPr>
+            <p:ph type="body" idx="1"/>
+          </p:nvPr>
+        </p:nvSpPr>
+        <p:spPr>
+          <a:solidFill>
+            <a:srgbClr val="FFFFFF"/>
+          </a:solidFill>
+          <a:ln>
+            <a:solidFill>
+              <a:srgbClr val="000000"/>
+            </a:solidFill>
+          </a:ln>
+        </p:spPr>
+        <p:txBody>
+          <a:bodyPr/>
+          <a:lstStyle/>
+          <a:p>
+            <a:endParaRPr lang="en-US"/>
+          </a:p>
+        </p:txBody>
+      </p:sp>
+    </p:spTree>
+    <p:extLst>
+      <p:ext uri="{BB962C8B-B14F-4D97-AF65-F5344CB8AC3E}">
+        <p14:creationId xmlns:p14="http://schemas.microsoft.com/office/powerpoint/2010/main" val="1745093493"/>
+      </p:ext>
+    </p:extLst>
+  </p:cSld>
+  <p:clrMapOvr>
+    <a:masterClrMapping/>
+  </p:clrMapOvr>
+</p:notes>
+</file>
+
+<file path=ppt/notesSlides/notesSlide3.xml><?xml version="1.0" encoding="utf-8"?>
+<p:notes xmlns:a="http://schemas.openxmlformats.org/drawingml/2006/main" xmlns:r="http://schemas.openxmlformats.org/officeDocument/2006/relationships" xmlns:p="http://schemas.openxmlformats.org/presentationml/2006/main">
+  <p:cSld>
+    <p:spTree>
+      <p:nvGrpSpPr>
+        <p:cNvPr id="1" name=""/>
+        <p:cNvGrpSpPr/>
+        <p:nvPr/>
+      </p:nvGrpSpPr>
+      <p:grpSpPr>
+        <a:xfrm>
+          <a:off x="0" y="0"/>
+          <a:ext cx="0" cy="0"/>
+          <a:chOff x="0" y="0"/>
+          <a:chExt cx="0" cy="0"/>
+        </a:xfrm>
+      </p:grpSpPr>
+      <p:sp>
+        <p:nvSpPr>
+          <p:cNvPr id="2" name="Slide Image Placeholder 1"/>
+          <p:cNvSpPr>
+            <a:spLocks noGrp="1" noRot="1" noChangeAspect="1"/>
+          </p:cNvSpPr>
+          <p:nvPr>
+            <p:ph type="sldImg"/>
+          </p:nvPr>
+        </p:nvSpPr>
+        <p:spPr/>
+      </p:sp>
+      <p:sp>
+        <p:nvSpPr>
+          <p:cNvPr id="3" name="Notes Placeholder 2"/>
+          <p:cNvSpPr>
+            <a:spLocks noGrp="1"/>
+          </p:cNvSpPr>
+          <p:nvPr>
+            <p:ph type="body" idx="1"/>
+          </p:nvPr>
+        </p:nvSpPr>
+        <p:spPr/>
+        <p:txBody>
+          <a:bodyPr/>
+          <a:lstStyle/>
+          <a:p>
+            <a:r>
+              <a:rPr lang="en-US" dirty="0"/>
+              <a:t>tell me the 10</a:t>
+            </a:r>
+            <a:r>
+              <a:rPr lang="en-US" baseline="0" dirty="0"/>
+              <a:t> most frequent words in tom sawyer and ho</a:t>
+            </a:r>
+            <a:endParaRPr lang="en-US" dirty="0"/>
+          </a:p>
+          <a:p>
+            <a:endParaRPr lang="en-US" dirty="0"/>
+          </a:p>
+          <a:p>
+            <a:r>
+              <a:rPr lang="en-US" dirty="0"/>
+              <a:t>look at word counts (how many appear once vs</a:t>
+            </a:r>
+            <a:r>
+              <a:rPr lang="en-US" baseline="0" dirty="0"/>
+              <a:t> token count</a:t>
+            </a:r>
+            <a:r>
+              <a:rPr lang="en-US" dirty="0"/>
+              <a:t>)</a:t>
+            </a:r>
+          </a:p>
+          <a:p>
+            <a:r>
+              <a:rPr lang="en-US" dirty="0"/>
+              <a:t>look at </a:t>
+            </a:r>
+            <a:r>
+              <a:rPr lang="en-US" dirty="0" err="1"/>
+              <a:t>ngram</a:t>
+            </a:r>
+            <a:r>
+              <a:rPr lang="en-US" dirty="0"/>
+              <a:t> counts</a:t>
+            </a:r>
+          </a:p>
+        </p:txBody>
+      </p:sp>
+      <p:sp>
+        <p:nvSpPr>
+          <p:cNvPr id="4" name="Slide Number Placeholder 3"/>
+          <p:cNvSpPr>
+            <a:spLocks noGrp="1"/>
+          </p:cNvSpPr>
+          <p:nvPr>
+            <p:ph type="sldNum" sz="quarter" idx="10"/>
+          </p:nvPr>
+        </p:nvSpPr>
+        <p:spPr/>
+        <p:txBody>
+          <a:bodyPr/>
+          <a:lstStyle/>
+          <a:p>
+            <a:fld id="{8CE0FD87-9A44-5E45-8C0E-52F1E538B50D}" type="slidenum">
+              <a:rPr lang="en-US" smtClean="0"/>
+              <a:t>11</a:t>
+            </a:fld>
+            <a:endParaRPr lang="en-US"/>
+          </a:p>
+        </p:txBody>
+      </p:sp>
+    </p:spTree>
+    <p:extLst>
+      <p:ext uri="{BB962C8B-B14F-4D97-AF65-F5344CB8AC3E}">
+        <p14:creationId xmlns:p14="http://schemas.microsoft.com/office/powerpoint/2010/main" val="149097710"/>
+      </p:ext>
+    </p:extLst>
+  </p:cSld>
+  <p:clrMapOvr>
+    <a:masterClrMapping/>
+  </p:clrMapOvr>
+</p:notes>
+</file>
+
+<file path=ppt/notesSlides/notesSlide30.xml><?xml version="1.0" encoding="utf-8"?>
+<p:notes xmlns:a="http://schemas.openxmlformats.org/drawingml/2006/main" xmlns:r="http://schemas.openxmlformats.org/officeDocument/2006/relationships" xmlns:p="http://schemas.openxmlformats.org/presentationml/2006/main">
+  <p:cSld>
+    <p:spTree>
+      <p:nvGrpSpPr>
+        <p:cNvPr id="1" name=""/>
+        <p:cNvGrpSpPr/>
+        <p:nvPr/>
+      </p:nvGrpSpPr>
+      <p:grpSpPr>
+        <a:xfrm>
+          <a:off x="0" y="0"/>
+          <a:ext cx="0" cy="0"/>
+          <a:chOff x="0" y="0"/>
+          <a:chExt cx="0" cy="0"/>
+        </a:xfrm>
+      </p:grpSpPr>
+      <p:sp>
+        <p:nvSpPr>
+          <p:cNvPr id="32770" name="Rectangle 7"/>
+          <p:cNvSpPr>
+            <a:spLocks noGrp="1" noChangeArrowheads="1"/>
+          </p:cNvSpPr>
+          <p:nvPr>
+            <p:ph type="sldNum" sz="quarter" idx="5"/>
+          </p:nvPr>
+        </p:nvSpPr>
+        <p:spPr>
+          <a:noFill/>
+        </p:spPr>
+        <p:txBody>
+          <a:bodyPr/>
+          <a:lstStyle/>
+          <a:p>
+            <a:fld id="{0C9BB694-CB85-1C42-BB21-6EC89F24E5E0}" type="slidenum">
+              <a:rPr lang="en-US"/>
+              <a:pPr/>
+              <a:t>65</a:t>
+            </a:fld>
+            <a:endParaRPr lang="en-US"/>
+          </a:p>
+        </p:txBody>
+      </p:sp>
+      <p:sp>
+        <p:nvSpPr>
+          <p:cNvPr id="32771" name="Rectangle 2"/>
+          <p:cNvSpPr>
+            <a:spLocks noGrp="1" noRot="1" noChangeAspect="1" noChangeArrowheads="1"/>
+          </p:cNvSpPr>
+          <p:nvPr>
+            <p:ph type="sldImg"/>
+          </p:nvPr>
+        </p:nvSpPr>
+        <p:spPr>
+          <a:solidFill>
+            <a:srgbClr val="FFFFFF"/>
+          </a:solidFill>
+          <a:ln/>
+        </p:spPr>
+      </p:sp>
+      <p:sp>
+        <p:nvSpPr>
+          <p:cNvPr id="32772" name="Rectangle 3"/>
+          <p:cNvSpPr>
+            <a:spLocks noGrp="1" noChangeArrowheads="1"/>
+          </p:cNvSpPr>
+          <p:nvPr>
+            <p:ph type="body" idx="1"/>
+          </p:nvPr>
+        </p:nvSpPr>
+        <p:spPr>
+          <a:solidFill>
+            <a:srgbClr val="FFFFFF"/>
+          </a:solidFill>
+          <a:ln>
+            <a:solidFill>
+              <a:srgbClr val="000000"/>
+            </a:solidFill>
+          </a:ln>
+        </p:spPr>
+        <p:txBody>
+          <a:bodyPr/>
+          <a:lstStyle/>
+          <a:p>
+            <a:endParaRPr lang="en-US"/>
+          </a:p>
+        </p:txBody>
+      </p:sp>
+    </p:spTree>
+    <p:extLst>
+      <p:ext uri="{BB962C8B-B14F-4D97-AF65-F5344CB8AC3E}">
+        <p14:creationId xmlns:p14="http://schemas.microsoft.com/office/powerpoint/2010/main" val="369908271"/>
+      </p:ext>
+    </p:extLst>
+  </p:cSld>
+  <p:clrMapOvr>
+    <a:masterClrMapping/>
+  </p:clrMapOvr>
+</p:notes>
+</file>
+
+<file path=ppt/notesSlides/notesSlide31.xml><?xml version="1.0" encoding="utf-8"?>
+<p:notes xmlns:a="http://schemas.openxmlformats.org/drawingml/2006/main" xmlns:r="http://schemas.openxmlformats.org/officeDocument/2006/relationships" xmlns:p="http://schemas.openxmlformats.org/presentationml/2006/main">
+  <p:cSld>
+    <p:spTree>
+      <p:nvGrpSpPr>
+        <p:cNvPr id="1" name=""/>
+        <p:cNvGrpSpPr/>
+        <p:nvPr/>
+      </p:nvGrpSpPr>
+      <p:grpSpPr>
+        <a:xfrm>
+          <a:off x="0" y="0"/>
+          <a:ext cx="0" cy="0"/>
+          <a:chOff x="0" y="0"/>
+          <a:chExt cx="0" cy="0"/>
+        </a:xfrm>
+      </p:grpSpPr>
+      <p:sp>
+        <p:nvSpPr>
+          <p:cNvPr id="34818" name="Rectangle 7"/>
+          <p:cNvSpPr>
+            <a:spLocks noGrp="1" noChangeArrowheads="1"/>
+          </p:cNvSpPr>
+          <p:nvPr>
+            <p:ph type="sldNum" sz="quarter" idx="5"/>
+          </p:nvPr>
+        </p:nvSpPr>
+        <p:spPr>
+          <a:noFill/>
+        </p:spPr>
+        <p:txBody>
+          <a:bodyPr/>
+          <a:lstStyle/>
+          <a:p>
+            <a:fld id="{CA24F83C-53AC-F24F-80E2-C55109AFC467}" type="slidenum">
+              <a:rPr lang="en-US"/>
+              <a:pPr/>
+              <a:t>66</a:t>
+            </a:fld>
+            <a:endParaRPr lang="en-US"/>
+          </a:p>
+        </p:txBody>
+      </p:sp>
+      <p:sp>
+        <p:nvSpPr>
+          <p:cNvPr id="34819" name="Rectangle 2"/>
+          <p:cNvSpPr>
+            <a:spLocks noGrp="1" noRot="1" noChangeAspect="1" noChangeArrowheads="1"/>
+          </p:cNvSpPr>
+          <p:nvPr>
+            <p:ph type="sldImg"/>
+          </p:nvPr>
+        </p:nvSpPr>
+        <p:spPr>
+          <a:solidFill>
+            <a:srgbClr val="FFFFFF"/>
+          </a:solidFill>
+          <a:ln/>
+        </p:spPr>
+      </p:sp>
+      <p:sp>
+        <p:nvSpPr>
+          <p:cNvPr id="34820" name="Rectangle 3"/>
+          <p:cNvSpPr>
+            <a:spLocks noGrp="1" noChangeArrowheads="1"/>
+          </p:cNvSpPr>
+          <p:nvPr>
+            <p:ph type="body" idx="1"/>
+          </p:nvPr>
+        </p:nvSpPr>
+        <p:spPr>
+          <a:solidFill>
+            <a:srgbClr val="FFFFFF"/>
+          </a:solidFill>
+          <a:ln>
+            <a:solidFill>
+              <a:srgbClr val="000000"/>
+            </a:solidFill>
+          </a:ln>
+        </p:spPr>
+        <p:txBody>
+          <a:bodyPr/>
+          <a:lstStyle/>
+          <a:p>
+            <a:endParaRPr lang="en-US"/>
+          </a:p>
+        </p:txBody>
+      </p:sp>
+    </p:spTree>
+    <p:extLst>
+      <p:ext uri="{BB962C8B-B14F-4D97-AF65-F5344CB8AC3E}">
+        <p14:creationId xmlns:p14="http://schemas.microsoft.com/office/powerpoint/2010/main" val="1681915474"/>
+      </p:ext>
+    </p:extLst>
+  </p:cSld>
+  <p:clrMapOvr>
+    <a:masterClrMapping/>
+  </p:clrMapOvr>
+</p:notes>
+</file>
+
+<file path=ppt/notesSlides/notesSlide32.xml><?xml version="1.0" encoding="utf-8"?>
+<p:notes xmlns:a="http://schemas.openxmlformats.org/drawingml/2006/main" xmlns:r="http://schemas.openxmlformats.org/officeDocument/2006/relationships" xmlns:p="http://schemas.openxmlformats.org/presentationml/2006/main">
+  <p:cSld>
+    <p:spTree>
+      <p:nvGrpSpPr>
+        <p:cNvPr id="1" name=""/>
+        <p:cNvGrpSpPr/>
+        <p:nvPr/>
+      </p:nvGrpSpPr>
+      <p:grpSpPr>
+        <a:xfrm>
+          <a:off x="0" y="0"/>
+          <a:ext cx="0" cy="0"/>
+          <a:chOff x="0" y="0"/>
+          <a:chExt cx="0" cy="0"/>
+        </a:xfrm>
+      </p:grpSpPr>
+      <p:sp>
+        <p:nvSpPr>
+          <p:cNvPr id="2" name="Slide Image Placeholder 1"/>
+          <p:cNvSpPr>
+            <a:spLocks noGrp="1" noRot="1" noChangeAspect="1"/>
+          </p:cNvSpPr>
+          <p:nvPr>
+            <p:ph type="sldImg"/>
+          </p:nvPr>
+        </p:nvSpPr>
+        <p:spPr/>
+      </p:sp>
+      <p:sp>
+        <p:nvSpPr>
+          <p:cNvPr id="3" name="Notes Placeholder 2"/>
+          <p:cNvSpPr>
+            <a:spLocks noGrp="1"/>
+          </p:cNvSpPr>
+          <p:nvPr>
+            <p:ph type="body" idx="1"/>
+          </p:nvPr>
+        </p:nvSpPr>
+        <p:spPr/>
+        <p:txBody>
+          <a:bodyPr/>
+          <a:lstStyle/>
+          <a:p>
+            <a:r>
+              <a:rPr lang="en-US" sz="1200" b="0" i="0" kern="1200" dirty="0">
+                <a:solidFill>
+                  <a:schemeClr val="tx1"/>
+                </a:solidFill>
+                <a:effectLst/>
+                <a:latin typeface="+mn-lt"/>
+                <a:ea typeface="+mn-ea"/>
+                <a:cs typeface="+mn-cs"/>
+              </a:rPr>
+              <a:t>a="\"This isn't the first sentence that I wrote (that one was at 8:30), but it's the best, right?!\""</a:t>
+            </a:r>
+          </a:p>
+          <a:p>
+            <a:r>
+              <a:rPr lang="en-US" sz="1200" b="0" i="0" kern="1200" dirty="0" err="1">
+                <a:solidFill>
+                  <a:schemeClr val="tx1"/>
+                </a:solidFill>
+                <a:effectLst/>
+                <a:latin typeface="+mn-lt"/>
+                <a:ea typeface="+mn-ea"/>
+                <a:cs typeface="+mn-cs"/>
+              </a:rPr>
+              <a:t>nltk.word_tokenize</a:t>
+            </a:r>
+            <a:endParaRPr lang="en-US" sz="1200" b="0" i="0" kern="1200" dirty="0">
+              <a:solidFill>
+                <a:schemeClr val="tx1"/>
+              </a:solidFill>
+              <a:effectLst/>
+              <a:latin typeface="+mn-lt"/>
+              <a:ea typeface="+mn-ea"/>
+              <a:cs typeface="+mn-cs"/>
+            </a:endParaRPr>
+          </a:p>
+          <a:p>
+            <a:endParaRPr lang="en-US" dirty="0"/>
+          </a:p>
+          <a:p>
+            <a:r>
+              <a:rPr lang="en-US" dirty="0"/>
+              <a:t>write quick tokenizer</a:t>
+            </a:r>
+          </a:p>
+          <a:p>
+            <a:r>
+              <a:rPr lang="en-US" dirty="0" err="1"/>
+              <a:t>outfile.write</a:t>
+            </a:r>
+            <a:r>
+              <a:rPr lang="en-US" dirty="0"/>
+              <a:t>(' '.join(</a:t>
+            </a:r>
+            <a:r>
+              <a:rPr lang="en-US" dirty="0" err="1"/>
+              <a:t>nltk.word_tokenize</a:t>
+            </a:r>
+            <a:r>
+              <a:rPr lang="en-US" dirty="0"/>
+              <a:t>(</a:t>
+            </a:r>
+            <a:r>
+              <a:rPr lang="en-US" dirty="0" err="1"/>
+              <a:t>line.strip</a:t>
+            </a:r>
+            <a:r>
+              <a:rPr lang="en-US" dirty="0"/>
+              <a:t>()))+"\n")</a:t>
+            </a:r>
+          </a:p>
+        </p:txBody>
+      </p:sp>
+      <p:sp>
+        <p:nvSpPr>
+          <p:cNvPr id="4" name="Slide Number Placeholder 3"/>
+          <p:cNvSpPr>
+            <a:spLocks noGrp="1"/>
+          </p:cNvSpPr>
+          <p:nvPr>
+            <p:ph type="sldNum" sz="quarter" idx="10"/>
+          </p:nvPr>
+        </p:nvSpPr>
+        <p:spPr/>
+        <p:txBody>
+          <a:bodyPr/>
+          <a:lstStyle/>
+          <a:p>
+            <a:fld id="{8CE0FD87-9A44-5E45-8C0E-52F1E538B50D}" type="slidenum">
+              <a:rPr lang="en-US" smtClean="0"/>
+              <a:t>67</a:t>
+            </a:fld>
+            <a:endParaRPr lang="en-US"/>
+          </a:p>
+        </p:txBody>
+      </p:sp>
+    </p:spTree>
+    <p:extLst>
+      <p:ext uri="{BB962C8B-B14F-4D97-AF65-F5344CB8AC3E}">
+        <p14:creationId xmlns:p14="http://schemas.microsoft.com/office/powerpoint/2010/main" val="84903314"/>
+      </p:ext>
+    </p:extLst>
+  </p:cSld>
+  <p:clrMapOvr>
+    <a:masterClrMapping/>
+  </p:clrMapOvr>
+</p:notes>
+</file>
+
+<file path=ppt/notesSlides/notesSlide4.xml><?xml version="1.0" encoding="utf-8"?>
+<p:notes xmlns:a="http://schemas.openxmlformats.org/drawingml/2006/main" xmlns:r="http://schemas.openxmlformats.org/officeDocument/2006/relationships" xmlns:p="http://schemas.openxmlformats.org/presentationml/2006/main">
+  <p:cSld>
+    <p:spTree>
+      <p:nvGrpSpPr>
+        <p:cNvPr id="1" name=""/>
+        <p:cNvGrpSpPr/>
+        <p:nvPr/>
+      </p:nvGrpSpPr>
+      <p:grpSpPr>
+        <a:xfrm>
+          <a:off x="0" y="0"/>
+          <a:ext cx="0" cy="0"/>
+          <a:chOff x="0" y="0"/>
+          <a:chExt cx="0" cy="0"/>
+        </a:xfrm>
+      </p:grpSpPr>
+      <p:sp>
+        <p:nvSpPr>
+          <p:cNvPr id="2" name="Slide Image Placeholder 1"/>
+          <p:cNvSpPr>
+            <a:spLocks noGrp="1" noRot="1" noChangeAspect="1"/>
+          </p:cNvSpPr>
+          <p:nvPr>
+            <p:ph type="sldImg"/>
+          </p:nvPr>
+        </p:nvSpPr>
+        <p:spPr/>
+      </p:sp>
+      <p:sp>
+        <p:nvSpPr>
+          <p:cNvPr id="3" name="Notes Placeholder 2"/>
+          <p:cNvSpPr>
+            <a:spLocks noGrp="1"/>
+          </p:cNvSpPr>
+          <p:nvPr>
+            <p:ph type="body" idx="1"/>
+          </p:nvPr>
+        </p:nvSpPr>
+        <p:spPr/>
+        <p:txBody>
+          <a:bodyPr/>
+          <a:lstStyle/>
+          <a:p>
+            <a:endParaRPr lang="en-US" dirty="0"/>
+          </a:p>
+        </p:txBody>
+      </p:sp>
+      <p:sp>
+        <p:nvSpPr>
+          <p:cNvPr id="4" name="Slide Number Placeholder 3"/>
+          <p:cNvSpPr>
+            <a:spLocks noGrp="1"/>
+          </p:cNvSpPr>
+          <p:nvPr>
+            <p:ph type="sldNum" sz="quarter" idx="10"/>
+          </p:nvPr>
+        </p:nvSpPr>
+        <p:spPr/>
+        <p:txBody>
+          <a:bodyPr/>
+          <a:lstStyle/>
+          <a:p>
+            <a:fld id="{8CE0FD87-9A44-5E45-8C0E-52F1E538B50D}" type="slidenum">
+              <a:rPr lang="en-US" smtClean="0"/>
+              <a:t>24</a:t>
+            </a:fld>
+            <a:endParaRPr lang="en-US"/>
+          </a:p>
+        </p:txBody>
+      </p:sp>
+    </p:spTree>
+    <p:extLst>
+      <p:ext uri="{BB962C8B-B14F-4D97-AF65-F5344CB8AC3E}">
+        <p14:creationId xmlns:p14="http://schemas.microsoft.com/office/powerpoint/2010/main" val="99596975"/>
+      </p:ext>
+    </p:extLst>
+  </p:cSld>
+  <p:clrMapOvr>
+    <a:masterClrMapping/>
+  </p:clrMapOvr>
+</p:notes>
+</file>
+
+<file path=ppt/notesSlides/notesSlide5.xml><?xml version="1.0" encoding="utf-8"?>
+<p:notes xmlns:a="http://schemas.openxmlformats.org/drawingml/2006/main" xmlns:r="http://schemas.openxmlformats.org/officeDocument/2006/relationships" xmlns:p="http://schemas.openxmlformats.org/presentationml/2006/main">
+  <p:cSld>
+    <p:spTree>
+      <p:nvGrpSpPr>
+        <p:cNvPr id="1" name=""/>
+        <p:cNvGrpSpPr/>
+        <p:nvPr/>
+      </p:nvGrpSpPr>
+      <p:grpSpPr>
+        <a:xfrm>
+          <a:off x="0" y="0"/>
+          <a:ext cx="0" cy="0"/>
+          <a:chOff x="0" y="0"/>
+          <a:chExt cx="0" cy="0"/>
+        </a:xfrm>
+      </p:grpSpPr>
+      <p:sp>
+        <p:nvSpPr>
+          <p:cNvPr id="2" name="Slide Image Placeholder 1"/>
+          <p:cNvSpPr>
+            <a:spLocks noGrp="1" noRot="1" noChangeAspect="1"/>
+          </p:cNvSpPr>
+          <p:nvPr>
+            <p:ph type="sldImg"/>
+          </p:nvPr>
+        </p:nvSpPr>
+        <p:spPr/>
+      </p:sp>
+      <p:sp>
+        <p:nvSpPr>
+          <p:cNvPr id="3" name="Notes Placeholder 2"/>
+          <p:cNvSpPr>
+            <a:spLocks noGrp="1"/>
+          </p:cNvSpPr>
+          <p:nvPr>
+            <p:ph type="body" idx="1"/>
+          </p:nvPr>
+        </p:nvSpPr>
+        <p:spPr/>
+        <p:txBody>
+          <a:bodyPr/>
+          <a:lstStyle/>
+          <a:p>
+            <a:r>
+              <a:rPr lang="en-US" dirty="0"/>
+              <a:t>Blue: Count of negative words</a:t>
+            </a:r>
+          </a:p>
+          <a:p>
+            <a:r>
+              <a:rPr lang="en-US" dirty="0"/>
+              <a:t>Yellow: Count of positive words</a:t>
+            </a:r>
+          </a:p>
+          <a:p>
+            <a:endParaRPr lang="en-US" dirty="0"/>
+          </a:p>
+        </p:txBody>
+      </p:sp>
+      <p:sp>
+        <p:nvSpPr>
+          <p:cNvPr id="4" name="Slide Number Placeholder 3"/>
+          <p:cNvSpPr>
+            <a:spLocks noGrp="1"/>
+          </p:cNvSpPr>
+          <p:nvPr>
+            <p:ph type="sldNum" sz="quarter" idx="10"/>
+          </p:nvPr>
+        </p:nvSpPr>
+        <p:spPr/>
+        <p:txBody>
+          <a:bodyPr/>
+          <a:lstStyle/>
+          <a:p>
+            <a:fld id="{8CE0FD87-9A44-5E45-8C0E-52F1E538B50D}" type="slidenum">
+              <a:rPr lang="en-US" smtClean="0"/>
+              <a:t>26</a:t>
+            </a:fld>
+            <a:endParaRPr lang="en-US"/>
+          </a:p>
+        </p:txBody>
+      </p:sp>
+    </p:spTree>
+    <p:extLst>
+      <p:ext uri="{BB962C8B-B14F-4D97-AF65-F5344CB8AC3E}">
+        <p14:creationId xmlns:p14="http://schemas.microsoft.com/office/powerpoint/2010/main" val="1073009000"/>
+      </p:ext>
+    </p:extLst>
+  </p:cSld>
+  <p:clrMapOvr>
+    <a:masterClrMapping/>
+  </p:clrMapOvr>
+</p:notes>
+</file>
+
+<file path=ppt/notesSlides/notesSlide6.xml><?xml version="1.0" encoding="utf-8"?>
+<p:notes xmlns:a="http://schemas.openxmlformats.org/drawingml/2006/main" xmlns:r="http://schemas.openxmlformats.org/officeDocument/2006/relationships" xmlns:p="http://schemas.openxmlformats.org/presentationml/2006/main">
+  <p:cSld>
+    <p:spTree>
+      <p:nvGrpSpPr>
+        <p:cNvPr id="1" name=""/>
+        <p:cNvGrpSpPr/>
+        <p:nvPr/>
+      </p:nvGrpSpPr>
+      <p:grpSpPr>
+        <a:xfrm>
+          <a:off x="0" y="0"/>
+          <a:ext cx="0" cy="0"/>
+          <a:chOff x="0" y="0"/>
+          <a:chExt cx="0" cy="0"/>
+        </a:xfrm>
+      </p:grpSpPr>
+      <p:sp>
+        <p:nvSpPr>
+          <p:cNvPr id="2" name="Slide Image Placeholder 1"/>
+          <p:cNvSpPr>
+            <a:spLocks noGrp="1" noRot="1" noChangeAspect="1"/>
+          </p:cNvSpPr>
+          <p:nvPr>
+            <p:ph type="sldImg"/>
+          </p:nvPr>
+        </p:nvSpPr>
+        <p:spPr/>
+      </p:sp>
+      <p:sp>
+        <p:nvSpPr>
+          <p:cNvPr id="3" name="Notes Placeholder 2"/>
+          <p:cNvSpPr>
+            <a:spLocks noGrp="1"/>
+          </p:cNvSpPr>
+          <p:nvPr>
+            <p:ph type="body" idx="1"/>
+          </p:nvPr>
+        </p:nvSpPr>
+        <p:spPr/>
+        <p:txBody>
+          <a:bodyPr/>
+          <a:lstStyle/>
+          <a:p>
+            <a:pPr marL="0" marR="0" lvl="0" indent="0" algn="l" defTabSz="914400" rtl="0" eaLnBrk="1" fontAlgn="auto" latinLnBrk="0" hangingPunct="1">
+              <a:lnSpc>
+                <a:spcPct val="100000"/>
+              </a:lnSpc>
+              <a:spcBef>
+                <a:spcPts val="0"/>
+              </a:spcBef>
+              <a:spcAft>
+                <a:spcPts val="0"/>
+              </a:spcAft>
+              <a:buClrTx/>
+              <a:buSzTx/>
+              <a:buFontTx/>
+              <a:buNone/>
+              <a:tabLst/>
+              <a:defRPr/>
+            </a:pPr>
+            <a:r>
+              <a:rPr lang="en-US" dirty="0"/>
+              <a:t>Development set: is the set of data that we evaluate on</a:t>
+            </a:r>
+          </a:p>
+          <a:p>
+            <a:endParaRPr lang="en-US" dirty="0"/>
+          </a:p>
+        </p:txBody>
+      </p:sp>
+      <p:sp>
+        <p:nvSpPr>
+          <p:cNvPr id="4" name="Slide Number Placeholder 3"/>
+          <p:cNvSpPr>
+            <a:spLocks noGrp="1"/>
+          </p:cNvSpPr>
+          <p:nvPr>
+            <p:ph type="sldNum" sz="quarter" idx="10"/>
+          </p:nvPr>
+        </p:nvSpPr>
+        <p:spPr/>
+        <p:txBody>
+          <a:bodyPr/>
+          <a:lstStyle/>
+          <a:p>
+            <a:fld id="{8CE0FD87-9A44-5E45-8C0E-52F1E538B50D}" type="slidenum">
+              <a:rPr lang="en-US" smtClean="0"/>
+              <a:t>28</a:t>
+            </a:fld>
+            <a:endParaRPr lang="en-US"/>
+          </a:p>
+        </p:txBody>
+      </p:sp>
+    </p:spTree>
+    <p:extLst>
+      <p:ext uri="{BB962C8B-B14F-4D97-AF65-F5344CB8AC3E}">
+        <p14:creationId xmlns:p14="http://schemas.microsoft.com/office/powerpoint/2010/main" val="3562529086"/>
+      </p:ext>
+    </p:extLst>
+  </p:cSld>
+  <p:clrMapOvr>
+    <a:masterClrMapping/>
+  </p:clrMapOvr>
+</p:notes>
+</file>
+
+<file path=ppt/notesSlides/notesSlide7.xml><?xml version="1.0" encoding="utf-8"?>
+<p:notes xmlns:a="http://schemas.openxmlformats.org/drawingml/2006/main" xmlns:r="http://schemas.openxmlformats.org/officeDocument/2006/relationships" xmlns:p="http://schemas.openxmlformats.org/presentationml/2006/main">
+  <p:cSld>
+    <p:spTree>
+      <p:nvGrpSpPr>
+        <p:cNvPr id="1" name=""/>
+        <p:cNvGrpSpPr/>
+        <p:nvPr/>
+      </p:nvGrpSpPr>
+      <p:grpSpPr>
+        <a:xfrm>
+          <a:off x="0" y="0"/>
+          <a:ext cx="0" cy="0"/>
+          <a:chOff x="0" y="0"/>
+          <a:chExt cx="0" cy="0"/>
+        </a:xfrm>
+      </p:grpSpPr>
+      <p:sp>
+        <p:nvSpPr>
+          <p:cNvPr id="2" name="Slide Image Placeholder 1"/>
+          <p:cNvSpPr>
+            <a:spLocks noGrp="1" noRot="1" noChangeAspect="1"/>
+          </p:cNvSpPr>
+          <p:nvPr>
+            <p:ph type="sldImg"/>
+          </p:nvPr>
+        </p:nvSpPr>
+        <p:spPr/>
+      </p:sp>
+      <p:sp>
+        <p:nvSpPr>
+          <p:cNvPr id="3" name="Notes Placeholder 2"/>
+          <p:cNvSpPr>
+            <a:spLocks noGrp="1"/>
+          </p:cNvSpPr>
+          <p:nvPr>
+            <p:ph type="body" idx="1"/>
+          </p:nvPr>
+        </p:nvSpPr>
+        <p:spPr/>
+        <p:txBody>
+          <a:bodyPr/>
+          <a:lstStyle/>
+          <a:p>
+            <a:pPr marL="0" marR="0" lvl="0" indent="0" algn="l" defTabSz="914400" rtl="0" eaLnBrk="1" fontAlgn="auto" latinLnBrk="0" hangingPunct="1">
+              <a:lnSpc>
+                <a:spcPct val="100000"/>
+              </a:lnSpc>
+              <a:spcBef>
+                <a:spcPts val="0"/>
+              </a:spcBef>
+              <a:spcAft>
+                <a:spcPts val="0"/>
+              </a:spcAft>
+              <a:buClrTx/>
+              <a:buSzTx/>
+              <a:buFontTx/>
+              <a:buNone/>
+              <a:tabLst/>
+              <a:defRPr/>
+            </a:pPr>
+            <a:r>
+              <a:rPr lang="en-US" dirty="0"/>
+              <a:t>Sometime accuracy won’t work this on some applications as a measure. What’s an example of an application?</a:t>
+            </a:r>
+          </a:p>
+          <a:p>
+            <a:endParaRPr lang="en-US" dirty="0"/>
+          </a:p>
+        </p:txBody>
+      </p:sp>
+      <p:sp>
+        <p:nvSpPr>
+          <p:cNvPr id="4" name="Slide Number Placeholder 3"/>
+          <p:cNvSpPr>
+            <a:spLocks noGrp="1"/>
+          </p:cNvSpPr>
+          <p:nvPr>
+            <p:ph type="sldNum" sz="quarter" idx="10"/>
+          </p:nvPr>
+        </p:nvSpPr>
+        <p:spPr/>
+        <p:txBody>
+          <a:bodyPr/>
+          <a:lstStyle/>
+          <a:p>
+            <a:fld id="{8CE0FD87-9A44-5E45-8C0E-52F1E538B50D}" type="slidenum">
+              <a:rPr lang="en-US" smtClean="0"/>
+              <a:t>31</a:t>
+            </a:fld>
+            <a:endParaRPr lang="en-US"/>
+          </a:p>
+        </p:txBody>
+      </p:sp>
+    </p:spTree>
+    <p:extLst>
+      <p:ext uri="{BB962C8B-B14F-4D97-AF65-F5344CB8AC3E}">
+        <p14:creationId xmlns:p14="http://schemas.microsoft.com/office/powerpoint/2010/main" val="4038746140"/>
+      </p:ext>
+    </p:extLst>
+  </p:cSld>
+  <p:clrMapOvr>
+    <a:masterClrMapping/>
+  </p:clrMapOvr>
+</p:notes>
+</file>
+
+<file path=ppt/notesSlides/notesSlide8.xml><?xml version="1.0" encoding="utf-8"?>
+<p:notes xmlns:a="http://schemas.openxmlformats.org/drawingml/2006/main" xmlns:r="http://schemas.openxmlformats.org/officeDocument/2006/relationships" xmlns:p="http://schemas.openxmlformats.org/presentationml/2006/main">
+  <p:cSld>
+    <p:spTree>
+      <p:nvGrpSpPr>
+        <p:cNvPr id="1" name=""/>
+        <p:cNvGrpSpPr/>
+        <p:nvPr/>
+      </p:nvGrpSpPr>
+      <p:grpSpPr>
+        <a:xfrm>
+          <a:off x="0" y="0"/>
+          <a:ext cx="0" cy="0"/>
+          <a:chOff x="0" y="0"/>
+          <a:chExt cx="0" cy="0"/>
+        </a:xfrm>
+      </p:grpSpPr>
+      <p:sp>
+        <p:nvSpPr>
+          <p:cNvPr id="2" name="Slide Image Placeholder 1"/>
+          <p:cNvSpPr>
+            <a:spLocks noGrp="1" noRot="1" noChangeAspect="1"/>
+          </p:cNvSpPr>
+          <p:nvPr>
+            <p:ph type="sldImg"/>
+          </p:nvPr>
+        </p:nvSpPr>
+        <p:spPr/>
+      </p:sp>
+      <p:sp>
+        <p:nvSpPr>
+          <p:cNvPr id="3" name="Notes Placeholder 2"/>
+          <p:cNvSpPr>
+            <a:spLocks noGrp="1"/>
+          </p:cNvSpPr>
+          <p:nvPr>
+            <p:ph type="body" idx="1"/>
+          </p:nvPr>
+        </p:nvSpPr>
+        <p:spPr/>
+        <p:txBody>
+          <a:bodyPr/>
+          <a:lstStyle/>
+          <a:p>
+            <a:r>
+              <a:rPr lang="en-US" dirty="0"/>
+              <a:t>clean</a:t>
+            </a:r>
+            <a:r>
+              <a:rPr lang="en-US" baseline="0" dirty="0"/>
+              <a:t> up some data with </a:t>
+            </a:r>
+            <a:r>
+              <a:rPr lang="en-US" baseline="0" dirty="0" err="1"/>
+              <a:t>beautifulsoup</a:t>
+            </a:r>
+            <a:endParaRPr lang="en-US" baseline="0" dirty="0"/>
+          </a:p>
+          <a:p>
+            <a:r>
+              <a:rPr lang="en-US" baseline="0" dirty="0"/>
+              <a:t>make train/dev/test sets with </a:t>
+            </a:r>
+            <a:r>
+              <a:rPr lang="en-US" baseline="0" dirty="0" err="1"/>
+              <a:t>shuf</a:t>
+            </a:r>
+            <a:r>
+              <a:rPr lang="en-US" baseline="0" dirty="0"/>
+              <a:t>, labeling (use yes!)</a:t>
+            </a:r>
+          </a:p>
+          <a:p>
+            <a:r>
+              <a:rPr lang="en-US" baseline="0" dirty="0"/>
+              <a:t>process substitution (not on </a:t>
+            </a:r>
+            <a:r>
+              <a:rPr lang="en-US" baseline="0" dirty="0" err="1"/>
+              <a:t>vocareum</a:t>
+            </a:r>
+            <a:r>
+              <a:rPr lang="en-US" baseline="0" dirty="0"/>
+              <a:t>)</a:t>
+            </a:r>
+          </a:p>
+          <a:p>
+            <a:r>
+              <a:rPr lang="en-US" baseline="0" dirty="0"/>
+              <a:t>make a scoring script</a:t>
+            </a:r>
+          </a:p>
+          <a:p>
+            <a:r>
+              <a:rPr lang="en-US" baseline="0" dirty="0"/>
+              <a:t>find frequent </a:t>
+            </a:r>
+            <a:r>
+              <a:rPr lang="en-US" baseline="0" dirty="0" err="1"/>
+              <a:t>ngrams</a:t>
+            </a:r>
+            <a:r>
+              <a:rPr lang="en-US" baseline="0" dirty="0"/>
+              <a:t> for positive and negative</a:t>
+            </a:r>
+          </a:p>
+          <a:p>
+            <a:endParaRPr lang="en-US" dirty="0"/>
+          </a:p>
+          <a:p>
+            <a:endParaRPr lang="en-US" dirty="0"/>
+          </a:p>
+        </p:txBody>
+      </p:sp>
+      <p:sp>
+        <p:nvSpPr>
+          <p:cNvPr id="4" name="Slide Number Placeholder 3"/>
+          <p:cNvSpPr>
+            <a:spLocks noGrp="1"/>
+          </p:cNvSpPr>
+          <p:nvPr>
+            <p:ph type="sldNum" sz="quarter" idx="10"/>
+          </p:nvPr>
+        </p:nvSpPr>
+        <p:spPr/>
+        <p:txBody>
+          <a:bodyPr/>
+          <a:lstStyle/>
+          <a:p>
+            <a:fld id="{8CE0FD87-9A44-5E45-8C0E-52F1E538B50D}" type="slidenum">
+              <a:rPr lang="en-US" smtClean="0"/>
+              <a:t>32</a:t>
+            </a:fld>
+            <a:endParaRPr lang="en-US"/>
+          </a:p>
+        </p:txBody>
+      </p:sp>
+    </p:spTree>
+    <p:extLst>
+      <p:ext uri="{BB962C8B-B14F-4D97-AF65-F5344CB8AC3E}">
+        <p14:creationId xmlns:p14="http://schemas.microsoft.com/office/powerpoint/2010/main" val="1001694688"/>
+      </p:ext>
+    </p:extLst>
+  </p:cSld>
+  <p:clrMapOvr>
+    <a:masterClrMapping/>
+  </p:clrMapOvr>
+</p:notes>
+</file>
+
+<file path=ppt/notesSlides/notesSlide9.xml><?xml version="1.0" encoding="utf-8"?>
+<p:notes xmlns:a="http://schemas.openxmlformats.org/drawingml/2006/main" xmlns:r="http://schemas.openxmlformats.org/officeDocument/2006/relationships" xmlns:p="http://schemas.openxmlformats.org/presentationml/2006/main">
+  <p:cSld>
+    <p:spTree>
+      <p:nvGrpSpPr>
+        <p:cNvPr id="1" name=""/>
+        <p:cNvGrpSpPr/>
+        <p:nvPr/>
+      </p:nvGrpSpPr>
+      <p:grpSpPr>
+        <a:xfrm>
+          <a:off x="0" y="0"/>
+          <a:ext cx="0" cy="0"/>
+          <a:chOff x="0" y="0"/>
+          <a:chExt cx="0" cy="0"/>
+        </a:xfrm>
+      </p:grpSpPr>
+      <p:sp>
+        <p:nvSpPr>
+          <p:cNvPr id="2" name="Slide Image Placeholder 1"/>
+          <p:cNvSpPr>
+            <a:spLocks noGrp="1" noRot="1" noChangeAspect="1"/>
+          </p:cNvSpPr>
+          <p:nvPr>
+            <p:ph type="sldImg"/>
+          </p:nvPr>
+        </p:nvSpPr>
+        <p:spPr/>
+      </p:sp>
+      <p:sp>
+        <p:nvSpPr>
+          <p:cNvPr id="3" name="Notes Placeholder 2"/>
+          <p:cNvSpPr>
+            <a:spLocks noGrp="1"/>
+          </p:cNvSpPr>
+          <p:nvPr>
+            <p:ph type="body" idx="1"/>
+          </p:nvPr>
+        </p:nvSpPr>
+        <p:spPr/>
+        <p:txBody>
+          <a:bodyPr/>
+          <a:lstStyle/>
+          <a:p>
+            <a:endParaRPr lang="en-US" dirty="0"/>
+          </a:p>
+          <a:p>
+            <a:endParaRPr lang="en-US" dirty="0"/>
+          </a:p>
+        </p:txBody>
+      </p:sp>
+      <p:sp>
+        <p:nvSpPr>
+          <p:cNvPr id="4" name="Slide Number Placeholder 3"/>
+          <p:cNvSpPr>
+            <a:spLocks noGrp="1"/>
+          </p:cNvSpPr>
+          <p:nvPr>
+            <p:ph type="sldNum" sz="quarter" idx="10"/>
+          </p:nvPr>
+        </p:nvSpPr>
+        <p:spPr/>
+        <p:txBody>
+          <a:bodyPr/>
+          <a:lstStyle/>
+          <a:p>
+            <a:fld id="{8CE0FD87-9A44-5E45-8C0E-52F1E538B50D}" type="slidenum">
+              <a:rPr lang="en-US" smtClean="0"/>
+              <a:t>33</a:t>
+            </a:fld>
+            <a:endParaRPr lang="en-US"/>
+          </a:p>
+        </p:txBody>
+      </p:sp>
+    </p:spTree>
+    <p:extLst>
+      <p:ext uri="{BB962C8B-B14F-4D97-AF65-F5344CB8AC3E}">
+        <p14:creationId xmlns:p14="http://schemas.microsoft.com/office/powerpoint/2010/main" val="867959341"/>
       </p:ext>
     </p:extLst>
   </p:cSld>
@@ -4387,7 +4804,7 @@
           <a:p>
             <a:fld id="{C8A563C8-30E1-EE49-B86D-0EE4EF74EEEE}" type="datetimeFigureOut">
               <a:rPr lang="en-US" smtClean="0"/>
-              <a:t>8/28/18</a:t>
+              <a:t>9/3/2018</a:t>
             </a:fld>
             <a:endParaRPr lang="en-US"/>
           </a:p>
@@ -4555,7 +4972,7 @@
           <a:p>
             <a:fld id="{C8A563C8-30E1-EE49-B86D-0EE4EF74EEEE}" type="datetimeFigureOut">
               <a:rPr lang="en-US" smtClean="0"/>
-              <a:t>8/28/18</a:t>
+              <a:t>9/3/2018</a:t>
             </a:fld>
             <a:endParaRPr lang="en-US"/>
           </a:p>
@@ -4733,7 +5150,7 @@
           <a:p>
             <a:fld id="{C8A563C8-30E1-EE49-B86D-0EE4EF74EEEE}" type="datetimeFigureOut">
               <a:rPr lang="en-US" smtClean="0"/>
-              <a:t>8/28/18</a:t>
+              <a:t>9/3/2018</a:t>
             </a:fld>
             <a:endParaRPr lang="en-US"/>
           </a:p>
@@ -4901,7 +5318,7 @@
           <a:p>
             <a:fld id="{C8A563C8-30E1-EE49-B86D-0EE4EF74EEEE}" type="datetimeFigureOut">
               <a:rPr lang="en-US" smtClean="0"/>
-              <a:t>8/28/18</a:t>
+              <a:t>9/3/2018</a:t>
             </a:fld>
             <a:endParaRPr lang="en-US"/>
           </a:p>
@@ -5146,7 +5563,7 @@
           <a:p>
             <a:fld id="{C8A563C8-30E1-EE49-B86D-0EE4EF74EEEE}" type="datetimeFigureOut">
               <a:rPr lang="en-US" smtClean="0"/>
-              <a:t>8/28/18</a:t>
+              <a:t>9/3/2018</a:t>
             </a:fld>
             <a:endParaRPr lang="en-US"/>
           </a:p>
@@ -5375,7 +5792,7 @@
           <a:p>
             <a:fld id="{C8A563C8-30E1-EE49-B86D-0EE4EF74EEEE}" type="datetimeFigureOut">
               <a:rPr lang="en-US" smtClean="0"/>
-              <a:t>8/28/18</a:t>
+              <a:t>9/3/2018</a:t>
             </a:fld>
             <a:endParaRPr lang="en-US"/>
           </a:p>
@@ -5739,7 +6156,7 @@
           <a:p>
             <a:fld id="{C8A563C8-30E1-EE49-B86D-0EE4EF74EEEE}" type="datetimeFigureOut">
               <a:rPr lang="en-US" smtClean="0"/>
-              <a:t>8/28/18</a:t>
+              <a:t>9/3/2018</a:t>
             </a:fld>
             <a:endParaRPr lang="en-US"/>
           </a:p>
@@ -5856,7 +6273,7 @@
           <a:p>
             <a:fld id="{C8A563C8-30E1-EE49-B86D-0EE4EF74EEEE}" type="datetimeFigureOut">
               <a:rPr lang="en-US" smtClean="0"/>
-              <a:t>8/28/18</a:t>
+              <a:t>9/3/2018</a:t>
             </a:fld>
             <a:endParaRPr lang="en-US"/>
           </a:p>
@@ -5951,7 +6368,7 @@
           <a:p>
             <a:fld id="{C8A563C8-30E1-EE49-B86D-0EE4EF74EEEE}" type="datetimeFigureOut">
               <a:rPr lang="en-US" smtClean="0"/>
-              <a:t>8/28/18</a:t>
+              <a:t>9/3/2018</a:t>
             </a:fld>
             <a:endParaRPr lang="en-US"/>
           </a:p>
@@ -6226,7 +6643,7 @@
           <a:p>
             <a:fld id="{C8A563C8-30E1-EE49-B86D-0EE4EF74EEEE}" type="datetimeFigureOut">
               <a:rPr lang="en-US" smtClean="0"/>
-              <a:t>8/28/18</a:t>
+              <a:t>9/3/2018</a:t>
             </a:fld>
             <a:endParaRPr lang="en-US"/>
           </a:p>
@@ -6478,7 +6895,7 @@
           <a:p>
             <a:fld id="{C8A563C8-30E1-EE49-B86D-0EE4EF74EEEE}" type="datetimeFigureOut">
               <a:rPr lang="en-US" smtClean="0"/>
-              <a:t>8/28/18</a:t>
+              <a:t>9/3/2018</a:t>
             </a:fld>
             <a:endParaRPr lang="en-US"/>
           </a:p>
@@ -6689,7 +7106,7 @@
           <a:p>
             <a:fld id="{C8A563C8-30E1-EE49-B86D-0EE4EF74EEEE}" type="datetimeFigureOut">
               <a:rPr lang="en-US" smtClean="0"/>
-              <a:t>8/28/18</a:t>
+              <a:t>9/3/2018</a:t>
             </a:fld>
             <a:endParaRPr lang="en-US"/>
           </a:p>
@@ -7295,13 +7712,21 @@
           <a:lstStyle/>
           <a:p>
             <a:r>
-              <a:rPr lang="en-US" dirty="0"/>
+              <a:rPr lang="en-US" dirty="0">
+                <a:highlight>
+                  <a:srgbClr val="FFFF00"/>
+                </a:highlight>
+              </a:rPr>
               <a:t>Let's look at the frequencies of different words in a large text corpus</a:t>
             </a:r>
           </a:p>
           <a:p>
             <a:r>
-              <a:rPr lang="en-US" dirty="0"/>
+              <a:rPr lang="en-US" dirty="0">
+                <a:highlight>
+                  <a:srgbClr val="FFFF00"/>
+                </a:highlight>
+              </a:rPr>
               <a:t>Assume "word" is a string of letters separated by spaces (oversimplification!)</a:t>
             </a:r>
           </a:p>
@@ -8638,33 +9063,53 @@
           <a:lstStyle/>
           <a:p>
             <a:r>
-              <a:rPr lang="en-US" dirty="0"/>
+              <a:rPr lang="en-US" dirty="0">
+                <a:highlight>
+                  <a:srgbClr val="FFFF00"/>
+                </a:highlight>
+              </a:rPr>
               <a:t>Sparsity keeps getting worse</a:t>
             </a:r>
           </a:p>
           <a:p>
             <a:r>
-              <a:rPr lang="en-US" dirty="0"/>
+              <a:rPr lang="en-US" dirty="0">
+                <a:highlight>
+                  <a:srgbClr val="FFFF00"/>
+                </a:highlight>
+              </a:rPr>
               <a:t>Moby Dick</a:t>
             </a:r>
           </a:p>
           <a:p>
             <a:pPr lvl="1"/>
             <a:r>
-              <a:rPr lang="en-US" dirty="0"/>
+              <a:rPr lang="en-US" dirty="0">
+                <a:highlight>
+                  <a:srgbClr val="FFFF00"/>
+                </a:highlight>
+              </a:rPr>
               <a:t>110927 tokens; 18971 types (17% of tokens); 11874 1-count (62.6% of types)</a:t>
             </a:r>
           </a:p>
           <a:p>
             <a:pPr lvl="1"/>
             <a:r>
-              <a:rPr lang="en-US" dirty="0"/>
+              <a:rPr lang="en-US" dirty="0">
+                <a:highlight>
+                  <a:srgbClr val="FFFF00"/>
+                </a:highlight>
+              </a:rPr>
               <a:t>110927 3-grams;  103531 types (93% of tokens); 99150 1-count (95.7% of types)</a:t>
             </a:r>
           </a:p>
           <a:p>
             <a:pPr lvl="1"/>
-            <a:endParaRPr lang="en-US" dirty="0"/>
+            <a:endParaRPr lang="en-US" dirty="0">
+              <a:highlight>
+                <a:srgbClr val="FFFF00"/>
+              </a:highlight>
+            </a:endParaRPr>
           </a:p>
         </p:txBody>
       </p:sp>
@@ -8976,7 +9421,7 @@
           <p:nvPr/>
         </p:nvPicPr>
         <p:blipFill>
-          <a:blip r:embed="rId2"/>
+          <a:blip r:embed="rId3"/>
           <a:stretch>
             <a:fillRect/>
           </a:stretch>
@@ -9268,7 +9713,7 @@
           <p:nvPr/>
         </p:nvPicPr>
         <p:blipFill>
-          <a:blip r:embed="rId2"/>
+          <a:blip r:embed="rId3"/>
           <a:stretch>
             <a:fillRect/>
           </a:stretch>
@@ -9637,7 +10082,7 @@
           <p:nvPr/>
         </p:nvPicPr>
         <p:blipFill>
-          <a:blip r:embed="rId2"/>
+          <a:blip r:embed="rId3"/>
           <a:stretch>
             <a:fillRect/>
           </a:stretch>
@@ -11144,32 +11589,52 @@
           <a:lstStyle/>
           <a:p>
             <a:r>
-              <a:rPr lang="en-US" dirty="0"/>
+              <a:rPr lang="en-US" dirty="0">
+                <a:highlight>
+                  <a:srgbClr val="FFFF00"/>
+                </a:highlight>
+              </a:rPr>
               <a:t>NLP (really, more like Computational Linguistics) through the 80s was mostly about modeling specific linguistic phenomena with code</a:t>
             </a:r>
           </a:p>
           <a:p>
             <a:r>
-              <a:rPr lang="en-US" dirty="0"/>
+              <a:rPr lang="en-US" dirty="0">
+                <a:highlight>
+                  <a:srgbClr val="FFFF00"/>
+                </a:highlight>
+              </a:rPr>
               <a:t>Linguists/highly trained coders wrote fine-grained detailed rules to capture various aspects</a:t>
             </a:r>
           </a:p>
           <a:p>
             <a:pPr lvl="1"/>
             <a:r>
-              <a:rPr lang="en-US" dirty="0"/>
+              <a:rPr lang="en-US" dirty="0">
+                <a:highlight>
+                  <a:srgbClr val="FFFF00"/>
+                </a:highlight>
+              </a:rPr>
               <a:t>E.g. "swallow" is a verb of ingestion, taking an animate subject and a physical object that is edible...</a:t>
             </a:r>
           </a:p>
           <a:p>
             <a:r>
-              <a:rPr lang="en-US" dirty="0"/>
+              <a:rPr lang="en-US" dirty="0">
+                <a:highlight>
+                  <a:srgbClr val="FFFF00"/>
+                </a:highlight>
+              </a:rPr>
               <a:t>Very time-consuming, expensive, limited coverage, but high precision</a:t>
             </a:r>
           </a:p>
           <a:p>
             <a:r>
-              <a:rPr lang="en-US" dirty="0"/>
+              <a:rPr lang="en-US" dirty="0">
+                <a:highlight>
+                  <a:srgbClr val="FFFF00"/>
+                </a:highlight>
+              </a:rPr>
               <a:t>Academically satisfying, but not good at producing systems beyond the demo phase</a:t>
             </a:r>
           </a:p>
@@ -15004,54 +15469,86 @@
           <a:lstStyle/>
           <a:p>
             <a:r>
-              <a:rPr lang="en-US" dirty="0"/>
+              <a:rPr lang="en-US" dirty="0">
+                <a:highlight>
+                  <a:srgbClr val="FFFF00"/>
+                </a:highlight>
+              </a:rPr>
               <a:t>Empirical approach: learn by observing language as it's used "in the wild"</a:t>
             </a:r>
           </a:p>
           <a:p>
             <a:r>
-              <a:rPr lang="en-US" dirty="0"/>
+              <a:rPr lang="en-US" dirty="0">
+                <a:highlight>
+                  <a:srgbClr val="FFFF00"/>
+                </a:highlight>
+              </a:rPr>
               <a:t>Many different names:</a:t>
             </a:r>
           </a:p>
           <a:p>
             <a:pPr lvl="1"/>
             <a:r>
-              <a:rPr lang="en-US" dirty="0"/>
+              <a:rPr lang="en-US" dirty="0">
+                <a:highlight>
+                  <a:srgbClr val="FFFF00"/>
+                </a:highlight>
+              </a:rPr>
               <a:t>Corpus Linguistics</a:t>
             </a:r>
           </a:p>
           <a:p>
             <a:pPr lvl="1"/>
             <a:r>
-              <a:rPr lang="en-US" dirty="0"/>
+              <a:rPr lang="en-US" dirty="0">
+                <a:highlight>
+                  <a:srgbClr val="FFFF00"/>
+                </a:highlight>
+              </a:rPr>
               <a:t>Empirical NLP</a:t>
             </a:r>
           </a:p>
           <a:p>
             <a:pPr lvl="1"/>
             <a:r>
-              <a:rPr lang="en-US" dirty="0"/>
+              <a:rPr lang="en-US" dirty="0">
+                <a:highlight>
+                  <a:srgbClr val="FFFF00"/>
+                </a:highlight>
+              </a:rPr>
               <a:t>Statistical NLP</a:t>
             </a:r>
           </a:p>
           <a:p>
             <a:r>
-              <a:rPr lang="en-US" dirty="0"/>
+              <a:rPr lang="en-US" dirty="0">
+                <a:highlight>
+                  <a:srgbClr val="FFFF00"/>
+                </a:highlight>
+              </a:rPr>
               <a:t>Central tools:</a:t>
             </a:r>
           </a:p>
           <a:p>
             <a:pPr lvl="1"/>
             <a:r>
-              <a:rPr lang="en-US" dirty="0"/>
+              <a:rPr lang="en-US" dirty="0">
+                <a:highlight>
+                  <a:srgbClr val="FFFF00"/>
+                </a:highlight>
+              </a:rPr>
               <a:t>Corpus</a:t>
             </a:r>
           </a:p>
           <a:p>
             <a:pPr lvl="1"/>
             <a:r>
-              <a:rPr lang="en-US" dirty="0"/>
+              <a:rPr lang="en-US" dirty="0">
+                <a:highlight>
+                  <a:srgbClr val="FFFF00"/>
+                </a:highlight>
+              </a:rPr>
               <a:t>Thing to count with (i.e. statistics)</a:t>
             </a:r>
           </a:p>
@@ -18803,31 +19300,51 @@
           <a:lstStyle/>
           <a:p>
             <a:r>
-              <a:rPr lang="en-US" dirty="0"/>
+              <a:rPr lang="en-US" dirty="0">
+                <a:highlight>
+                  <a:srgbClr val="FFFF00"/>
+                </a:highlight>
+              </a:rPr>
               <a:t>Generalize patterns as they actually exist (i.e. bottom-up, not top-down)</a:t>
             </a:r>
           </a:p>
           <a:p>
             <a:r>
-              <a:rPr lang="en-US" dirty="0"/>
+              <a:rPr lang="en-US" dirty="0">
+                <a:highlight>
+                  <a:srgbClr val="FFFF00"/>
+                </a:highlight>
+              </a:rPr>
               <a:t>Little need for knowledge (just count)</a:t>
             </a:r>
           </a:p>
           <a:p>
             <a:r>
-              <a:rPr lang="en-US" dirty="0"/>
+              <a:rPr lang="en-US" dirty="0">
+                <a:highlight>
+                  <a:srgbClr val="FFFF00"/>
+                </a:highlight>
+              </a:rPr>
               <a:t>Systems are robust and adaptable (change domain by changing corpus)</a:t>
             </a:r>
           </a:p>
           <a:p>
             <a:r>
-              <a:rPr lang="en-US" dirty="0"/>
+              <a:rPr lang="en-US" dirty="0">
+                <a:highlight>
+                  <a:srgbClr val="FFFF00"/>
+                </a:highlight>
+              </a:rPr>
               <a:t>Systems degrade more gracefully (corner cases captured in data)</a:t>
             </a:r>
           </a:p>
           <a:p>
             <a:r>
-              <a:rPr lang="en-US" u="sng" dirty="0"/>
+              <a:rPr lang="en-US" u="sng" dirty="0">
+                <a:highlight>
+                  <a:srgbClr val="FFFF00"/>
+                </a:highlight>
+              </a:rPr>
               <a:t>Evaluations are (more) meaningful</a:t>
             </a:r>
           </a:p>
@@ -23090,21 +23607,37 @@
           <a:lstStyle/>
           <a:p>
             <a:r>
-              <a:rPr lang="en-US" dirty="0"/>
+              <a:rPr lang="en-US" dirty="0">
+                <a:highlight>
+                  <a:srgbClr val="FFFF00"/>
+                </a:highlight>
+              </a:rPr>
               <a:t>Bound by data </a:t>
             </a:r>
             <a:r>
-              <a:rPr lang="mr-IN" dirty="0"/>
+              <a:rPr lang="mr-IN" dirty="0">
+                <a:highlight>
+                  <a:srgbClr val="FFFF00"/>
+                </a:highlight>
+              </a:rPr>
               <a:t>–</a:t>
             </a:r>
             <a:r>
-              <a:rPr lang="en-US" dirty="0"/>
+              <a:rPr lang="en-US" dirty="0">
+                <a:highlight>
+                  <a:srgbClr val="FFFF00"/>
+                </a:highlight>
+              </a:rPr>
               <a:t> can't model what you can't see</a:t>
             </a:r>
           </a:p>
           <a:p>
             <a:r>
-              <a:rPr lang="en-US" dirty="0"/>
+              <a:rPr lang="en-US" dirty="0">
+                <a:highlight>
+                  <a:srgbClr val="FFFF00"/>
+                </a:highlight>
+              </a:rPr>
               <a:t>Big Data methods fail when the data is small  </a:t>
             </a:r>
           </a:p>
@@ -23226,48 +23759,76 @@
           <a:lstStyle/>
           <a:p>
             <a:r>
-              <a:rPr lang="en-US" dirty="0"/>
+              <a:rPr lang="en-US" dirty="0">
+                <a:highlight>
+                  <a:srgbClr val="FFFF00"/>
+                </a:highlight>
+              </a:rPr>
               <a:t>Corpus (pl. corpora): a collection of (natural language) text systematically gathered and organized in some manner</a:t>
             </a:r>
           </a:p>
           <a:p>
             <a:r>
-              <a:rPr lang="en-US" dirty="0"/>
+              <a:rPr lang="en-US" dirty="0">
+                <a:highlight>
+                  <a:srgbClr val="FFFF00"/>
+                </a:highlight>
+              </a:rPr>
               <a:t>Features</a:t>
             </a:r>
           </a:p>
           <a:p>
             <a:pPr lvl="1"/>
             <a:r>
-              <a:rPr lang="en-US" dirty="0"/>
+              <a:rPr lang="en-US" dirty="0">
+                <a:highlight>
+                  <a:srgbClr val="FFFF00"/>
+                </a:highlight>
+              </a:rPr>
               <a:t>Size</a:t>
             </a:r>
           </a:p>
           <a:p>
             <a:pPr lvl="1"/>
             <a:r>
-              <a:rPr lang="en-US" dirty="0"/>
+              <a:rPr lang="en-US" dirty="0">
+                <a:highlight>
+                  <a:srgbClr val="FFFF00"/>
+                </a:highlight>
+              </a:rPr>
               <a:t>Balanced/domain</a:t>
             </a:r>
           </a:p>
           <a:p>
             <a:pPr lvl="1"/>
             <a:r>
-              <a:rPr lang="en-US" dirty="0"/>
+              <a:rPr lang="en-US" dirty="0">
+                <a:highlight>
+                  <a:srgbClr val="FFFF00"/>
+                </a:highlight>
+              </a:rPr>
               <a:t>Written/Spoken</a:t>
             </a:r>
           </a:p>
           <a:p>
             <a:pPr lvl="1"/>
             <a:r>
-              <a:rPr lang="en-US" dirty="0"/>
+              <a:rPr lang="en-US" dirty="0">
+                <a:highlight>
+                  <a:srgbClr val="FFFF00"/>
+                </a:highlight>
+              </a:rPr>
               <a:t>Raw/Annotated</a:t>
             </a:r>
           </a:p>
           <a:p>
             <a:pPr lvl="1"/>
             <a:r>
-              <a:rPr lang="en-US" dirty="0"/>
+              <a:rPr lang="en-US" dirty="0">
+                <a:highlight>
+                  <a:srgbClr val="FFFF00"/>
+                </a:highlight>
+              </a:rPr>
               <a:t>Free/Pay</a:t>
             </a:r>
           </a:p>
@@ -23280,48 +23841,100 @@
           <a:p>
             <a:pPr lvl="1"/>
             <a:r>
+              <a:rPr lang="en-US" dirty="0">
+                <a:highlight>
+                  <a:srgbClr val="FFFF00"/>
+                </a:highlight>
+              </a:rPr>
+              <a:t>Brown Corpus</a:t>
+            </a:r>
+            <a:r>
               <a:rPr lang="en-US" dirty="0"/>
-              <a:t>Brown Corpus: 1m words balanced English text, POS tags</a:t>
+              <a:t>: 1m words balanced English text, POS tags</a:t>
             </a:r>
           </a:p>
           <a:p>
             <a:pPr lvl="1"/>
             <a:r>
+              <a:rPr lang="en-US" dirty="0">
+                <a:highlight>
+                  <a:srgbClr val="FFFF00"/>
+                </a:highlight>
+              </a:rPr>
+              <a:t>Wall Street Journal: </a:t>
+            </a:r>
+            <a:r>
               <a:rPr lang="en-US" dirty="0"/>
-              <a:t>Wall Street Journal: 1m words English news text, syntax trees</a:t>
+              <a:t>1m words English news text, syntax trees</a:t>
             </a:r>
           </a:p>
           <a:p>
             <a:pPr lvl="1"/>
             <a:r>
+              <a:rPr lang="en-US" dirty="0">
+                <a:highlight>
+                  <a:srgbClr val="FFFF00"/>
+                </a:highlight>
+              </a:rPr>
+              <a:t>Canadian Hansards: </a:t>
+            </a:r>
+            <a:r>
               <a:rPr lang="en-US" dirty="0"/>
-              <a:t>Canadian Hansards: 10m words French/English parliamentary text, aligned at sentence level</a:t>
+              <a:t>10m words French/English parliamentary text, aligned at sentence level</a:t>
             </a:r>
           </a:p>
           <a:p>
             <a:pPr lvl="1"/>
             <a:r>
-              <a:rPr lang="en-US" dirty="0" err="1"/>
+              <a:rPr lang="en-US" dirty="0" err="1">
+                <a:highlight>
+                  <a:srgbClr val="FFFF00"/>
+                </a:highlight>
+              </a:rPr>
               <a:t>Clueweb</a:t>
             </a:r>
             <a:r>
+              <a:rPr lang="en-US" dirty="0">
+                <a:highlight>
+                  <a:srgbClr val="FFFF00"/>
+                </a:highlight>
+              </a:rPr>
+              <a:t> 12: </a:t>
+            </a:r>
+            <a:r>
               <a:rPr lang="en-US" dirty="0"/>
-              <a:t> 12: 100+b words English web text</a:t>
+              <a:t>100+b words English web text</a:t>
             </a:r>
           </a:p>
           <a:p>
             <a:pPr lvl="1"/>
             <a:r>
+              <a:rPr lang="en-US" dirty="0">
+                <a:highlight>
+                  <a:srgbClr val="FFFF00"/>
+                </a:highlight>
+              </a:rPr>
+              <a:t>Google books </a:t>
+            </a:r>
+            <a:r>
+              <a:rPr lang="en-US" dirty="0" err="1">
+                <a:highlight>
+                  <a:srgbClr val="FFFF00"/>
+                </a:highlight>
+              </a:rPr>
+              <a:t>ngrams</a:t>
+            </a:r>
+            <a:r>
+              <a:rPr lang="en-US" dirty="0">
+                <a:highlight>
+                  <a:srgbClr val="FFFF00"/>
+                </a:highlight>
+              </a:rPr>
+              <a:t>: </a:t>
+            </a:r>
+            <a:r>
               <a:rPr lang="en-US" dirty="0"/>
-              <a:t>Google books </a:t>
-            </a:r>
-            <a:r>
-              <a:rPr lang="en-US" dirty="0" err="1"/>
-              <a:t>ngrams</a:t>
-            </a:r>
-            <a:r>
-              <a:rPr lang="en-US" dirty="0"/>
-              <a:t>: 500B words</a:t>
+              <a:t>500B words</a:t>
             </a:r>
           </a:p>
           <a:p>
@@ -23398,40 +24011,64 @@
           <a:lstStyle/>
           <a:p>
             <a:r>
-              <a:rPr lang="en-US" dirty="0"/>
+              <a:rPr lang="en-US" dirty="0">
+                <a:highlight>
+                  <a:srgbClr val="FFFF00"/>
+                </a:highlight>
+              </a:rPr>
               <a:t>We'd like to get examples of all linguistic phenomena, ideally several times so we know how likely they are to occur</a:t>
             </a:r>
           </a:p>
           <a:p>
             <a:r>
-              <a:rPr lang="en-US" dirty="0"/>
+              <a:rPr lang="en-US" dirty="0">
+                <a:highlight>
+                  <a:srgbClr val="FFFF00"/>
+                </a:highlight>
+              </a:rPr>
               <a:t>How big should a corpus be to get every possible sentence in English?</a:t>
             </a:r>
           </a:p>
           <a:p>
             <a:pPr lvl="1"/>
             <a:r>
-              <a:rPr lang="en-US" dirty="0"/>
+              <a:rPr lang="en-US" dirty="0">
+                <a:highlight>
+                  <a:srgbClr val="FFFF00"/>
+                </a:highlight>
+              </a:rPr>
               <a:t>Every possible idea?</a:t>
             </a:r>
           </a:p>
           <a:p>
             <a:pPr lvl="1"/>
             <a:r>
-              <a:rPr lang="en-US" dirty="0"/>
+              <a:rPr lang="en-US" dirty="0">
+                <a:highlight>
+                  <a:srgbClr val="FFFF00"/>
+                </a:highlight>
+              </a:rPr>
               <a:t>Every 5-word phrase?</a:t>
             </a:r>
           </a:p>
           <a:p>
             <a:pPr lvl="1"/>
             <a:r>
-              <a:rPr lang="en-US" dirty="0"/>
+              <a:rPr lang="en-US" dirty="0">
+                <a:highlight>
+                  <a:srgbClr val="FFFF00"/>
+                </a:highlight>
+              </a:rPr>
               <a:t>Every word? </a:t>
             </a:r>
           </a:p>
           <a:p>
             <a:r>
-              <a:rPr lang="en-US" dirty="0"/>
+              <a:rPr lang="en-US" dirty="0">
+                <a:highlight>
+                  <a:srgbClr val="FFFF00"/>
+                </a:highlight>
+              </a:rPr>
               <a:t>None of these are possible!</a:t>
             </a:r>
           </a:p>

--- a/corpora_0824.pptx
+++ b/corpora_0824.pptx
@@ -353,7 +353,7 @@
           <a:p>
             <a:fld id="{9F1E0F38-215A-184B-9A66-026E7DBC7BFE}" type="datetimeFigureOut">
               <a:rPr lang="en-US" smtClean="0"/>
-              <a:t>9/3/2018</a:t>
+              <a:t>9/30/18</a:t>
             </a:fld>
             <a:endParaRPr lang="en-US"/>
           </a:p>
@@ -751,29 +751,6 @@
             <a:endParaRPr lang="en-US" dirty="0"/>
           </a:p>
           <a:p>
-            <a:pPr marL="0" marR="0" lvl="0" indent="0" algn="l" defTabSz="914400" rtl="0" eaLnBrk="1" fontAlgn="auto" latinLnBrk="0" hangingPunct="1">
-              <a:lnSpc>
-                <a:spcPct val="100000"/>
-              </a:lnSpc>
-              <a:spcBef>
-                <a:spcPts val="0"/>
-              </a:spcBef>
-              <a:spcAft>
-                <a:spcPts val="0"/>
-              </a:spcAft>
-              <a:buClrTx/>
-              <a:buSzTx/>
-              <a:buFontTx/>
-              <a:buNone/>
-              <a:tabLst/>
-              <a:defRPr/>
-            </a:pPr>
-            <a:r>
-              <a:rPr lang="en-US" dirty="0"/>
-              <a:t>These are analogues to the commands run in class but different names of files were used</a:t>
-            </a:r>
-          </a:p>
-          <a:p>
             <a:endParaRPr lang="en-US" dirty="0"/>
           </a:p>
         </p:txBody>
@@ -795,7 +772,7 @@
           <a:p>
             <a:fld id="{8CE0FD87-9A44-5E45-8C0E-52F1E538B50D}" type="slidenum">
               <a:rPr lang="en-US" smtClean="0"/>
-              <a:t>34</a:t>
+              <a:t>33</a:t>
             </a:fld>
             <a:endParaRPr lang="en-US"/>
           </a:p>
@@ -804,7 +781,7 @@
     </p:spTree>
     <p:extLst>
       <p:ext uri="{BB962C8B-B14F-4D97-AF65-F5344CB8AC3E}">
-        <p14:creationId xmlns:p14="http://schemas.microsoft.com/office/powerpoint/2010/main" val="117025507"/>
+        <p14:creationId xmlns:p14="http://schemas.microsoft.com/office/powerpoint/2010/main" val="867959341"/>
       </p:ext>
     </p:extLst>
   </p:cSld>
@@ -858,10 +835,33 @@
           <a:bodyPr/>
           <a:lstStyle/>
           <a:p>
+            <a:endParaRPr lang="en-US" dirty="0"/>
+          </a:p>
+          <a:p>
+            <a:pPr marL="0" marR="0" lvl="0" indent="0" algn="l" defTabSz="914400" rtl="0" eaLnBrk="1" fontAlgn="auto" latinLnBrk="0" hangingPunct="1">
+              <a:lnSpc>
+                <a:spcPct val="100000"/>
+              </a:lnSpc>
+              <a:spcBef>
+                <a:spcPts val="0"/>
+              </a:spcBef>
+              <a:spcAft>
+                <a:spcPts val="0"/>
+              </a:spcAft>
+              <a:buClrTx/>
+              <a:buSzTx/>
+              <a:buFontTx/>
+              <a:buNone/>
+              <a:tabLst/>
+              <a:defRPr/>
+            </a:pPr>
             <a:r>
               <a:rPr lang="en-US" dirty="0"/>
-              <a:t>take top 10 from training, ask for shout</a:t>
-            </a:r>
+              <a:t>These are analogues to the commands run in class but different names of files were used</a:t>
+            </a:r>
+          </a:p>
+          <a:p>
+            <a:endParaRPr lang="en-US" dirty="0"/>
           </a:p>
         </p:txBody>
       </p:sp>
@@ -882,7 +882,7 @@
           <a:p>
             <a:fld id="{8CE0FD87-9A44-5E45-8C0E-52F1E538B50D}" type="slidenum">
               <a:rPr lang="en-US" smtClean="0"/>
-              <a:t>37</a:t>
+              <a:t>34</a:t>
             </a:fld>
             <a:endParaRPr lang="en-US"/>
           </a:p>
@@ -891,7 +891,7 @@
     </p:spTree>
     <p:extLst>
       <p:ext uri="{BB962C8B-B14F-4D97-AF65-F5344CB8AC3E}">
-        <p14:creationId xmlns:p14="http://schemas.microsoft.com/office/powerpoint/2010/main" val="1589492952"/>
+        <p14:creationId xmlns:p14="http://schemas.microsoft.com/office/powerpoint/2010/main" val="117025507"/>
       </p:ext>
     </p:extLst>
   </p:cSld>
@@ -945,7 +945,10 @@
           <a:bodyPr/>
           <a:lstStyle/>
           <a:p>
-            <a:endParaRPr lang="en-US" dirty="0"/>
+            <a:r>
+              <a:rPr lang="en-US" dirty="0"/>
+              <a:t>take top 10 from training, ask for shout</a:t>
+            </a:r>
           </a:p>
         </p:txBody>
       </p:sp>
@@ -966,7 +969,7 @@
           <a:p>
             <a:fld id="{8CE0FD87-9A44-5E45-8C0E-52F1E538B50D}" type="slidenum">
               <a:rPr lang="en-US" smtClean="0"/>
-              <a:t>42</a:t>
+              <a:t>37</a:t>
             </a:fld>
             <a:endParaRPr lang="en-US"/>
           </a:p>
@@ -975,7 +978,7 @@
     </p:spTree>
     <p:extLst>
       <p:ext uri="{BB962C8B-B14F-4D97-AF65-F5344CB8AC3E}">
-        <p14:creationId xmlns:p14="http://schemas.microsoft.com/office/powerpoint/2010/main" val="1884884858"/>
+        <p14:creationId xmlns:p14="http://schemas.microsoft.com/office/powerpoint/2010/main" val="1589492952"/>
       </p:ext>
     </p:extLst>
   </p:cSld>
@@ -1004,6 +1007,90 @@
       </p:grpSpPr>
       <p:sp>
         <p:nvSpPr>
+          <p:cNvPr id="2" name="Slide Image Placeholder 1"/>
+          <p:cNvSpPr>
+            <a:spLocks noGrp="1" noRot="1" noChangeAspect="1"/>
+          </p:cNvSpPr>
+          <p:nvPr>
+            <p:ph type="sldImg"/>
+          </p:nvPr>
+        </p:nvSpPr>
+        <p:spPr/>
+      </p:sp>
+      <p:sp>
+        <p:nvSpPr>
+          <p:cNvPr id="3" name="Notes Placeholder 2"/>
+          <p:cNvSpPr>
+            <a:spLocks noGrp="1"/>
+          </p:cNvSpPr>
+          <p:nvPr>
+            <p:ph type="body" idx="1"/>
+          </p:nvPr>
+        </p:nvSpPr>
+        <p:spPr/>
+        <p:txBody>
+          <a:bodyPr/>
+          <a:lstStyle/>
+          <a:p>
+            <a:endParaRPr lang="en-US" dirty="0"/>
+          </a:p>
+        </p:txBody>
+      </p:sp>
+      <p:sp>
+        <p:nvSpPr>
+          <p:cNvPr id="4" name="Slide Number Placeholder 3"/>
+          <p:cNvSpPr>
+            <a:spLocks noGrp="1"/>
+          </p:cNvSpPr>
+          <p:nvPr>
+            <p:ph type="sldNum" sz="quarter" idx="10"/>
+          </p:nvPr>
+        </p:nvSpPr>
+        <p:spPr/>
+        <p:txBody>
+          <a:bodyPr/>
+          <a:lstStyle/>
+          <a:p>
+            <a:fld id="{8CE0FD87-9A44-5E45-8C0E-52F1E538B50D}" type="slidenum">
+              <a:rPr lang="en-US" smtClean="0"/>
+              <a:t>42</a:t>
+            </a:fld>
+            <a:endParaRPr lang="en-US"/>
+          </a:p>
+        </p:txBody>
+      </p:sp>
+    </p:spTree>
+    <p:extLst>
+      <p:ext uri="{BB962C8B-B14F-4D97-AF65-F5344CB8AC3E}">
+        <p14:creationId xmlns:p14="http://schemas.microsoft.com/office/powerpoint/2010/main" val="1884884858"/>
+      </p:ext>
+    </p:extLst>
+  </p:cSld>
+  <p:clrMapOvr>
+    <a:masterClrMapping/>
+  </p:clrMapOvr>
+</p:notes>
+</file>
+
+<file path=ppt/notesSlides/notesSlide14.xml><?xml version="1.0" encoding="utf-8"?>
+<p:notes xmlns:a="http://schemas.openxmlformats.org/drawingml/2006/main" xmlns:r="http://schemas.openxmlformats.org/officeDocument/2006/relationships" xmlns:p="http://schemas.openxmlformats.org/presentationml/2006/main">
+  <p:cSld>
+    <p:spTree>
+      <p:nvGrpSpPr>
+        <p:cNvPr id="1" name=""/>
+        <p:cNvGrpSpPr/>
+        <p:nvPr/>
+      </p:nvGrpSpPr>
+      <p:grpSpPr>
+        <a:xfrm>
+          <a:off x="0" y="0"/>
+          <a:ext cx="0" cy="0"/>
+          <a:chOff x="0" y="0"/>
+          <a:chExt cx="0" cy="0"/>
+        </a:xfrm>
+      </p:grpSpPr>
+      <p:sp>
+        <p:nvSpPr>
           <p:cNvPr id="17410" name="Rectangle 7"/>
           <p:cNvSpPr>
             <a:spLocks noGrp="1" noChangeArrowheads="1"/>
@@ -1017,14 +1104,14 @@
           <a:ln/>
           <a:extLst>
             <a:ext uri="{909E8E84-426E-40dd-AFC4-6F175D3DCCD1}">
-              <a14:hiddenFill xmlns:a14="http://schemas.microsoft.com/office/drawing/2010/main" xmlns="">
+              <a14:hiddenFill xmlns="" xmlns:a14="http://schemas.microsoft.com/office/drawing/2010/main">
                 <a:solidFill>
                   <a:srgbClr val="FFFFFF"/>
                 </a:solidFill>
               </a14:hiddenFill>
             </a:ext>
             <a:ext uri="{91240B29-F687-4f45-9708-019B960494DF}">
-              <a14:hiddenLine xmlns:a14="http://schemas.microsoft.com/office/drawing/2010/main" xmlns="" w="9525">
+              <a14:hiddenLine xmlns="" xmlns:a14="http://schemas.microsoft.com/office/drawing/2010/main" w="9525">
                 <a:solidFill>
                   <a:srgbClr val="000000"/>
                 </a:solidFill>
@@ -1189,17 +1276,17 @@
           <a:ln/>
           <a:extLst>
             <a:ext uri="{FAA26D3D-D897-4be2-8F04-BA451C77F1D7}">
-              <ma14:placeholderFlag xmlns="" xmlns:ma14="http://schemas.microsoft.com/office/mac/drawingml/2011/main" val="1"/>
+              <ma14:placeholderFlag xmlns:ma14="http://schemas.microsoft.com/office/mac/drawingml/2011/main" xmlns="" val="1"/>
             </a:ext>
             <a:ext uri="{909E8E84-426E-40dd-AFC4-6F175D3DCCD1}">
-              <a14:hiddenFill xmlns:a14="http://schemas.microsoft.com/office/drawing/2010/main" xmlns="">
+              <a14:hiddenFill xmlns="" xmlns:a14="http://schemas.microsoft.com/office/drawing/2010/main">
                 <a:solidFill>
                   <a:srgbClr val="FFFFFF"/>
                 </a:solidFill>
               </a14:hiddenFill>
             </a:ext>
             <a:ext uri="{91240B29-F687-4f45-9708-019B960494DF}">
-              <a14:hiddenLine xmlns:a14="http://schemas.microsoft.com/office/drawing/2010/main" xmlns="" w="9525">
+              <a14:hiddenLine xmlns="" xmlns:a14="http://schemas.microsoft.com/office/drawing/2010/main" w="9525">
                 <a:solidFill>
                   <a:srgbClr val="000000"/>
                 </a:solidFill>
@@ -1564,108 +1651,6 @@
     <p:extLst>
       <p:ext uri="{BB962C8B-B14F-4D97-AF65-F5344CB8AC3E}">
         <p14:creationId xmlns:p14="http://schemas.microsoft.com/office/powerpoint/2010/main" val="625737646"/>
-      </p:ext>
-    </p:extLst>
-  </p:cSld>
-  <p:clrMapOvr>
-    <a:masterClrMapping/>
-  </p:clrMapOvr>
-</p:notes>
-</file>
-
-<file path=ppt/notesSlides/notesSlide14.xml><?xml version="1.0" encoding="utf-8"?>
-<p:notes xmlns:a="http://schemas.openxmlformats.org/drawingml/2006/main" xmlns:r="http://schemas.openxmlformats.org/officeDocument/2006/relationships" xmlns:p="http://schemas.openxmlformats.org/presentationml/2006/main">
-  <p:cSld>
-    <p:spTree>
-      <p:nvGrpSpPr>
-        <p:cNvPr id="1" name=""/>
-        <p:cNvGrpSpPr/>
-        <p:nvPr/>
-      </p:nvGrpSpPr>
-      <p:grpSpPr>
-        <a:xfrm>
-          <a:off x="0" y="0"/>
-          <a:ext cx="0" cy="0"/>
-          <a:chOff x="0" y="0"/>
-          <a:chExt cx="0" cy="0"/>
-        </a:xfrm>
-      </p:grpSpPr>
-      <p:sp>
-        <p:nvSpPr>
-          <p:cNvPr id="70658" name="Rectangle 7"/>
-          <p:cNvSpPr>
-            <a:spLocks noGrp="1" noChangeArrowheads="1"/>
-          </p:cNvSpPr>
-          <p:nvPr>
-            <p:ph type="sldNum" sz="quarter" idx="5"/>
-          </p:nvPr>
-        </p:nvSpPr>
-        <p:spPr>
-          <a:noFill/>
-        </p:spPr>
-        <p:txBody>
-          <a:bodyPr/>
-          <a:lstStyle/>
-          <a:p>
-            <a:fld id="{2E64B176-3CE7-6A41-BE1E-57EEC52B0665}" type="slidenum">
-              <a:rPr lang="en-US"/>
-              <a:pPr/>
-              <a:t>45</a:t>
-            </a:fld>
-            <a:endParaRPr lang="en-US"/>
-          </a:p>
-        </p:txBody>
-      </p:sp>
-      <p:sp>
-        <p:nvSpPr>
-          <p:cNvPr id="70659" name="Rectangle 2"/>
-          <p:cNvSpPr>
-            <a:spLocks noGrp="1" noRot="1" noChangeAspect="1" noChangeArrowheads="1"/>
-          </p:cNvSpPr>
-          <p:nvPr>
-            <p:ph type="sldImg"/>
-          </p:nvPr>
-        </p:nvSpPr>
-        <p:spPr>
-          <a:solidFill>
-            <a:srgbClr val="FFFFFF"/>
-          </a:solidFill>
-          <a:ln/>
-        </p:spPr>
-      </p:sp>
-      <p:sp>
-        <p:nvSpPr>
-          <p:cNvPr id="70660" name="Rectangle 3"/>
-          <p:cNvSpPr>
-            <a:spLocks noGrp="1" noChangeArrowheads="1"/>
-          </p:cNvSpPr>
-          <p:nvPr>
-            <p:ph type="body" idx="1"/>
-          </p:nvPr>
-        </p:nvSpPr>
-        <p:spPr>
-          <a:solidFill>
-            <a:srgbClr val="FFFFFF"/>
-          </a:solidFill>
-          <a:ln>
-            <a:solidFill>
-              <a:srgbClr val="000000"/>
-            </a:solidFill>
-          </a:ln>
-        </p:spPr>
-        <p:txBody>
-          <a:bodyPr/>
-          <a:lstStyle/>
-          <a:p>
-            <a:pPr eaLnBrk="1" hangingPunct="1"/>
-            <a:endParaRPr lang="en-US"/>
-          </a:p>
-        </p:txBody>
-      </p:sp>
-    </p:spTree>
-    <p:extLst>
-      <p:ext uri="{BB962C8B-B14F-4D97-AF65-F5344CB8AC3E}">
-        <p14:creationId xmlns:p14="http://schemas.microsoft.com/office/powerpoint/2010/main" val="1960119039"/>
       </p:ext>
     </p:extLst>
   </p:cSld>
@@ -1694,7 +1679,7 @@
       </p:grpSpPr>
       <p:sp>
         <p:nvSpPr>
-          <p:cNvPr id="72706" name="Rectangle 7"/>
+          <p:cNvPr id="70658" name="Rectangle 7"/>
           <p:cNvSpPr>
             <a:spLocks noGrp="1" noChangeArrowheads="1"/>
           </p:cNvSpPr>
@@ -1709,10 +1694,10 @@
           <a:bodyPr/>
           <a:lstStyle/>
           <a:p>
-            <a:fld id="{AD123507-3658-094F-A348-B086D6EDE221}" type="slidenum">
+            <a:fld id="{2E64B176-3CE7-6A41-BE1E-57EEC52B0665}" type="slidenum">
               <a:rPr lang="en-US"/>
               <a:pPr/>
-              <a:t>46</a:t>
+              <a:t>45</a:t>
             </a:fld>
             <a:endParaRPr lang="en-US"/>
           </a:p>
@@ -1720,9 +1705,9 @@
       </p:sp>
       <p:sp>
         <p:nvSpPr>
-          <p:cNvPr id="72707" name="Rectangle 2"/>
-          <p:cNvSpPr>
-            <a:spLocks noGrp="1" noRot="1" noChangeAspect="1" noChangeArrowheads="1" noTextEdit="1"/>
+          <p:cNvPr id="70659" name="Rectangle 2"/>
+          <p:cNvSpPr>
+            <a:spLocks noGrp="1" noRot="1" noChangeAspect="1" noChangeArrowheads="1"/>
           </p:cNvSpPr>
           <p:nvPr>
             <p:ph type="sldImg"/>
@@ -1737,7 +1722,7 @@
       </p:sp>
       <p:sp>
         <p:nvSpPr>
-          <p:cNvPr id="72708" name="Rectangle 3"/>
+          <p:cNvPr id="70660" name="Rectangle 3"/>
           <p:cNvSpPr>
             <a:spLocks noGrp="1" noChangeArrowheads="1"/>
           </p:cNvSpPr>
@@ -1746,10 +1731,6 @@
           </p:nvPr>
         </p:nvSpPr>
         <p:spPr>
-          <a:xfrm>
-            <a:off x="912707" y="4463296"/>
-            <a:ext cx="5019887" cy="4228386"/>
-          </a:xfrm>
           <a:solidFill>
             <a:srgbClr val="FFFFFF"/>
           </a:solidFill>
@@ -1760,18 +1741,18 @@
           </a:ln>
         </p:spPr>
         <p:txBody>
-          <a:bodyPr lIns="91435" tIns="45718" rIns="91435" bIns="45718"/>
+          <a:bodyPr/>
           <a:lstStyle/>
           <a:p>
             <a:pPr eaLnBrk="1" hangingPunct="1"/>
-            <a:endParaRPr lang="en-US" b="1" dirty="0"/>
+            <a:endParaRPr lang="en-US"/>
           </a:p>
         </p:txBody>
       </p:sp>
     </p:spTree>
     <p:extLst>
       <p:ext uri="{BB962C8B-B14F-4D97-AF65-F5344CB8AC3E}">
-        <p14:creationId xmlns:p14="http://schemas.microsoft.com/office/powerpoint/2010/main" val="1905609577"/>
+        <p14:creationId xmlns:p14="http://schemas.microsoft.com/office/powerpoint/2010/main" val="1960119039"/>
       </p:ext>
     </p:extLst>
   </p:cSld>
@@ -1800,7 +1781,7 @@
       </p:grpSpPr>
       <p:sp>
         <p:nvSpPr>
-          <p:cNvPr id="74754" name="Rectangle 7"/>
+          <p:cNvPr id="72706" name="Rectangle 7"/>
           <p:cNvSpPr>
             <a:spLocks noGrp="1" noChangeArrowheads="1"/>
           </p:cNvSpPr>
@@ -1815,10 +1796,10 @@
           <a:bodyPr/>
           <a:lstStyle/>
           <a:p>
-            <a:fld id="{71945E12-28F4-EC45-9FE6-6861EFD09E6C}" type="slidenum">
+            <a:fld id="{AD123507-3658-094F-A348-B086D6EDE221}" type="slidenum">
               <a:rPr lang="en-US"/>
               <a:pPr/>
-              <a:t>47</a:t>
+              <a:t>46</a:t>
             </a:fld>
             <a:endParaRPr lang="en-US"/>
           </a:p>
@@ -1826,7 +1807,7 @@
       </p:sp>
       <p:sp>
         <p:nvSpPr>
-          <p:cNvPr id="74755" name="Rectangle 2"/>
+          <p:cNvPr id="72707" name="Rectangle 2"/>
           <p:cNvSpPr>
             <a:spLocks noGrp="1" noRot="1" noChangeAspect="1" noChangeArrowheads="1" noTextEdit="1"/>
           </p:cNvSpPr>
@@ -1843,7 +1824,7 @@
       </p:sp>
       <p:sp>
         <p:nvSpPr>
-          <p:cNvPr id="74756" name="Rectangle 3"/>
+          <p:cNvPr id="72708" name="Rectangle 3"/>
           <p:cNvSpPr>
             <a:spLocks noGrp="1" noChangeArrowheads="1"/>
           </p:cNvSpPr>
@@ -1870,17 +1851,14 @@
           <a:lstStyle/>
           <a:p>
             <a:pPr eaLnBrk="1" hangingPunct="1"/>
-            <a:r>
-              <a:rPr lang="en-US" b="1"/>
-              <a:t>^e^ BUG</a:t>
-            </a:r>
+            <a:endParaRPr lang="en-US" b="1" dirty="0"/>
           </a:p>
         </p:txBody>
       </p:sp>
     </p:spTree>
     <p:extLst>
       <p:ext uri="{BB962C8B-B14F-4D97-AF65-F5344CB8AC3E}">
-        <p14:creationId xmlns:p14="http://schemas.microsoft.com/office/powerpoint/2010/main" val="1767410477"/>
+        <p14:creationId xmlns:p14="http://schemas.microsoft.com/office/powerpoint/2010/main" val="1905609577"/>
       </p:ext>
     </p:extLst>
   </p:cSld>
@@ -1927,7 +1905,7 @@
             <a:fld id="{71945E12-28F4-EC45-9FE6-6861EFD09E6C}" type="slidenum">
               <a:rPr lang="en-US"/>
               <a:pPr/>
-              <a:t>48</a:t>
+              <a:t>47</a:t>
             </a:fld>
             <a:endParaRPr lang="en-US"/>
           </a:p>
@@ -1979,14 +1957,17 @@
           <a:lstStyle/>
           <a:p>
             <a:pPr eaLnBrk="1" hangingPunct="1"/>
-            <a:endParaRPr lang="en-US" b="1"/>
+            <a:r>
+              <a:rPr lang="en-US" b="1"/>
+              <a:t>^e^ BUG</a:t>
+            </a:r>
           </a:p>
         </p:txBody>
       </p:sp>
     </p:spTree>
     <p:extLst>
       <p:ext uri="{BB962C8B-B14F-4D97-AF65-F5344CB8AC3E}">
-        <p14:creationId xmlns:p14="http://schemas.microsoft.com/office/powerpoint/2010/main" val="1901893965"/>
+        <p14:creationId xmlns:p14="http://schemas.microsoft.com/office/powerpoint/2010/main" val="1767410477"/>
       </p:ext>
     </p:extLst>
   </p:cSld>
@@ -2015,7 +1996,7 @@
       </p:grpSpPr>
       <p:sp>
         <p:nvSpPr>
-          <p:cNvPr id="76802" name="Rectangle 7"/>
+          <p:cNvPr id="74754" name="Rectangle 7"/>
           <p:cNvSpPr>
             <a:spLocks noGrp="1" noChangeArrowheads="1"/>
           </p:cNvSpPr>
@@ -2030,10 +2011,10 @@
           <a:bodyPr/>
           <a:lstStyle/>
           <a:p>
-            <a:fld id="{48DFDE8B-28E4-4047-85D4-57A6728EBAFF}" type="slidenum">
+            <a:fld id="{71945E12-28F4-EC45-9FE6-6861EFD09E6C}" type="slidenum">
               <a:rPr lang="en-US"/>
               <a:pPr/>
-              <a:t>49</a:t>
+              <a:t>48</a:t>
             </a:fld>
             <a:endParaRPr lang="en-US"/>
           </a:p>
@@ -2041,7 +2022,7 @@
       </p:sp>
       <p:sp>
         <p:nvSpPr>
-          <p:cNvPr id="76803" name="Rectangle 2"/>
+          <p:cNvPr id="74755" name="Rectangle 2"/>
           <p:cNvSpPr>
             <a:spLocks noGrp="1" noRot="1" noChangeAspect="1" noChangeArrowheads="1" noTextEdit="1"/>
           </p:cNvSpPr>
@@ -2058,7 +2039,7 @@
       </p:sp>
       <p:sp>
         <p:nvSpPr>
-          <p:cNvPr id="76804" name="Rectangle 3"/>
+          <p:cNvPr id="74756" name="Rectangle 3"/>
           <p:cNvSpPr>
             <a:spLocks noGrp="1" noChangeArrowheads="1"/>
           </p:cNvSpPr>
@@ -2092,7 +2073,7 @@
     </p:spTree>
     <p:extLst>
       <p:ext uri="{BB962C8B-B14F-4D97-AF65-F5344CB8AC3E}">
-        <p14:creationId xmlns:p14="http://schemas.microsoft.com/office/powerpoint/2010/main" val="942608810"/>
+        <p14:creationId xmlns:p14="http://schemas.microsoft.com/office/powerpoint/2010/main" val="1901893965"/>
       </p:ext>
     </p:extLst>
   </p:cSld>
@@ -2121,7 +2102,7 @@
       </p:grpSpPr>
       <p:sp>
         <p:nvSpPr>
-          <p:cNvPr id="78850" name="Rectangle 7"/>
+          <p:cNvPr id="76802" name="Rectangle 7"/>
           <p:cNvSpPr>
             <a:spLocks noGrp="1" noChangeArrowheads="1"/>
           </p:cNvSpPr>
@@ -2136,10 +2117,10 @@
           <a:bodyPr/>
           <a:lstStyle/>
           <a:p>
-            <a:fld id="{1B422F39-6D47-7E4A-B2A9-7EB2D50CD805}" type="slidenum">
+            <a:fld id="{48DFDE8B-28E4-4047-85D4-57A6728EBAFF}" type="slidenum">
               <a:rPr lang="en-US"/>
               <a:pPr/>
-              <a:t>50</a:t>
+              <a:t>49</a:t>
             </a:fld>
             <a:endParaRPr lang="en-US"/>
           </a:p>
@@ -2147,7 +2128,7 @@
       </p:sp>
       <p:sp>
         <p:nvSpPr>
-          <p:cNvPr id="78851" name="Rectangle 2"/>
+          <p:cNvPr id="76803" name="Rectangle 2"/>
           <p:cNvSpPr>
             <a:spLocks noGrp="1" noRot="1" noChangeAspect="1" noChangeArrowheads="1" noTextEdit="1"/>
           </p:cNvSpPr>
@@ -2164,7 +2145,7 @@
       </p:sp>
       <p:sp>
         <p:nvSpPr>
-          <p:cNvPr id="78852" name="Rectangle 3"/>
+          <p:cNvPr id="76804" name="Rectangle 3"/>
           <p:cNvSpPr>
             <a:spLocks noGrp="1" noChangeArrowheads="1"/>
           </p:cNvSpPr>
@@ -2198,7 +2179,7 @@
     </p:spTree>
     <p:extLst>
       <p:ext uri="{BB962C8B-B14F-4D97-AF65-F5344CB8AC3E}">
-        <p14:creationId xmlns:p14="http://schemas.microsoft.com/office/powerpoint/2010/main" val="2043678671"/>
+        <p14:creationId xmlns:p14="http://schemas.microsoft.com/office/powerpoint/2010/main" val="942608810"/>
       </p:ext>
     </p:extLst>
   </p:cSld>
@@ -2311,7 +2292,7 @@
       </p:grpSpPr>
       <p:sp>
         <p:nvSpPr>
-          <p:cNvPr id="82946" name="Rectangle 7"/>
+          <p:cNvPr id="78850" name="Rectangle 7"/>
           <p:cNvSpPr>
             <a:spLocks noGrp="1" noChangeArrowheads="1"/>
           </p:cNvSpPr>
@@ -2326,10 +2307,10 @@
           <a:bodyPr/>
           <a:lstStyle/>
           <a:p>
-            <a:fld id="{E0D70C18-464E-3545-9CA1-FC88A632BD18}" type="slidenum">
+            <a:fld id="{1B422F39-6D47-7E4A-B2A9-7EB2D50CD805}" type="slidenum">
               <a:rPr lang="en-US"/>
               <a:pPr/>
-              <a:t>51</a:t>
+              <a:t>50</a:t>
             </a:fld>
             <a:endParaRPr lang="en-US"/>
           </a:p>
@@ -2337,9 +2318,9 @@
       </p:sp>
       <p:sp>
         <p:nvSpPr>
-          <p:cNvPr id="82947" name="Rectangle 2"/>
-          <p:cNvSpPr>
-            <a:spLocks noGrp="1" noRot="1" noChangeAspect="1" noChangeArrowheads="1"/>
+          <p:cNvPr id="78851" name="Rectangle 2"/>
+          <p:cNvSpPr>
+            <a:spLocks noGrp="1" noRot="1" noChangeAspect="1" noChangeArrowheads="1" noTextEdit="1"/>
           </p:cNvSpPr>
           <p:nvPr>
             <p:ph type="sldImg"/>
@@ -2354,7 +2335,7 @@
       </p:sp>
       <p:sp>
         <p:nvSpPr>
-          <p:cNvPr id="82948" name="Rectangle 3"/>
+          <p:cNvPr id="78852" name="Rectangle 3"/>
           <p:cNvSpPr>
             <a:spLocks noGrp="1" noChangeArrowheads="1"/>
           </p:cNvSpPr>
@@ -2363,6 +2344,10 @@
           </p:nvPr>
         </p:nvSpPr>
         <p:spPr>
+          <a:xfrm>
+            <a:off x="912707" y="4463296"/>
+            <a:ext cx="5019887" cy="4228386"/>
+          </a:xfrm>
           <a:solidFill>
             <a:srgbClr val="FFFFFF"/>
           </a:solidFill>
@@ -2373,174 +2358,18 @@
           </a:ln>
         </p:spPr>
         <p:txBody>
-          <a:bodyPr/>
+          <a:bodyPr lIns="91435" tIns="45718" rIns="91435" bIns="45718"/>
           <a:lstStyle/>
           <a:p>
             <a:pPr eaLnBrk="1" hangingPunct="1"/>
-            <a:r>
-              <a:rPr lang="en-US" dirty="0"/>
-              <a:t>[</a:t>
-            </a:r>
-            <a:r>
-              <a:rPr lang="en-US" dirty="0" err="1"/>
-              <a:t>Ww</a:t>
-            </a:r>
-            <a:r>
-              <a:rPr lang="en-US" dirty="0"/>
-              <a:t>]</a:t>
-            </a:r>
-          </a:p>
-          <a:p>
-            <a:pPr eaLnBrk="1" hangingPunct="1"/>
-            <a:r>
-              <a:rPr lang="en-US" dirty="0"/>
-              <a:t>[</a:t>
-            </a:r>
-            <a:r>
-              <a:rPr lang="en-US" dirty="0" err="1"/>
-              <a:t>em</a:t>
-            </a:r>
-            <a:r>
-              <a:rPr lang="en-US" dirty="0"/>
-              <a:t>]</a:t>
-            </a:r>
-          </a:p>
-          <a:p>
-            <a:pPr eaLnBrk="1" hangingPunct="1"/>
-            <a:r>
-              <a:rPr lang="en-US" dirty="0"/>
-              <a:t>[A-Z]</a:t>
-            </a:r>
-          </a:p>
-          <a:p>
-            <a:pPr eaLnBrk="1" hangingPunct="1"/>
-            <a:r>
-              <a:rPr lang="en-US" dirty="0"/>
-              <a:t>[a-z]</a:t>
-            </a:r>
-          </a:p>
-          <a:p>
-            <a:pPr eaLnBrk="1" hangingPunct="1"/>
-            <a:r>
-              <a:rPr lang="en-US" dirty="0"/>
-              <a:t>[A-</a:t>
-            </a:r>
-            <a:r>
-              <a:rPr lang="en-US" dirty="0" err="1"/>
-              <a:t>Za</a:t>
-            </a:r>
-            <a:r>
-              <a:rPr lang="en-US" dirty="0"/>
-              <a:t>-z]</a:t>
-            </a:r>
-          </a:p>
-          <a:p>
-            <a:pPr eaLnBrk="1" hangingPunct="1"/>
-            <a:r>
-              <a:rPr lang="en-US" dirty="0"/>
-              <a:t>[ !]</a:t>
-            </a:r>
-          </a:p>
-          <a:p>
-            <a:pPr eaLnBrk="1" hangingPunct="1"/>
-            <a:r>
-              <a:rPr lang="en-US" dirty="0"/>
-              <a:t>(slide)</a:t>
-            </a:r>
-          </a:p>
-          <a:p>
-            <a:pPr eaLnBrk="1" hangingPunct="1"/>
-            <a:r>
-              <a:rPr lang="en-US" dirty="0"/>
-              <a:t>[^A-Z]</a:t>
-            </a:r>
-          </a:p>
-          <a:p>
-            <a:pPr eaLnBrk="1" hangingPunct="1"/>
-            <a:r>
-              <a:rPr lang="en-US" dirty="0"/>
-              <a:t>[^A-</a:t>
-            </a:r>
-            <a:r>
-              <a:rPr lang="en-US" dirty="0" err="1"/>
-              <a:t>Za</a:t>
-            </a:r>
-            <a:r>
-              <a:rPr lang="en-US" dirty="0"/>
-              <a:t>-z]</a:t>
-            </a:r>
-          </a:p>
-          <a:p>
-            <a:pPr eaLnBrk="1" hangingPunct="1"/>
-            <a:r>
-              <a:rPr lang="en-US" dirty="0"/>
-              <a:t>(slide)</a:t>
-            </a:r>
-          </a:p>
-          <a:p>
-            <a:pPr eaLnBrk="1" hangingPunct="1"/>
-            <a:r>
-              <a:rPr lang="en-US" dirty="0" err="1"/>
-              <a:t>looked|step</a:t>
-            </a:r>
-            <a:endParaRPr lang="en-US" dirty="0"/>
-          </a:p>
-          <a:p>
-            <a:pPr eaLnBrk="1" hangingPunct="1"/>
-            <a:r>
-              <a:rPr lang="en-US" dirty="0" err="1"/>
-              <a:t>at|ook</a:t>
-            </a:r>
-            <a:endParaRPr lang="en-US" dirty="0"/>
-          </a:p>
-          <a:p>
-            <a:pPr eaLnBrk="1" hangingPunct="1"/>
-            <a:r>
-              <a:rPr lang="en-US" dirty="0"/>
-              <a:t>(slide)</a:t>
-            </a:r>
-          </a:p>
-          <a:p>
-            <a:pPr eaLnBrk="1" hangingPunct="1"/>
-            <a:r>
-              <a:rPr lang="en-US" dirty="0"/>
-              <a:t>o</a:t>
-            </a:r>
-          </a:p>
-          <a:p>
-            <a:pPr eaLnBrk="1" hangingPunct="1"/>
-            <a:r>
-              <a:rPr lang="en-US" dirty="0"/>
-              <a:t>o+</a:t>
-            </a:r>
-          </a:p>
-          <a:p>
-            <a:pPr eaLnBrk="1" hangingPunct="1"/>
-            <a:r>
-              <a:rPr lang="en-US" dirty="0"/>
-              <a:t>^[A-Z]</a:t>
-            </a:r>
-          </a:p>
-          <a:p>
-            <a:pPr eaLnBrk="1" hangingPunct="1"/>
-            <a:r>
-              <a:rPr lang="en-US" dirty="0"/>
-              <a:t>[!.]$</a:t>
-            </a:r>
-          </a:p>
-          <a:p>
-            <a:pPr eaLnBrk="1" hangingPunct="1"/>
-            <a:r>
-              <a:rPr lang="en-US" dirty="0"/>
-              <a:t>\. vs .</a:t>
-            </a:r>
+            <a:endParaRPr lang="en-US" b="1"/>
           </a:p>
         </p:txBody>
       </p:sp>
     </p:spTree>
     <p:extLst>
       <p:ext uri="{BB962C8B-B14F-4D97-AF65-F5344CB8AC3E}">
-        <p14:creationId xmlns:p14="http://schemas.microsoft.com/office/powerpoint/2010/main" val="126069195"/>
+        <p14:creationId xmlns:p14="http://schemas.microsoft.com/office/powerpoint/2010/main" val="2043678671"/>
       </p:ext>
     </p:extLst>
   </p:cSld>
@@ -2569,7 +2398,7 @@
       </p:grpSpPr>
       <p:sp>
         <p:nvSpPr>
-          <p:cNvPr id="84994" name="Rectangle 7"/>
+          <p:cNvPr id="82946" name="Rectangle 7"/>
           <p:cNvSpPr>
             <a:spLocks noGrp="1" noChangeArrowheads="1"/>
           </p:cNvSpPr>
@@ -2584,10 +2413,10 @@
           <a:bodyPr/>
           <a:lstStyle/>
           <a:p>
-            <a:fld id="{3F82BD90-5842-9D48-A685-621D2A4C3779}" type="slidenum">
+            <a:fld id="{E0D70C18-464E-3545-9CA1-FC88A632BD18}" type="slidenum">
               <a:rPr lang="en-US"/>
               <a:pPr/>
-              <a:t>52</a:t>
+              <a:t>51</a:t>
             </a:fld>
             <a:endParaRPr lang="en-US"/>
           </a:p>
@@ -2595,7 +2424,7 @@
       </p:sp>
       <p:sp>
         <p:nvSpPr>
-          <p:cNvPr id="84995" name="Rectangle 2"/>
+          <p:cNvPr id="82947" name="Rectangle 2"/>
           <p:cNvSpPr>
             <a:spLocks noGrp="1" noRot="1" noChangeAspect="1" noChangeArrowheads="1"/>
           </p:cNvSpPr>
@@ -2612,7 +2441,7 @@
       </p:sp>
       <p:sp>
         <p:nvSpPr>
-          <p:cNvPr id="84996" name="Rectangle 3"/>
+          <p:cNvPr id="82948" name="Rectangle 3"/>
           <p:cNvSpPr>
             <a:spLocks noGrp="1" noChangeArrowheads="1"/>
           </p:cNvSpPr>
@@ -2635,14 +2464,170 @@
           <a:lstStyle/>
           <a:p>
             <a:pPr eaLnBrk="1" hangingPunct="1"/>
-            <a:endParaRPr lang="en-US"/>
+            <a:r>
+              <a:rPr lang="en-US" dirty="0"/>
+              <a:t>[</a:t>
+            </a:r>
+            <a:r>
+              <a:rPr lang="en-US" dirty="0" err="1"/>
+              <a:t>Ww</a:t>
+            </a:r>
+            <a:r>
+              <a:rPr lang="en-US" dirty="0"/>
+              <a:t>]</a:t>
+            </a:r>
+          </a:p>
+          <a:p>
+            <a:pPr eaLnBrk="1" hangingPunct="1"/>
+            <a:r>
+              <a:rPr lang="en-US" dirty="0"/>
+              <a:t>[</a:t>
+            </a:r>
+            <a:r>
+              <a:rPr lang="en-US" dirty="0" err="1"/>
+              <a:t>em</a:t>
+            </a:r>
+            <a:r>
+              <a:rPr lang="en-US" dirty="0"/>
+              <a:t>]</a:t>
+            </a:r>
+          </a:p>
+          <a:p>
+            <a:pPr eaLnBrk="1" hangingPunct="1"/>
+            <a:r>
+              <a:rPr lang="en-US" dirty="0"/>
+              <a:t>[A-Z]</a:t>
+            </a:r>
+          </a:p>
+          <a:p>
+            <a:pPr eaLnBrk="1" hangingPunct="1"/>
+            <a:r>
+              <a:rPr lang="en-US" dirty="0"/>
+              <a:t>[a-z]</a:t>
+            </a:r>
+          </a:p>
+          <a:p>
+            <a:pPr eaLnBrk="1" hangingPunct="1"/>
+            <a:r>
+              <a:rPr lang="en-US" dirty="0"/>
+              <a:t>[A-</a:t>
+            </a:r>
+            <a:r>
+              <a:rPr lang="en-US" dirty="0" err="1"/>
+              <a:t>Za</a:t>
+            </a:r>
+            <a:r>
+              <a:rPr lang="en-US" dirty="0"/>
+              <a:t>-z]</a:t>
+            </a:r>
+          </a:p>
+          <a:p>
+            <a:pPr eaLnBrk="1" hangingPunct="1"/>
+            <a:r>
+              <a:rPr lang="en-US" dirty="0"/>
+              <a:t>[ !]</a:t>
+            </a:r>
+          </a:p>
+          <a:p>
+            <a:pPr eaLnBrk="1" hangingPunct="1"/>
+            <a:r>
+              <a:rPr lang="en-US" dirty="0"/>
+              <a:t>(slide)</a:t>
+            </a:r>
+          </a:p>
+          <a:p>
+            <a:pPr eaLnBrk="1" hangingPunct="1"/>
+            <a:r>
+              <a:rPr lang="en-US" dirty="0"/>
+              <a:t>[^A-Z]</a:t>
+            </a:r>
+          </a:p>
+          <a:p>
+            <a:pPr eaLnBrk="1" hangingPunct="1"/>
+            <a:r>
+              <a:rPr lang="en-US" dirty="0"/>
+              <a:t>[^A-</a:t>
+            </a:r>
+            <a:r>
+              <a:rPr lang="en-US" dirty="0" err="1"/>
+              <a:t>Za</a:t>
+            </a:r>
+            <a:r>
+              <a:rPr lang="en-US" dirty="0"/>
+              <a:t>-z]</a:t>
+            </a:r>
+          </a:p>
+          <a:p>
+            <a:pPr eaLnBrk="1" hangingPunct="1"/>
+            <a:r>
+              <a:rPr lang="en-US" dirty="0"/>
+              <a:t>(slide)</a:t>
+            </a:r>
+          </a:p>
+          <a:p>
+            <a:pPr eaLnBrk="1" hangingPunct="1"/>
+            <a:r>
+              <a:rPr lang="en-US" dirty="0" err="1"/>
+              <a:t>looked|step</a:t>
+            </a:r>
+            <a:endParaRPr lang="en-US" dirty="0"/>
+          </a:p>
+          <a:p>
+            <a:pPr eaLnBrk="1" hangingPunct="1"/>
+            <a:r>
+              <a:rPr lang="en-US" dirty="0" err="1"/>
+              <a:t>at|ook</a:t>
+            </a:r>
+            <a:endParaRPr lang="en-US" dirty="0"/>
+          </a:p>
+          <a:p>
+            <a:pPr eaLnBrk="1" hangingPunct="1"/>
+            <a:r>
+              <a:rPr lang="en-US" dirty="0"/>
+              <a:t>(slide)</a:t>
+            </a:r>
+          </a:p>
+          <a:p>
+            <a:pPr eaLnBrk="1" hangingPunct="1"/>
+            <a:r>
+              <a:rPr lang="en-US" dirty="0"/>
+              <a:t>o</a:t>
+            </a:r>
+          </a:p>
+          <a:p>
+            <a:pPr eaLnBrk="1" hangingPunct="1"/>
+            <a:r>
+              <a:rPr lang="en-US" dirty="0"/>
+              <a:t>o+</a:t>
+            </a:r>
+          </a:p>
+          <a:p>
+            <a:pPr eaLnBrk="1" hangingPunct="1"/>
+            <a:r>
+              <a:rPr lang="en-US" dirty="0"/>
+              <a:t>^[A-Z]</a:t>
+            </a:r>
+          </a:p>
+          <a:p>
+            <a:pPr eaLnBrk="1" hangingPunct="1"/>
+            <a:r>
+              <a:rPr lang="en-US" dirty="0"/>
+              <a:t>[!.]$</a:t>
+            </a:r>
+          </a:p>
+          <a:p>
+            <a:pPr eaLnBrk="1" hangingPunct="1"/>
+            <a:r>
+              <a:rPr lang="en-US" dirty="0"/>
+              <a:t>\. vs .</a:t>
+            </a:r>
           </a:p>
         </p:txBody>
       </p:sp>
     </p:spTree>
     <p:extLst>
       <p:ext uri="{BB962C8B-B14F-4D97-AF65-F5344CB8AC3E}">
-        <p14:creationId xmlns:p14="http://schemas.microsoft.com/office/powerpoint/2010/main" val="135913194"/>
+        <p14:creationId xmlns:p14="http://schemas.microsoft.com/office/powerpoint/2010/main" val="126069195"/>
       </p:ext>
     </p:extLst>
   </p:cSld>
@@ -2671,7 +2656,7 @@
       </p:grpSpPr>
       <p:sp>
         <p:nvSpPr>
-          <p:cNvPr id="87042" name="Rectangle 7"/>
+          <p:cNvPr id="84994" name="Rectangle 7"/>
           <p:cNvSpPr>
             <a:spLocks noGrp="1" noChangeArrowheads="1"/>
           </p:cNvSpPr>
@@ -2686,10 +2671,10 @@
           <a:bodyPr/>
           <a:lstStyle/>
           <a:p>
-            <a:fld id="{A0149E1A-5C54-D64B-9E9D-5A113A6AF7E6}" type="slidenum">
+            <a:fld id="{3F82BD90-5842-9D48-A685-621D2A4C3779}" type="slidenum">
               <a:rPr lang="en-US"/>
               <a:pPr/>
-              <a:t>53</a:t>
+              <a:t>52</a:t>
             </a:fld>
             <a:endParaRPr lang="en-US"/>
           </a:p>
@@ -2697,7 +2682,7 @@
       </p:sp>
       <p:sp>
         <p:nvSpPr>
-          <p:cNvPr id="87043" name="Rectangle 2"/>
+          <p:cNvPr id="84995" name="Rectangle 2"/>
           <p:cNvSpPr>
             <a:spLocks noGrp="1" noRot="1" noChangeAspect="1" noChangeArrowheads="1"/>
           </p:cNvSpPr>
@@ -2714,7 +2699,7 @@
       </p:sp>
       <p:sp>
         <p:nvSpPr>
-          <p:cNvPr id="87044" name="Rectangle 3"/>
+          <p:cNvPr id="84996" name="Rectangle 3"/>
           <p:cNvSpPr>
             <a:spLocks noGrp="1" noChangeArrowheads="1"/>
           </p:cNvSpPr>
@@ -2737,14 +2722,14 @@
           <a:lstStyle/>
           <a:p>
             <a:pPr eaLnBrk="1" hangingPunct="1"/>
-            <a:endParaRPr lang="en-US" dirty="0"/>
+            <a:endParaRPr lang="en-US"/>
           </a:p>
         </p:txBody>
       </p:sp>
     </p:spTree>
     <p:extLst>
       <p:ext uri="{BB962C8B-B14F-4D97-AF65-F5344CB8AC3E}">
-        <p14:creationId xmlns:p14="http://schemas.microsoft.com/office/powerpoint/2010/main" val="1971890466"/>
+        <p14:creationId xmlns:p14="http://schemas.microsoft.com/office/powerpoint/2010/main" val="135913194"/>
       </p:ext>
     </p:extLst>
   </p:cSld>
@@ -2773,6 +2758,108 @@
       </p:grpSpPr>
       <p:sp>
         <p:nvSpPr>
+          <p:cNvPr id="87042" name="Rectangle 7"/>
+          <p:cNvSpPr>
+            <a:spLocks noGrp="1" noChangeArrowheads="1"/>
+          </p:cNvSpPr>
+          <p:nvPr>
+            <p:ph type="sldNum" sz="quarter" idx="5"/>
+          </p:nvPr>
+        </p:nvSpPr>
+        <p:spPr>
+          <a:noFill/>
+        </p:spPr>
+        <p:txBody>
+          <a:bodyPr/>
+          <a:lstStyle/>
+          <a:p>
+            <a:fld id="{A0149E1A-5C54-D64B-9E9D-5A113A6AF7E6}" type="slidenum">
+              <a:rPr lang="en-US"/>
+              <a:pPr/>
+              <a:t>53</a:t>
+            </a:fld>
+            <a:endParaRPr lang="en-US"/>
+          </a:p>
+        </p:txBody>
+      </p:sp>
+      <p:sp>
+        <p:nvSpPr>
+          <p:cNvPr id="87043" name="Rectangle 2"/>
+          <p:cNvSpPr>
+            <a:spLocks noGrp="1" noRot="1" noChangeAspect="1" noChangeArrowheads="1"/>
+          </p:cNvSpPr>
+          <p:nvPr>
+            <p:ph type="sldImg"/>
+          </p:nvPr>
+        </p:nvSpPr>
+        <p:spPr>
+          <a:solidFill>
+            <a:srgbClr val="FFFFFF"/>
+          </a:solidFill>
+          <a:ln/>
+        </p:spPr>
+      </p:sp>
+      <p:sp>
+        <p:nvSpPr>
+          <p:cNvPr id="87044" name="Rectangle 3"/>
+          <p:cNvSpPr>
+            <a:spLocks noGrp="1" noChangeArrowheads="1"/>
+          </p:cNvSpPr>
+          <p:nvPr>
+            <p:ph type="body" idx="1"/>
+          </p:nvPr>
+        </p:nvSpPr>
+        <p:spPr>
+          <a:solidFill>
+            <a:srgbClr val="FFFFFF"/>
+          </a:solidFill>
+          <a:ln>
+            <a:solidFill>
+              <a:srgbClr val="000000"/>
+            </a:solidFill>
+          </a:ln>
+        </p:spPr>
+        <p:txBody>
+          <a:bodyPr/>
+          <a:lstStyle/>
+          <a:p>
+            <a:pPr eaLnBrk="1" hangingPunct="1"/>
+            <a:endParaRPr lang="en-US" dirty="0"/>
+          </a:p>
+        </p:txBody>
+      </p:sp>
+    </p:spTree>
+    <p:extLst>
+      <p:ext uri="{BB962C8B-B14F-4D97-AF65-F5344CB8AC3E}">
+        <p14:creationId xmlns:p14="http://schemas.microsoft.com/office/powerpoint/2010/main" val="1971890466"/>
+      </p:ext>
+    </p:extLst>
+  </p:cSld>
+  <p:clrMapOvr>
+    <a:masterClrMapping/>
+  </p:clrMapOvr>
+</p:notes>
+</file>
+
+<file path=ppt/notesSlides/notesSlide24.xml><?xml version="1.0" encoding="utf-8"?>
+<p:notes xmlns:a="http://schemas.openxmlformats.org/drawingml/2006/main" xmlns:r="http://schemas.openxmlformats.org/officeDocument/2006/relationships" xmlns:p="http://schemas.openxmlformats.org/presentationml/2006/main">
+  <p:cSld>
+    <p:spTree>
+      <p:nvGrpSpPr>
+        <p:cNvPr id="1" name=""/>
+        <p:cNvGrpSpPr/>
+        <p:nvPr/>
+      </p:nvGrpSpPr>
+      <p:grpSpPr>
+        <a:xfrm>
+          <a:off x="0" y="0"/>
+          <a:ext cx="0" cy="0"/>
+          <a:chOff x="0" y="0"/>
+          <a:chExt cx="0" cy="0"/>
+        </a:xfrm>
+      </p:grpSpPr>
+      <p:sp>
+        <p:nvSpPr>
           <p:cNvPr id="17410" name="Rectangle 7"/>
           <p:cNvSpPr>
             <a:spLocks noGrp="1" noChangeArrowheads="1"/>
@@ -2786,14 +2873,14 @@
           <a:ln/>
           <a:extLst>
             <a:ext uri="{909E8E84-426E-40dd-AFC4-6F175D3DCCD1}">
-              <a14:hiddenFill xmlns:a14="http://schemas.microsoft.com/office/drawing/2010/main" xmlns="">
+              <a14:hiddenFill xmlns="" xmlns:a14="http://schemas.microsoft.com/office/drawing/2010/main">
                 <a:solidFill>
                   <a:srgbClr val="FFFFFF"/>
                 </a:solidFill>
               </a14:hiddenFill>
             </a:ext>
             <a:ext uri="{91240B29-F687-4f45-9708-019B960494DF}">
-              <a14:hiddenLine xmlns:a14="http://schemas.microsoft.com/office/drawing/2010/main" xmlns="" w="9525">
+              <a14:hiddenLine xmlns="" xmlns:a14="http://schemas.microsoft.com/office/drawing/2010/main" w="9525">
                 <a:solidFill>
                   <a:srgbClr val="000000"/>
                 </a:solidFill>
@@ -2958,17 +3045,17 @@
           <a:ln/>
           <a:extLst>
             <a:ext uri="{FAA26D3D-D897-4be2-8F04-BA451C77F1D7}">
-              <ma14:placeholderFlag xmlns="" xmlns:ma14="http://schemas.microsoft.com/office/mac/drawingml/2011/main" val="1"/>
+              <ma14:placeholderFlag xmlns:ma14="http://schemas.microsoft.com/office/mac/drawingml/2011/main" xmlns="" val="1"/>
             </a:ext>
             <a:ext uri="{909E8E84-426E-40dd-AFC4-6F175D3DCCD1}">
-              <a14:hiddenFill xmlns:a14="http://schemas.microsoft.com/office/drawing/2010/main" xmlns="">
+              <a14:hiddenFill xmlns="" xmlns:a14="http://schemas.microsoft.com/office/drawing/2010/main">
                 <a:solidFill>
                   <a:srgbClr val="FFFFFF"/>
                 </a:solidFill>
               </a14:hiddenFill>
             </a:ext>
             <a:ext uri="{91240B29-F687-4f45-9708-019B960494DF}">
-              <a14:hiddenLine xmlns:a14="http://schemas.microsoft.com/office/drawing/2010/main" xmlns="" w="9525">
+              <a14:hiddenLine xmlns="" xmlns:a14="http://schemas.microsoft.com/office/drawing/2010/main" w="9525">
                 <a:solidFill>
                   <a:srgbClr val="000000"/>
                 </a:solidFill>
@@ -2995,107 +3082,6 @@
     <p:extLst>
       <p:ext uri="{BB962C8B-B14F-4D97-AF65-F5344CB8AC3E}">
         <p14:creationId xmlns:p14="http://schemas.microsoft.com/office/powerpoint/2010/main" val="107835888"/>
-      </p:ext>
-    </p:extLst>
-  </p:cSld>
-  <p:clrMapOvr>
-    <a:masterClrMapping/>
-  </p:clrMapOvr>
-</p:notes>
-</file>
-
-<file path=ppt/notesSlides/notesSlide24.xml><?xml version="1.0" encoding="utf-8"?>
-<p:notes xmlns:a="http://schemas.openxmlformats.org/drawingml/2006/main" xmlns:r="http://schemas.openxmlformats.org/officeDocument/2006/relationships" xmlns:p="http://schemas.openxmlformats.org/presentationml/2006/main">
-  <p:cSld>
-    <p:spTree>
-      <p:nvGrpSpPr>
-        <p:cNvPr id="1" name=""/>
-        <p:cNvGrpSpPr/>
-        <p:nvPr/>
-      </p:nvGrpSpPr>
-      <p:grpSpPr>
-        <a:xfrm>
-          <a:off x="0" y="0"/>
-          <a:ext cx="0" cy="0"/>
-          <a:chOff x="0" y="0"/>
-          <a:chExt cx="0" cy="0"/>
-        </a:xfrm>
-      </p:grpSpPr>
-      <p:sp>
-        <p:nvSpPr>
-          <p:cNvPr id="21506" name="Rectangle 7"/>
-          <p:cNvSpPr>
-            <a:spLocks noGrp="1" noChangeArrowheads="1"/>
-          </p:cNvSpPr>
-          <p:nvPr>
-            <p:ph type="sldNum" sz="quarter" idx="5"/>
-          </p:nvPr>
-        </p:nvSpPr>
-        <p:spPr>
-          <a:noFill/>
-        </p:spPr>
-        <p:txBody>
-          <a:bodyPr/>
-          <a:lstStyle/>
-          <a:p>
-            <a:fld id="{D4E9F685-F098-8E4C-B6D8-D94BDE4D6D6B}" type="slidenum">
-              <a:rPr lang="en-US"/>
-              <a:pPr/>
-              <a:t>56</a:t>
-            </a:fld>
-            <a:endParaRPr lang="en-US"/>
-          </a:p>
-        </p:txBody>
-      </p:sp>
-      <p:sp>
-        <p:nvSpPr>
-          <p:cNvPr id="21507" name="Rectangle 2"/>
-          <p:cNvSpPr>
-            <a:spLocks noGrp="1" noRot="1" noChangeAspect="1" noChangeArrowheads="1"/>
-          </p:cNvSpPr>
-          <p:nvPr>
-            <p:ph type="sldImg"/>
-          </p:nvPr>
-        </p:nvSpPr>
-        <p:spPr>
-          <a:solidFill>
-            <a:srgbClr val="FFFFFF"/>
-          </a:solidFill>
-          <a:ln/>
-        </p:spPr>
-      </p:sp>
-      <p:sp>
-        <p:nvSpPr>
-          <p:cNvPr id="21508" name="Rectangle 3"/>
-          <p:cNvSpPr>
-            <a:spLocks noGrp="1" noChangeArrowheads="1"/>
-          </p:cNvSpPr>
-          <p:nvPr>
-            <p:ph type="body" idx="1"/>
-          </p:nvPr>
-        </p:nvSpPr>
-        <p:spPr>
-          <a:solidFill>
-            <a:srgbClr val="FFFFFF"/>
-          </a:solidFill>
-          <a:ln>
-            <a:solidFill>
-              <a:srgbClr val="000000"/>
-            </a:solidFill>
-          </a:ln>
-        </p:spPr>
-        <p:txBody>
-          <a:bodyPr/>
-          <a:lstStyle/>
-          <a:p>
-            <a:endParaRPr lang="en-US"/>
-          </a:p>
-        </p:txBody>
-      </p:sp>
-    </p:spTree>
-    <p:extLst>
-      <p:ext uri="{BB962C8B-B14F-4D97-AF65-F5344CB8AC3E}">
-        <p14:creationId xmlns:p14="http://schemas.microsoft.com/office/powerpoint/2010/main" val="407966494"/>
       </p:ext>
     </p:extLst>
   </p:cSld>
@@ -3124,7 +3110,7 @@
       </p:grpSpPr>
       <p:sp>
         <p:nvSpPr>
-          <p:cNvPr id="23554" name="Rectangle 7"/>
+          <p:cNvPr id="21506" name="Rectangle 7"/>
           <p:cNvSpPr>
             <a:spLocks noGrp="1" noChangeArrowheads="1"/>
           </p:cNvSpPr>
@@ -3139,10 +3125,10 @@
           <a:bodyPr/>
           <a:lstStyle/>
           <a:p>
-            <a:fld id="{AA652608-6990-6E43-AA5F-49A5045801F2}" type="slidenum">
+            <a:fld id="{D4E9F685-F098-8E4C-B6D8-D94BDE4D6D6B}" type="slidenum">
               <a:rPr lang="en-US"/>
               <a:pPr/>
-              <a:t>57</a:t>
+              <a:t>56</a:t>
             </a:fld>
             <a:endParaRPr lang="en-US"/>
           </a:p>
@@ -3150,21 +3136,24 @@
       </p:sp>
       <p:sp>
         <p:nvSpPr>
-          <p:cNvPr id="23555" name="Rectangle 2"/>
-          <p:cNvSpPr>
-            <a:spLocks noGrp="1" noRot="1" noChangeAspect="1" noChangeArrowheads="1" noTextEdit="1"/>
+          <p:cNvPr id="21507" name="Rectangle 2"/>
+          <p:cNvSpPr>
+            <a:spLocks noGrp="1" noRot="1" noChangeAspect="1" noChangeArrowheads="1"/>
           </p:cNvSpPr>
           <p:nvPr>
             <p:ph type="sldImg"/>
           </p:nvPr>
         </p:nvSpPr>
         <p:spPr>
+          <a:solidFill>
+            <a:srgbClr val="FFFFFF"/>
+          </a:solidFill>
           <a:ln/>
         </p:spPr>
       </p:sp>
       <p:sp>
         <p:nvSpPr>
-          <p:cNvPr id="23556" name="Rectangle 3"/>
+          <p:cNvPr id="21508" name="Rectangle 3"/>
           <p:cNvSpPr>
             <a:spLocks noGrp="1" noChangeArrowheads="1"/>
           </p:cNvSpPr>
@@ -3173,8 +3162,14 @@
           </p:nvPr>
         </p:nvSpPr>
         <p:spPr>
-          <a:noFill/>
-          <a:ln/>
+          <a:solidFill>
+            <a:srgbClr val="FFFFFF"/>
+          </a:solidFill>
+          <a:ln>
+            <a:solidFill>
+              <a:srgbClr val="000000"/>
+            </a:solidFill>
+          </a:ln>
         </p:spPr>
         <p:txBody>
           <a:bodyPr/>
@@ -3187,7 +3182,7 @@
     </p:spTree>
     <p:extLst>
       <p:ext uri="{BB962C8B-B14F-4D97-AF65-F5344CB8AC3E}">
-        <p14:creationId xmlns:p14="http://schemas.microsoft.com/office/powerpoint/2010/main" val="552509536"/>
+        <p14:creationId xmlns:p14="http://schemas.microsoft.com/office/powerpoint/2010/main" val="407966494"/>
       </p:ext>
     </p:extLst>
   </p:cSld>
@@ -3216,7 +3211,7 @@
       </p:grpSpPr>
       <p:sp>
         <p:nvSpPr>
-          <p:cNvPr id="25602" name="Rectangle 7"/>
+          <p:cNvPr id="23554" name="Rectangle 7"/>
           <p:cNvSpPr>
             <a:spLocks noGrp="1" noChangeArrowheads="1"/>
           </p:cNvSpPr>
@@ -3231,10 +3226,10 @@
           <a:bodyPr/>
           <a:lstStyle/>
           <a:p>
-            <a:fld id="{ABE383AF-40C9-E847-ACCB-98F997084513}" type="slidenum">
+            <a:fld id="{AA652608-6990-6E43-AA5F-49A5045801F2}" type="slidenum">
               <a:rPr lang="en-US"/>
               <a:pPr/>
-              <a:t>58</a:t>
+              <a:t>57</a:t>
             </a:fld>
             <a:endParaRPr lang="en-US"/>
           </a:p>
@@ -3242,7 +3237,7 @@
       </p:sp>
       <p:sp>
         <p:nvSpPr>
-          <p:cNvPr id="25603" name="Rectangle 2"/>
+          <p:cNvPr id="23555" name="Rectangle 2"/>
           <p:cNvSpPr>
             <a:spLocks noGrp="1" noRot="1" noChangeAspect="1" noChangeArrowheads="1" noTextEdit="1"/>
           </p:cNvSpPr>
@@ -3256,7 +3251,7 @@
       </p:sp>
       <p:sp>
         <p:nvSpPr>
-          <p:cNvPr id="25604" name="Rectangle 3"/>
+          <p:cNvPr id="23556" name="Rectangle 3"/>
           <p:cNvSpPr>
             <a:spLocks noGrp="1" noChangeArrowheads="1"/>
           </p:cNvSpPr>
@@ -3279,7 +3274,7 @@
     </p:spTree>
     <p:extLst>
       <p:ext uri="{BB962C8B-B14F-4D97-AF65-F5344CB8AC3E}">
-        <p14:creationId xmlns:p14="http://schemas.microsoft.com/office/powerpoint/2010/main" val="630172810"/>
+        <p14:creationId xmlns:p14="http://schemas.microsoft.com/office/powerpoint/2010/main" val="552509536"/>
       </p:ext>
     </p:extLst>
   </p:cSld>
@@ -3326,7 +3321,7 @@
             <a:fld id="{ABE383AF-40C9-E847-ACCB-98F997084513}" type="slidenum">
               <a:rPr lang="en-US"/>
               <a:pPr/>
-              <a:t>59</a:t>
+              <a:t>58</a:t>
             </a:fld>
             <a:endParaRPr lang="en-US"/>
           </a:p>
@@ -3371,7 +3366,7 @@
     </p:spTree>
     <p:extLst>
       <p:ext uri="{BB962C8B-B14F-4D97-AF65-F5344CB8AC3E}">
-        <p14:creationId xmlns:p14="http://schemas.microsoft.com/office/powerpoint/2010/main" val="1235584251"/>
+        <p14:creationId xmlns:p14="http://schemas.microsoft.com/office/powerpoint/2010/main" val="630172810"/>
       </p:ext>
     </p:extLst>
   </p:cSld>
@@ -3400,54 +3395,62 @@
       </p:grpSpPr>
       <p:sp>
         <p:nvSpPr>
-          <p:cNvPr id="2" name="Slide Image Placeholder 1"/>
-          <p:cNvSpPr>
-            <a:spLocks noGrp="1" noRot="1" noChangeAspect="1"/>
-          </p:cNvSpPr>
-          <p:nvPr>
-            <p:ph type="sldImg"/>
-          </p:nvPr>
-        </p:nvSpPr>
-        <p:spPr/>
-      </p:sp>
-      <p:sp>
-        <p:nvSpPr>
-          <p:cNvPr id="3" name="Notes Placeholder 2"/>
-          <p:cNvSpPr>
-            <a:spLocks noGrp="1"/>
-          </p:cNvSpPr>
-          <p:nvPr>
-            <p:ph type="body" idx="1"/>
-          </p:nvPr>
-        </p:nvSpPr>
-        <p:spPr/>
+          <p:cNvPr id="25602" name="Rectangle 7"/>
+          <p:cNvSpPr>
+            <a:spLocks noGrp="1" noChangeArrowheads="1"/>
+          </p:cNvSpPr>
+          <p:nvPr>
+            <p:ph type="sldNum" sz="quarter" idx="5"/>
+          </p:nvPr>
+        </p:nvSpPr>
+        <p:spPr>
+          <a:noFill/>
+        </p:spPr>
         <p:txBody>
           <a:bodyPr/>
           <a:lstStyle/>
           <a:p>
-            <a:endParaRPr lang="en-US" dirty="0"/>
+            <a:fld id="{ABE383AF-40C9-E847-ACCB-98F997084513}" type="slidenum">
+              <a:rPr lang="en-US"/>
+              <a:pPr/>
+              <a:t>59</a:t>
+            </a:fld>
+            <a:endParaRPr lang="en-US"/>
           </a:p>
         </p:txBody>
       </p:sp>
       <p:sp>
         <p:nvSpPr>
-          <p:cNvPr id="4" name="Slide Number Placeholder 3"/>
-          <p:cNvSpPr>
-            <a:spLocks noGrp="1"/>
-          </p:cNvSpPr>
-          <p:nvPr>
-            <p:ph type="sldNum" sz="quarter" idx="10"/>
-          </p:nvPr>
-        </p:nvSpPr>
-        <p:spPr/>
+          <p:cNvPr id="25603" name="Rectangle 2"/>
+          <p:cNvSpPr>
+            <a:spLocks noGrp="1" noRot="1" noChangeAspect="1" noChangeArrowheads="1" noTextEdit="1"/>
+          </p:cNvSpPr>
+          <p:nvPr>
+            <p:ph type="sldImg"/>
+          </p:nvPr>
+        </p:nvSpPr>
+        <p:spPr>
+          <a:ln/>
+        </p:spPr>
+      </p:sp>
+      <p:sp>
+        <p:nvSpPr>
+          <p:cNvPr id="25604" name="Rectangle 3"/>
+          <p:cNvSpPr>
+            <a:spLocks noGrp="1" noChangeArrowheads="1"/>
+          </p:cNvSpPr>
+          <p:nvPr>
+            <p:ph type="body" idx="1"/>
+          </p:nvPr>
+        </p:nvSpPr>
+        <p:spPr>
+          <a:noFill/>
+          <a:ln/>
+        </p:spPr>
         <p:txBody>
           <a:bodyPr/>
           <a:lstStyle/>
           <a:p>
-            <a:fld id="{8CE0FD87-9A44-5E45-8C0E-52F1E538B50D}" type="slidenum">
-              <a:rPr lang="en-US" smtClean="0"/>
-              <a:t>63</a:t>
-            </a:fld>
             <a:endParaRPr lang="en-US"/>
           </a:p>
         </p:txBody>
@@ -3455,7 +3458,7 @@
     </p:spTree>
     <p:extLst>
       <p:ext uri="{BB962C8B-B14F-4D97-AF65-F5344CB8AC3E}">
-        <p14:creationId xmlns:p14="http://schemas.microsoft.com/office/powerpoint/2010/main" val="1255379810"/>
+        <p14:creationId xmlns:p14="http://schemas.microsoft.com/office/powerpoint/2010/main" val="1235584251"/>
       </p:ext>
     </p:extLst>
   </p:cSld>
@@ -3484,71 +3487,54 @@
       </p:grpSpPr>
       <p:sp>
         <p:nvSpPr>
-          <p:cNvPr id="30722" name="Rectangle 7"/>
-          <p:cNvSpPr>
-            <a:spLocks noGrp="1" noChangeArrowheads="1"/>
-          </p:cNvSpPr>
-          <p:nvPr>
-            <p:ph type="sldNum" sz="quarter" idx="5"/>
-          </p:nvPr>
-        </p:nvSpPr>
-        <p:spPr>
-          <a:noFill/>
-        </p:spPr>
+          <p:cNvPr id="2" name="Slide Image Placeholder 1"/>
+          <p:cNvSpPr>
+            <a:spLocks noGrp="1" noRot="1" noChangeAspect="1"/>
+          </p:cNvSpPr>
+          <p:nvPr>
+            <p:ph type="sldImg"/>
+          </p:nvPr>
+        </p:nvSpPr>
+        <p:spPr/>
+      </p:sp>
+      <p:sp>
+        <p:nvSpPr>
+          <p:cNvPr id="3" name="Notes Placeholder 2"/>
+          <p:cNvSpPr>
+            <a:spLocks noGrp="1"/>
+          </p:cNvSpPr>
+          <p:nvPr>
+            <p:ph type="body" idx="1"/>
+          </p:nvPr>
+        </p:nvSpPr>
+        <p:spPr/>
         <p:txBody>
           <a:bodyPr/>
           <a:lstStyle/>
           <a:p>
-            <a:fld id="{C1186323-23FC-C745-A59E-E7A0F69F23C3}" type="slidenum">
-              <a:rPr lang="en-US"/>
-              <a:pPr/>
-              <a:t>64</a:t>
-            </a:fld>
-            <a:endParaRPr lang="en-US"/>
+            <a:endParaRPr lang="en-US" dirty="0"/>
           </a:p>
         </p:txBody>
       </p:sp>
       <p:sp>
         <p:nvSpPr>
-          <p:cNvPr id="30723" name="Rectangle 2"/>
-          <p:cNvSpPr>
-            <a:spLocks noGrp="1" noRot="1" noChangeAspect="1" noChangeArrowheads="1"/>
-          </p:cNvSpPr>
-          <p:nvPr>
-            <p:ph type="sldImg"/>
-          </p:nvPr>
-        </p:nvSpPr>
-        <p:spPr>
-          <a:solidFill>
-            <a:srgbClr val="FFFFFF"/>
-          </a:solidFill>
-          <a:ln/>
-        </p:spPr>
-      </p:sp>
-      <p:sp>
-        <p:nvSpPr>
-          <p:cNvPr id="30724" name="Rectangle 3"/>
-          <p:cNvSpPr>
-            <a:spLocks noGrp="1" noChangeArrowheads="1"/>
-          </p:cNvSpPr>
-          <p:nvPr>
-            <p:ph type="body" idx="1"/>
-          </p:nvPr>
-        </p:nvSpPr>
-        <p:spPr>
-          <a:solidFill>
-            <a:srgbClr val="FFFFFF"/>
-          </a:solidFill>
-          <a:ln>
-            <a:solidFill>
-              <a:srgbClr val="000000"/>
-            </a:solidFill>
-          </a:ln>
-        </p:spPr>
+          <p:cNvPr id="4" name="Slide Number Placeholder 3"/>
+          <p:cNvSpPr>
+            <a:spLocks noGrp="1"/>
+          </p:cNvSpPr>
+          <p:nvPr>
+            <p:ph type="sldNum" sz="quarter" idx="10"/>
+          </p:nvPr>
+        </p:nvSpPr>
+        <p:spPr/>
         <p:txBody>
           <a:bodyPr/>
           <a:lstStyle/>
           <a:p>
+            <a:fld id="{8CE0FD87-9A44-5E45-8C0E-52F1E538B50D}" type="slidenum">
+              <a:rPr lang="en-US" smtClean="0"/>
+              <a:t>63</a:t>
+            </a:fld>
             <a:endParaRPr lang="en-US"/>
           </a:p>
         </p:txBody>
@@ -3556,7 +3542,7 @@
     </p:spTree>
     <p:extLst>
       <p:ext uri="{BB962C8B-B14F-4D97-AF65-F5344CB8AC3E}">
-        <p14:creationId xmlns:p14="http://schemas.microsoft.com/office/powerpoint/2010/main" val="1745093493"/>
+        <p14:creationId xmlns:p14="http://schemas.microsoft.com/office/powerpoint/2010/main" val="1255379810"/>
       </p:ext>
     </p:extLst>
   </p:cSld>
@@ -3708,7 +3694,7 @@
       </p:grpSpPr>
       <p:sp>
         <p:nvSpPr>
-          <p:cNvPr id="32770" name="Rectangle 7"/>
+          <p:cNvPr id="30722" name="Rectangle 7"/>
           <p:cNvSpPr>
             <a:spLocks noGrp="1" noChangeArrowheads="1"/>
           </p:cNvSpPr>
@@ -3723,10 +3709,10 @@
           <a:bodyPr/>
           <a:lstStyle/>
           <a:p>
-            <a:fld id="{0C9BB694-CB85-1C42-BB21-6EC89F24E5E0}" type="slidenum">
+            <a:fld id="{C1186323-23FC-C745-A59E-E7A0F69F23C3}" type="slidenum">
               <a:rPr lang="en-US"/>
               <a:pPr/>
-              <a:t>65</a:t>
+              <a:t>64</a:t>
             </a:fld>
             <a:endParaRPr lang="en-US"/>
           </a:p>
@@ -3734,7 +3720,7 @@
       </p:sp>
       <p:sp>
         <p:nvSpPr>
-          <p:cNvPr id="32771" name="Rectangle 2"/>
+          <p:cNvPr id="30723" name="Rectangle 2"/>
           <p:cNvSpPr>
             <a:spLocks noGrp="1" noRot="1" noChangeAspect="1" noChangeArrowheads="1"/>
           </p:cNvSpPr>
@@ -3751,7 +3737,7 @@
       </p:sp>
       <p:sp>
         <p:nvSpPr>
-          <p:cNvPr id="32772" name="Rectangle 3"/>
+          <p:cNvPr id="30724" name="Rectangle 3"/>
           <p:cNvSpPr>
             <a:spLocks noGrp="1" noChangeArrowheads="1"/>
           </p:cNvSpPr>
@@ -3780,7 +3766,7 @@
     </p:spTree>
     <p:extLst>
       <p:ext uri="{BB962C8B-B14F-4D97-AF65-F5344CB8AC3E}">
-        <p14:creationId xmlns:p14="http://schemas.microsoft.com/office/powerpoint/2010/main" val="369908271"/>
+        <p14:creationId xmlns:p14="http://schemas.microsoft.com/office/powerpoint/2010/main" val="1745093493"/>
       </p:ext>
     </p:extLst>
   </p:cSld>
@@ -3809,7 +3795,7 @@
       </p:grpSpPr>
       <p:sp>
         <p:nvSpPr>
-          <p:cNvPr id="34818" name="Rectangle 7"/>
+          <p:cNvPr id="32770" name="Rectangle 7"/>
           <p:cNvSpPr>
             <a:spLocks noGrp="1" noChangeArrowheads="1"/>
           </p:cNvSpPr>
@@ -3824,10 +3810,10 @@
           <a:bodyPr/>
           <a:lstStyle/>
           <a:p>
-            <a:fld id="{CA24F83C-53AC-F24F-80E2-C55109AFC467}" type="slidenum">
+            <a:fld id="{0C9BB694-CB85-1C42-BB21-6EC89F24E5E0}" type="slidenum">
               <a:rPr lang="en-US"/>
               <a:pPr/>
-              <a:t>66</a:t>
+              <a:t>65</a:t>
             </a:fld>
             <a:endParaRPr lang="en-US"/>
           </a:p>
@@ -3835,7 +3821,7 @@
       </p:sp>
       <p:sp>
         <p:nvSpPr>
-          <p:cNvPr id="34819" name="Rectangle 2"/>
+          <p:cNvPr id="32771" name="Rectangle 2"/>
           <p:cNvSpPr>
             <a:spLocks noGrp="1" noRot="1" noChangeAspect="1" noChangeArrowheads="1"/>
           </p:cNvSpPr>
@@ -3852,7 +3838,7 @@
       </p:sp>
       <p:sp>
         <p:nvSpPr>
-          <p:cNvPr id="34820" name="Rectangle 3"/>
+          <p:cNvPr id="32772" name="Rectangle 3"/>
           <p:cNvSpPr>
             <a:spLocks noGrp="1" noChangeArrowheads="1"/>
           </p:cNvSpPr>
@@ -3881,6 +3867,107 @@
     </p:spTree>
     <p:extLst>
       <p:ext uri="{BB962C8B-B14F-4D97-AF65-F5344CB8AC3E}">
+        <p14:creationId xmlns:p14="http://schemas.microsoft.com/office/powerpoint/2010/main" val="369908271"/>
+      </p:ext>
+    </p:extLst>
+  </p:cSld>
+  <p:clrMapOvr>
+    <a:masterClrMapping/>
+  </p:clrMapOvr>
+</p:notes>
+</file>
+
+<file path=ppt/notesSlides/notesSlide32.xml><?xml version="1.0" encoding="utf-8"?>
+<p:notes xmlns:a="http://schemas.openxmlformats.org/drawingml/2006/main" xmlns:r="http://schemas.openxmlformats.org/officeDocument/2006/relationships" xmlns:p="http://schemas.openxmlformats.org/presentationml/2006/main">
+  <p:cSld>
+    <p:spTree>
+      <p:nvGrpSpPr>
+        <p:cNvPr id="1" name=""/>
+        <p:cNvGrpSpPr/>
+        <p:nvPr/>
+      </p:nvGrpSpPr>
+      <p:grpSpPr>
+        <a:xfrm>
+          <a:off x="0" y="0"/>
+          <a:ext cx="0" cy="0"/>
+          <a:chOff x="0" y="0"/>
+          <a:chExt cx="0" cy="0"/>
+        </a:xfrm>
+      </p:grpSpPr>
+      <p:sp>
+        <p:nvSpPr>
+          <p:cNvPr id="34818" name="Rectangle 7"/>
+          <p:cNvSpPr>
+            <a:spLocks noGrp="1" noChangeArrowheads="1"/>
+          </p:cNvSpPr>
+          <p:nvPr>
+            <p:ph type="sldNum" sz="quarter" idx="5"/>
+          </p:nvPr>
+        </p:nvSpPr>
+        <p:spPr>
+          <a:noFill/>
+        </p:spPr>
+        <p:txBody>
+          <a:bodyPr/>
+          <a:lstStyle/>
+          <a:p>
+            <a:fld id="{CA24F83C-53AC-F24F-80E2-C55109AFC467}" type="slidenum">
+              <a:rPr lang="en-US"/>
+              <a:pPr/>
+              <a:t>66</a:t>
+            </a:fld>
+            <a:endParaRPr lang="en-US"/>
+          </a:p>
+        </p:txBody>
+      </p:sp>
+      <p:sp>
+        <p:nvSpPr>
+          <p:cNvPr id="34819" name="Rectangle 2"/>
+          <p:cNvSpPr>
+            <a:spLocks noGrp="1" noRot="1" noChangeAspect="1" noChangeArrowheads="1"/>
+          </p:cNvSpPr>
+          <p:nvPr>
+            <p:ph type="sldImg"/>
+          </p:nvPr>
+        </p:nvSpPr>
+        <p:spPr>
+          <a:solidFill>
+            <a:srgbClr val="FFFFFF"/>
+          </a:solidFill>
+          <a:ln/>
+        </p:spPr>
+      </p:sp>
+      <p:sp>
+        <p:nvSpPr>
+          <p:cNvPr id="34820" name="Rectangle 3"/>
+          <p:cNvSpPr>
+            <a:spLocks noGrp="1" noChangeArrowheads="1"/>
+          </p:cNvSpPr>
+          <p:nvPr>
+            <p:ph type="body" idx="1"/>
+          </p:nvPr>
+        </p:nvSpPr>
+        <p:spPr>
+          <a:solidFill>
+            <a:srgbClr val="FFFFFF"/>
+          </a:solidFill>
+          <a:ln>
+            <a:solidFill>
+              <a:srgbClr val="000000"/>
+            </a:solidFill>
+          </a:ln>
+        </p:spPr>
+        <p:txBody>
+          <a:bodyPr/>
+          <a:lstStyle/>
+          <a:p>
+            <a:endParaRPr lang="en-US"/>
+          </a:p>
+        </p:txBody>
+      </p:sp>
+    </p:spTree>
+    <p:extLst>
+      <p:ext uri="{BB962C8B-B14F-4D97-AF65-F5344CB8AC3E}">
         <p14:creationId xmlns:p14="http://schemas.microsoft.com/office/powerpoint/2010/main" val="1681915474"/>
       </p:ext>
     </p:extLst>
@@ -3891,7 +3978,7 @@
 </p:notes>
 </file>
 
-<file path=ppt/notesSlides/notesSlide32.xml><?xml version="1.0" encoding="utf-8"?>
+<file path=ppt/notesSlides/notesSlide33.xml><?xml version="1.0" encoding="utf-8"?>
 <p:notes xmlns:a="http://schemas.openxmlformats.org/drawingml/2006/main" xmlns:r="http://schemas.openxmlformats.org/officeDocument/2006/relationships" xmlns:p="http://schemas.openxmlformats.org/presentationml/2006/main">
   <p:cSld>
     <p:spTree>
@@ -4109,7 +4196,7 @@
           <a:p>
             <a:fld id="{8CE0FD87-9A44-5E45-8C0E-52F1E538B50D}" type="slidenum">
               <a:rPr lang="en-US" smtClean="0"/>
-              <a:t>24</a:t>
+              <a:t>13</a:t>
             </a:fld>
             <a:endParaRPr lang="en-US"/>
           </a:p>
@@ -4118,7 +4205,7 @@
     </p:spTree>
     <p:extLst>
       <p:ext uri="{BB962C8B-B14F-4D97-AF65-F5344CB8AC3E}">
-        <p14:creationId xmlns:p14="http://schemas.microsoft.com/office/powerpoint/2010/main" val="99596975"/>
+        <p14:creationId xmlns:p14="http://schemas.microsoft.com/office/powerpoint/2010/main" val="4279060170"/>
       </p:ext>
     </p:extLst>
   </p:cSld>
@@ -4172,18 +4259,6 @@
           <a:bodyPr/>
           <a:lstStyle/>
           <a:p>
-            <a:r>
-              <a:rPr lang="en-US" dirty="0"/>
-              <a:t>Blue: Count of negative words</a:t>
-            </a:r>
-          </a:p>
-          <a:p>
-            <a:r>
-              <a:rPr lang="en-US" dirty="0"/>
-              <a:t>Yellow: Count of positive words</a:t>
-            </a:r>
-          </a:p>
-          <a:p>
             <a:endParaRPr lang="en-US" dirty="0"/>
           </a:p>
         </p:txBody>
@@ -4205,7 +4280,7 @@
           <a:p>
             <a:fld id="{8CE0FD87-9A44-5E45-8C0E-52F1E538B50D}" type="slidenum">
               <a:rPr lang="en-US" smtClean="0"/>
-              <a:t>26</a:t>
+              <a:t>24</a:t>
             </a:fld>
             <a:endParaRPr lang="en-US"/>
           </a:p>
@@ -4214,7 +4289,7 @@
     </p:spTree>
     <p:extLst>
       <p:ext uri="{BB962C8B-B14F-4D97-AF65-F5344CB8AC3E}">
-        <p14:creationId xmlns:p14="http://schemas.microsoft.com/office/powerpoint/2010/main" val="1073009000"/>
+        <p14:creationId xmlns:p14="http://schemas.microsoft.com/office/powerpoint/2010/main" val="99596975"/>
       </p:ext>
     </p:extLst>
   </p:cSld>
@@ -4268,26 +4343,15 @@
           <a:bodyPr/>
           <a:lstStyle/>
           <a:p>
-            <a:pPr marL="0" marR="0" lvl="0" indent="0" algn="l" defTabSz="914400" rtl="0" eaLnBrk="1" fontAlgn="auto" latinLnBrk="0" hangingPunct="1">
-              <a:lnSpc>
-                <a:spcPct val="100000"/>
-              </a:lnSpc>
-              <a:spcBef>
-                <a:spcPts val="0"/>
-              </a:spcBef>
-              <a:spcAft>
-                <a:spcPts val="0"/>
-              </a:spcAft>
-              <a:buClrTx/>
-              <a:buSzTx/>
-              <a:buFontTx/>
-              <a:buNone/>
-              <a:tabLst/>
-              <a:defRPr/>
-            </a:pPr>
             <a:r>
               <a:rPr lang="en-US" dirty="0"/>
-              <a:t>Development set: is the set of data that we evaluate on</a:t>
+              <a:t>Blue: Count of negative words</a:t>
+            </a:r>
+          </a:p>
+          <a:p>
+            <a:r>
+              <a:rPr lang="en-US" dirty="0"/>
+              <a:t>Yellow: Count of positive words</a:t>
             </a:r>
           </a:p>
           <a:p>
@@ -4312,7 +4376,7 @@
           <a:p>
             <a:fld id="{8CE0FD87-9A44-5E45-8C0E-52F1E538B50D}" type="slidenum">
               <a:rPr lang="en-US" smtClean="0"/>
-              <a:t>28</a:t>
+              <a:t>26</a:t>
             </a:fld>
             <a:endParaRPr lang="en-US"/>
           </a:p>
@@ -4321,7 +4385,7 @@
     </p:spTree>
     <p:extLst>
       <p:ext uri="{BB962C8B-B14F-4D97-AF65-F5344CB8AC3E}">
-        <p14:creationId xmlns:p14="http://schemas.microsoft.com/office/powerpoint/2010/main" val="3562529086"/>
+        <p14:creationId xmlns:p14="http://schemas.microsoft.com/office/powerpoint/2010/main" val="1073009000"/>
       </p:ext>
     </p:extLst>
   </p:cSld>
@@ -4394,7 +4458,7 @@
             </a:pPr>
             <a:r>
               <a:rPr lang="en-US" dirty="0"/>
-              <a:t>Sometime accuracy won’t work this on some applications as a measure. What’s an example of an application?</a:t>
+              <a:t>Development set: is the set of data that we evaluate on</a:t>
             </a:r>
           </a:p>
           <a:p>
@@ -4419,7 +4483,7 @@
           <a:p>
             <a:fld id="{8CE0FD87-9A44-5E45-8C0E-52F1E538B50D}" type="slidenum">
               <a:rPr lang="en-US" smtClean="0"/>
-              <a:t>31</a:t>
+              <a:t>28</a:t>
             </a:fld>
             <a:endParaRPr lang="en-US"/>
           </a:p>
@@ -4428,7 +4492,7 @@
     </p:spTree>
     <p:extLst>
       <p:ext uri="{BB962C8B-B14F-4D97-AF65-F5344CB8AC3E}">
-        <p14:creationId xmlns:p14="http://schemas.microsoft.com/office/powerpoint/2010/main" val="4038746140"/>
+        <p14:creationId xmlns:p14="http://schemas.microsoft.com/office/powerpoint/2010/main" val="3562529086"/>
       </p:ext>
     </p:extLst>
   </p:cSld>
@@ -4482,70 +4546,27 @@
           <a:bodyPr/>
           <a:lstStyle/>
           <a:p>
+            <a:pPr marL="0" marR="0" lvl="0" indent="0" algn="l" defTabSz="914400" rtl="0" eaLnBrk="1" fontAlgn="auto" latinLnBrk="0" hangingPunct="1">
+              <a:lnSpc>
+                <a:spcPct val="100000"/>
+              </a:lnSpc>
+              <a:spcBef>
+                <a:spcPts val="0"/>
+              </a:spcBef>
+              <a:spcAft>
+                <a:spcPts val="0"/>
+              </a:spcAft>
+              <a:buClrTx/>
+              <a:buSzTx/>
+              <a:buFontTx/>
+              <a:buNone/>
+              <a:tabLst/>
+              <a:defRPr/>
+            </a:pPr>
             <a:r>
               <a:rPr lang="en-US" dirty="0"/>
-              <a:t>clean</a:t>
-            </a:r>
-            <a:r>
-              <a:rPr lang="en-US" baseline="0" dirty="0"/>
-              <a:t> up some data with </a:t>
-            </a:r>
-            <a:r>
-              <a:rPr lang="en-US" baseline="0" dirty="0" err="1"/>
-              <a:t>beautifulsoup</a:t>
-            </a:r>
-            <a:endParaRPr lang="en-US" baseline="0" dirty="0"/>
-          </a:p>
-          <a:p>
-            <a:r>
-              <a:rPr lang="en-US" baseline="0" dirty="0"/>
-              <a:t>make train/dev/test sets with </a:t>
-            </a:r>
-            <a:r>
-              <a:rPr lang="en-US" baseline="0" dirty="0" err="1"/>
-              <a:t>shuf</a:t>
-            </a:r>
-            <a:r>
-              <a:rPr lang="en-US" baseline="0" dirty="0"/>
-              <a:t>, labeling (use yes!)</a:t>
-            </a:r>
-          </a:p>
-          <a:p>
-            <a:r>
-              <a:rPr lang="en-US" baseline="0" dirty="0"/>
-              <a:t>process substitution (not on </a:t>
-            </a:r>
-            <a:r>
-              <a:rPr lang="en-US" baseline="0" dirty="0" err="1"/>
-              <a:t>vocareum</a:t>
-            </a:r>
-            <a:r>
-              <a:rPr lang="en-US" baseline="0" dirty="0"/>
-              <a:t>)</a:t>
-            </a:r>
-          </a:p>
-          <a:p>
-            <a:r>
-              <a:rPr lang="en-US" baseline="0" dirty="0"/>
-              <a:t>make a scoring script</a:t>
-            </a:r>
-          </a:p>
-          <a:p>
-            <a:r>
-              <a:rPr lang="en-US" baseline="0" dirty="0"/>
-              <a:t>find frequent </a:t>
-            </a:r>
-            <a:r>
-              <a:rPr lang="en-US" baseline="0" dirty="0" err="1"/>
-              <a:t>ngrams</a:t>
-            </a:r>
-            <a:r>
-              <a:rPr lang="en-US" baseline="0" dirty="0"/>
-              <a:t> for positive and negative</a:t>
-            </a:r>
-          </a:p>
-          <a:p>
-            <a:endParaRPr lang="en-US" dirty="0"/>
+              <a:t>Sometime accuracy won’t work this on some applications as a measure. What’s an example of an application?</a:t>
+            </a:r>
           </a:p>
           <a:p>
             <a:endParaRPr lang="en-US" dirty="0"/>
@@ -4569,7 +4590,7 @@
           <a:p>
             <a:fld id="{8CE0FD87-9A44-5E45-8C0E-52F1E538B50D}" type="slidenum">
               <a:rPr lang="en-US" smtClean="0"/>
-              <a:t>32</a:t>
+              <a:t>31</a:t>
             </a:fld>
             <a:endParaRPr lang="en-US"/>
           </a:p>
@@ -4578,7 +4599,7 @@
     </p:spTree>
     <p:extLst>
       <p:ext uri="{BB962C8B-B14F-4D97-AF65-F5344CB8AC3E}">
-        <p14:creationId xmlns:p14="http://schemas.microsoft.com/office/powerpoint/2010/main" val="1001694688"/>
+        <p14:creationId xmlns:p14="http://schemas.microsoft.com/office/powerpoint/2010/main" val="4038746140"/>
       </p:ext>
     </p:extLst>
   </p:cSld>
@@ -4632,6 +4653,69 @@
           <a:bodyPr/>
           <a:lstStyle/>
           <a:p>
+            <a:r>
+              <a:rPr lang="en-US" dirty="0"/>
+              <a:t>clean</a:t>
+            </a:r>
+            <a:r>
+              <a:rPr lang="en-US" baseline="0" dirty="0"/>
+              <a:t> up some data with </a:t>
+            </a:r>
+            <a:r>
+              <a:rPr lang="en-US" baseline="0" dirty="0" err="1"/>
+              <a:t>beautifulsoup</a:t>
+            </a:r>
+            <a:endParaRPr lang="en-US" baseline="0" dirty="0"/>
+          </a:p>
+          <a:p>
+            <a:r>
+              <a:rPr lang="en-US" baseline="0" dirty="0"/>
+              <a:t>make train/dev/test sets with </a:t>
+            </a:r>
+            <a:r>
+              <a:rPr lang="en-US" baseline="0" dirty="0" err="1"/>
+              <a:t>shuf</a:t>
+            </a:r>
+            <a:r>
+              <a:rPr lang="en-US" baseline="0" dirty="0"/>
+              <a:t>, labeling (use yes!)</a:t>
+            </a:r>
+          </a:p>
+          <a:p>
+            <a:r>
+              <a:rPr lang="en-US" baseline="0" dirty="0"/>
+              <a:t>process substitution (not on </a:t>
+            </a:r>
+            <a:r>
+              <a:rPr lang="en-US" baseline="0" dirty="0" err="1"/>
+              <a:t>vocareum</a:t>
+            </a:r>
+            <a:r>
+              <a:rPr lang="en-US" baseline="0" dirty="0"/>
+              <a:t>)</a:t>
+            </a:r>
+          </a:p>
+          <a:p>
+            <a:r>
+              <a:rPr lang="en-US" baseline="0" dirty="0"/>
+              <a:t>make a scoring script</a:t>
+            </a:r>
+          </a:p>
+          <a:p>
+            <a:r>
+              <a:rPr lang="en-US" baseline="0" dirty="0"/>
+              <a:t>find frequent </a:t>
+            </a:r>
+            <a:r>
+              <a:rPr lang="en-US" baseline="0" dirty="0" err="1"/>
+              <a:t>ngrams</a:t>
+            </a:r>
+            <a:r>
+              <a:rPr lang="en-US" baseline="0" dirty="0"/>
+              <a:t> for positive and negative</a:t>
+            </a:r>
+          </a:p>
+          <a:p>
             <a:endParaRPr lang="en-US" dirty="0"/>
           </a:p>
           <a:p>
@@ -4656,7 +4740,7 @@
           <a:p>
             <a:fld id="{8CE0FD87-9A44-5E45-8C0E-52F1E538B50D}" type="slidenum">
               <a:rPr lang="en-US" smtClean="0"/>
-              <a:t>33</a:t>
+              <a:t>32</a:t>
             </a:fld>
             <a:endParaRPr lang="en-US"/>
           </a:p>
@@ -4665,7 +4749,7 @@
     </p:spTree>
     <p:extLst>
       <p:ext uri="{BB962C8B-B14F-4D97-AF65-F5344CB8AC3E}">
-        <p14:creationId xmlns:p14="http://schemas.microsoft.com/office/powerpoint/2010/main" val="867959341"/>
+        <p14:creationId xmlns:p14="http://schemas.microsoft.com/office/powerpoint/2010/main" val="1001694688"/>
       </p:ext>
     </p:extLst>
   </p:cSld>
@@ -4804,7 +4888,7 @@
           <a:p>
             <a:fld id="{C8A563C8-30E1-EE49-B86D-0EE4EF74EEEE}" type="datetimeFigureOut">
               <a:rPr lang="en-US" smtClean="0"/>
-              <a:t>9/3/2018</a:t>
+              <a:t>9/30/18</a:t>
             </a:fld>
             <a:endParaRPr lang="en-US"/>
           </a:p>
@@ -4972,7 +5056,7 @@
           <a:p>
             <a:fld id="{C8A563C8-30E1-EE49-B86D-0EE4EF74EEEE}" type="datetimeFigureOut">
               <a:rPr lang="en-US" smtClean="0"/>
-              <a:t>9/3/2018</a:t>
+              <a:t>9/30/18</a:t>
             </a:fld>
             <a:endParaRPr lang="en-US"/>
           </a:p>
@@ -5150,7 +5234,7 @@
           <a:p>
             <a:fld id="{C8A563C8-30E1-EE49-B86D-0EE4EF74EEEE}" type="datetimeFigureOut">
               <a:rPr lang="en-US" smtClean="0"/>
-              <a:t>9/3/2018</a:t>
+              <a:t>9/30/18</a:t>
             </a:fld>
             <a:endParaRPr lang="en-US"/>
           </a:p>
@@ -5318,7 +5402,7 @@
           <a:p>
             <a:fld id="{C8A563C8-30E1-EE49-B86D-0EE4EF74EEEE}" type="datetimeFigureOut">
               <a:rPr lang="en-US" smtClean="0"/>
-              <a:t>9/3/2018</a:t>
+              <a:t>9/30/18</a:t>
             </a:fld>
             <a:endParaRPr lang="en-US"/>
           </a:p>
@@ -5563,7 +5647,7 @@
           <a:p>
             <a:fld id="{C8A563C8-30E1-EE49-B86D-0EE4EF74EEEE}" type="datetimeFigureOut">
               <a:rPr lang="en-US" smtClean="0"/>
-              <a:t>9/3/2018</a:t>
+              <a:t>9/30/18</a:t>
             </a:fld>
             <a:endParaRPr lang="en-US"/>
           </a:p>
@@ -5792,7 +5876,7 @@
           <a:p>
             <a:fld id="{C8A563C8-30E1-EE49-B86D-0EE4EF74EEEE}" type="datetimeFigureOut">
               <a:rPr lang="en-US" smtClean="0"/>
-              <a:t>9/3/2018</a:t>
+              <a:t>9/30/18</a:t>
             </a:fld>
             <a:endParaRPr lang="en-US"/>
           </a:p>
@@ -6156,7 +6240,7 @@
           <a:p>
             <a:fld id="{C8A563C8-30E1-EE49-B86D-0EE4EF74EEEE}" type="datetimeFigureOut">
               <a:rPr lang="en-US" smtClean="0"/>
-              <a:t>9/3/2018</a:t>
+              <a:t>9/30/18</a:t>
             </a:fld>
             <a:endParaRPr lang="en-US"/>
           </a:p>
@@ -6273,7 +6357,7 @@
           <a:p>
             <a:fld id="{C8A563C8-30E1-EE49-B86D-0EE4EF74EEEE}" type="datetimeFigureOut">
               <a:rPr lang="en-US" smtClean="0"/>
-              <a:t>9/3/2018</a:t>
+              <a:t>9/30/18</a:t>
             </a:fld>
             <a:endParaRPr lang="en-US"/>
           </a:p>
@@ -6368,7 +6452,7 @@
           <a:p>
             <a:fld id="{C8A563C8-30E1-EE49-B86D-0EE4EF74EEEE}" type="datetimeFigureOut">
               <a:rPr lang="en-US" smtClean="0"/>
-              <a:t>9/3/2018</a:t>
+              <a:t>9/30/18</a:t>
             </a:fld>
             <a:endParaRPr lang="en-US"/>
           </a:p>
@@ -6643,7 +6727,7 @@
           <a:p>
             <a:fld id="{C8A563C8-30E1-EE49-B86D-0EE4EF74EEEE}" type="datetimeFigureOut">
               <a:rPr lang="en-US" smtClean="0"/>
-              <a:t>9/3/2018</a:t>
+              <a:t>9/30/18</a:t>
             </a:fld>
             <a:endParaRPr lang="en-US"/>
           </a:p>
@@ -6895,7 +6979,7 @@
           <a:p>
             <a:fld id="{C8A563C8-30E1-EE49-B86D-0EE4EF74EEEE}" type="datetimeFigureOut">
               <a:rPr lang="en-US" smtClean="0"/>
-              <a:t>9/3/2018</a:t>
+              <a:t>9/30/18</a:t>
             </a:fld>
             <a:endParaRPr lang="en-US"/>
           </a:p>
@@ -7106,7 +7190,7 @@
           <a:p>
             <a:fld id="{C8A563C8-30E1-EE49-B86D-0EE4EF74EEEE}" type="datetimeFigureOut">
               <a:rPr lang="en-US" smtClean="0"/>
-              <a:t>9/3/2018</a:t>
+              <a:t>9/30/18</a:t>
             </a:fld>
             <a:endParaRPr lang="en-US"/>
           </a:p>
@@ -8427,7 +8511,7 @@
           <p:nvPr/>
         </p:nvPicPr>
         <p:blipFill>
-          <a:blip r:embed="rId2">
+          <a:blip r:embed="rId3">
             <a:extLst>
               <a:ext uri="{28A0092B-C50C-407E-A947-70E740481C1C}">
                 <a14:useLocalDpi xmlns:a14="http://schemas.microsoft.com/office/drawing/2010/main" val="0"/>
